--- a/Module-05 Application Implementation/Project/BDSE04-AIM-0322_WildanLuqmanulHakim_ProjectPresentation.pptx
+++ b/Module-05 Application Implementation/Project/BDSE04-AIM-0322_WildanLuqmanulHakim_ProjectPresentation.pptx
@@ -7,34 +7,35 @@
     <p:sldMasterId id="2147483654" r:id="rId6"/>
   </p:sldMasterIdLst>
   <p:notesMasterIdLst>
-    <p:notesMasterId r:id="rId24"/>
+    <p:notesMasterId r:id="rId25"/>
   </p:notesMasterIdLst>
   <p:handoutMasterIdLst>
-    <p:handoutMasterId r:id="rId25"/>
+    <p:handoutMasterId r:id="rId26"/>
   </p:handoutMasterIdLst>
   <p:sldIdLst>
     <p:sldId id="338" r:id="rId7"/>
     <p:sldId id="372" r:id="rId8"/>
     <p:sldId id="494" r:id="rId9"/>
     <p:sldId id="534" r:id="rId10"/>
-    <p:sldId id="537" r:id="rId11"/>
-    <p:sldId id="536" r:id="rId12"/>
-    <p:sldId id="538" r:id="rId13"/>
-    <p:sldId id="540" r:id="rId14"/>
-    <p:sldId id="542" r:id="rId15"/>
-    <p:sldId id="505" r:id="rId16"/>
-    <p:sldId id="496" r:id="rId17"/>
-    <p:sldId id="501" r:id="rId18"/>
-    <p:sldId id="513" r:id="rId19"/>
-    <p:sldId id="544" r:id="rId20"/>
-    <p:sldId id="502" r:id="rId21"/>
-    <p:sldId id="543" r:id="rId22"/>
-    <p:sldId id="504" r:id="rId23"/>
+    <p:sldId id="545" r:id="rId11"/>
+    <p:sldId id="537" r:id="rId12"/>
+    <p:sldId id="536" r:id="rId13"/>
+    <p:sldId id="538" r:id="rId14"/>
+    <p:sldId id="540" r:id="rId15"/>
+    <p:sldId id="542" r:id="rId16"/>
+    <p:sldId id="505" r:id="rId17"/>
+    <p:sldId id="496" r:id="rId18"/>
+    <p:sldId id="501" r:id="rId19"/>
+    <p:sldId id="513" r:id="rId20"/>
+    <p:sldId id="544" r:id="rId21"/>
+    <p:sldId id="502" r:id="rId22"/>
+    <p:sldId id="543" r:id="rId23"/>
+    <p:sldId id="504" r:id="rId24"/>
   </p:sldIdLst>
   <p:sldSz cx="9144000" cy="6858000" type="screen4x3"/>
   <p:notesSz cx="9939338" cy="6807200"/>
   <p:custDataLst>
-    <p:tags r:id="rId26"/>
+    <p:tags r:id="rId27"/>
   </p:custDataLst>
   <p:defaultTextStyle>
     <a:defPPr>
@@ -262,7 +263,7 @@
           <p:cNvPr id="2" name="Header Placeholder 1">
             <a:extLst>
               <a:ext uri="{FF2B5EF4-FFF2-40B4-BE49-F238E27FC236}">
-                <a16:creationId xmlns:a16="http://schemas.microsoft.com/office/drawing/2014/main" xmlns="" id="{C703604F-02DC-482D-AFEE-5BDBA002C04A}"/>
+                <a16:creationId xmlns:a16="http://schemas.microsoft.com/office/drawing/2014/main" id="{C703604F-02DC-482D-AFEE-5BDBA002C04A}"/>
               </a:ext>
             </a:extLst>
           </p:cNvPr>
@@ -306,7 +307,7 @@
           <p:cNvPr id="3" name="Date Placeholder 2">
             <a:extLst>
               <a:ext uri="{FF2B5EF4-FFF2-40B4-BE49-F238E27FC236}">
-                <a16:creationId xmlns:a16="http://schemas.microsoft.com/office/drawing/2014/main" xmlns="" id="{A8AD8BAF-504F-489F-B142-D79120DD46B9}"/>
+                <a16:creationId xmlns:a16="http://schemas.microsoft.com/office/drawing/2014/main" id="{A8AD8BAF-504F-489F-B142-D79120DD46B9}"/>
               </a:ext>
             </a:extLst>
           </p:cNvPr>
@@ -348,7 +349,7 @@
               <a:pPr>
                 <a:defRPr/>
               </a:pPr>
-              <a:t>8/23/2022</a:t>
+              <a:t>10/20/2022</a:t>
             </a:fld>
             <a:endParaRPr lang="en-US" altLang="en-US"/>
           </a:p>
@@ -359,7 +360,7 @@
           <p:cNvPr id="4" name="Footer Placeholder 3">
             <a:extLst>
               <a:ext uri="{FF2B5EF4-FFF2-40B4-BE49-F238E27FC236}">
-                <a16:creationId xmlns:a16="http://schemas.microsoft.com/office/drawing/2014/main" xmlns="" id="{9ABF372D-7742-458B-887F-126A48255DAC}"/>
+                <a16:creationId xmlns:a16="http://schemas.microsoft.com/office/drawing/2014/main" id="{9ABF372D-7742-458B-887F-126A48255DAC}"/>
               </a:ext>
             </a:extLst>
           </p:cNvPr>
@@ -403,7 +404,7 @@
           <p:cNvPr id="5" name="Slide Number Placeholder 4">
             <a:extLst>
               <a:ext uri="{FF2B5EF4-FFF2-40B4-BE49-F238E27FC236}">
-                <a16:creationId xmlns:a16="http://schemas.microsoft.com/office/drawing/2014/main" xmlns="" id="{9BEC907A-1B62-49FB-962A-1ADE5F31CE0D}"/>
+                <a16:creationId xmlns:a16="http://schemas.microsoft.com/office/drawing/2014/main" id="{9BEC907A-1B62-49FB-962A-1ADE5F31CE0D}"/>
               </a:ext>
             </a:extLst>
           </p:cNvPr>
@@ -492,7 +493,7 @@
           <p:cNvPr id="2" name="Header Placeholder 1">
             <a:extLst>
               <a:ext uri="{FF2B5EF4-FFF2-40B4-BE49-F238E27FC236}">
-                <a16:creationId xmlns:a16="http://schemas.microsoft.com/office/drawing/2014/main" xmlns="" id="{76C99510-02CE-4AD1-A9E9-7C68FAA6CC4B}"/>
+                <a16:creationId xmlns:a16="http://schemas.microsoft.com/office/drawing/2014/main" id="{76C99510-02CE-4AD1-A9E9-7C68FAA6CC4B}"/>
               </a:ext>
             </a:extLst>
           </p:cNvPr>
@@ -540,7 +541,7 @@
           <p:cNvPr id="3" name="Date Placeholder 2">
             <a:extLst>
               <a:ext uri="{FF2B5EF4-FFF2-40B4-BE49-F238E27FC236}">
-                <a16:creationId xmlns:a16="http://schemas.microsoft.com/office/drawing/2014/main" xmlns="" id="{3BD59BC2-A268-4048-892D-C2165FB61C36}"/>
+                <a16:creationId xmlns:a16="http://schemas.microsoft.com/office/drawing/2014/main" id="{3BD59BC2-A268-4048-892D-C2165FB61C36}"/>
               </a:ext>
             </a:extLst>
           </p:cNvPr>
@@ -582,7 +583,7 @@
               <a:pPr>
                 <a:defRPr/>
               </a:pPr>
-              <a:t>8/23/2022</a:t>
+              <a:t>10/20/2022</a:t>
             </a:fld>
             <a:endParaRPr lang="en-US" altLang="en-US"/>
           </a:p>
@@ -593,7 +594,7 @@
           <p:cNvPr id="4" name="Slide Image Placeholder 3">
             <a:extLst>
               <a:ext uri="{FF2B5EF4-FFF2-40B4-BE49-F238E27FC236}">
-                <a16:creationId xmlns:a16="http://schemas.microsoft.com/office/drawing/2014/main" xmlns="" id="{D456ECF8-1E2B-455B-9DC0-85BB74547141}"/>
+                <a16:creationId xmlns:a16="http://schemas.microsoft.com/office/drawing/2014/main" id="{D456ECF8-1E2B-455B-9DC0-85BB74547141}"/>
               </a:ext>
             </a:extLst>
           </p:cNvPr>
@@ -633,7 +634,7 @@
           <p:cNvPr id="5" name="Notes Placeholder 4">
             <a:extLst>
               <a:ext uri="{FF2B5EF4-FFF2-40B4-BE49-F238E27FC236}">
-                <a16:creationId xmlns:a16="http://schemas.microsoft.com/office/drawing/2014/main" xmlns="" id="{7089C99F-EA2B-4EE6-B715-31A1319F021A}"/>
+                <a16:creationId xmlns:a16="http://schemas.microsoft.com/office/drawing/2014/main" id="{7089C99F-EA2B-4EE6-B715-31A1319F021A}"/>
               </a:ext>
             </a:extLst>
           </p:cNvPr>
@@ -703,7 +704,7 @@
           <p:cNvPr id="6" name="Footer Placeholder 5">
             <a:extLst>
               <a:ext uri="{FF2B5EF4-FFF2-40B4-BE49-F238E27FC236}">
-                <a16:creationId xmlns:a16="http://schemas.microsoft.com/office/drawing/2014/main" xmlns="" id="{13C3C1ED-1BF8-4E8B-B031-126FB30D8B9A}"/>
+                <a16:creationId xmlns:a16="http://schemas.microsoft.com/office/drawing/2014/main" id="{13C3C1ED-1BF8-4E8B-B031-126FB30D8B9A}"/>
               </a:ext>
             </a:extLst>
           </p:cNvPr>
@@ -751,7 +752,7 @@
           <p:cNvPr id="7" name="Slide Number Placeholder 6">
             <a:extLst>
               <a:ext uri="{FF2B5EF4-FFF2-40B4-BE49-F238E27FC236}">
-                <a16:creationId xmlns:a16="http://schemas.microsoft.com/office/drawing/2014/main" xmlns="" id="{18951131-2388-4048-9ABA-5F914F9F9AC2}"/>
+                <a16:creationId xmlns:a16="http://schemas.microsoft.com/office/drawing/2014/main" id="{18951131-2388-4048-9ABA-5F914F9F9AC2}"/>
               </a:ext>
             </a:extLst>
           </p:cNvPr>
@@ -954,7 +955,7 @@
           <p:cNvPr id="7170" name="Slide Image Placeholder 1">
             <a:extLst>
               <a:ext uri="{FF2B5EF4-FFF2-40B4-BE49-F238E27FC236}">
-                <a16:creationId xmlns:a16="http://schemas.microsoft.com/office/drawing/2014/main" xmlns="" id="{7E0B277C-17CB-432A-8C2F-544391189879}"/>
+                <a16:creationId xmlns:a16="http://schemas.microsoft.com/office/drawing/2014/main" id="{7E0B277C-17CB-432A-8C2F-544391189879}"/>
               </a:ext>
             </a:extLst>
           </p:cNvPr>
@@ -991,7 +992,7 @@
           <p:cNvPr id="7171" name="Notes Placeholder 2">
             <a:extLst>
               <a:ext uri="{FF2B5EF4-FFF2-40B4-BE49-F238E27FC236}">
-                <a16:creationId xmlns:a16="http://schemas.microsoft.com/office/drawing/2014/main" xmlns="" id="{D43299A5-2104-4241-807A-73BE69A2EF90}"/>
+                <a16:creationId xmlns:a16="http://schemas.microsoft.com/office/drawing/2014/main" id="{D43299A5-2104-4241-807A-73BE69A2EF90}"/>
               </a:ext>
             </a:extLst>
           </p:cNvPr>
@@ -1037,7 +1038,7 @@
           <p:cNvPr id="7172" name="Slide Number Placeholder 3">
             <a:extLst>
               <a:ext uri="{FF2B5EF4-FFF2-40B4-BE49-F238E27FC236}">
-                <a16:creationId xmlns:a16="http://schemas.microsoft.com/office/drawing/2014/main" xmlns="" id="{2C8B8FC2-0C9A-462D-A65B-0B241A10ACF2}"/>
+                <a16:creationId xmlns:a16="http://schemas.microsoft.com/office/drawing/2014/main" id="{2C8B8FC2-0C9A-462D-A65B-0B241A10ACF2}"/>
               </a:ext>
             </a:extLst>
           </p:cNvPr>
@@ -1224,7 +1225,7 @@
           <p:cNvPr id="9218" name="Slide Image Placeholder 1">
             <a:extLst>
               <a:ext uri="{FF2B5EF4-FFF2-40B4-BE49-F238E27FC236}">
-                <a16:creationId xmlns:a16="http://schemas.microsoft.com/office/drawing/2014/main" xmlns="" id="{74DBE464-4812-4717-B861-8E652505ABAC}"/>
+                <a16:creationId xmlns:a16="http://schemas.microsoft.com/office/drawing/2014/main" id="{74DBE464-4812-4717-B861-8E652505ABAC}"/>
               </a:ext>
             </a:extLst>
           </p:cNvPr>
@@ -1261,7 +1262,7 @@
           <p:cNvPr id="9219" name="Notes Placeholder 2">
             <a:extLst>
               <a:ext uri="{FF2B5EF4-FFF2-40B4-BE49-F238E27FC236}">
-                <a16:creationId xmlns:a16="http://schemas.microsoft.com/office/drawing/2014/main" xmlns="" id="{4EB7A2B0-A247-4E81-8DB1-8014294EC1A8}"/>
+                <a16:creationId xmlns:a16="http://schemas.microsoft.com/office/drawing/2014/main" id="{4EB7A2B0-A247-4E81-8DB1-8014294EC1A8}"/>
               </a:ext>
             </a:extLst>
           </p:cNvPr>
@@ -1307,7 +1308,7 @@
           <p:cNvPr id="9220" name="Slide Number Placeholder 3">
             <a:extLst>
               <a:ext uri="{FF2B5EF4-FFF2-40B4-BE49-F238E27FC236}">
-                <a16:creationId xmlns:a16="http://schemas.microsoft.com/office/drawing/2014/main" xmlns="" id="{177E92BE-F11F-4CBB-88F4-0AF0ADF8A378}"/>
+                <a16:creationId xmlns:a16="http://schemas.microsoft.com/office/drawing/2014/main" id="{177E92BE-F11F-4CBB-88F4-0AF0ADF8A378}"/>
               </a:ext>
             </a:extLst>
           </p:cNvPr>
@@ -1494,7 +1495,7 @@
           <p:cNvPr id="20482" name="Slide Image Placeholder 1">
             <a:extLst>
               <a:ext uri="{FF2B5EF4-FFF2-40B4-BE49-F238E27FC236}">
-                <a16:creationId xmlns:a16="http://schemas.microsoft.com/office/drawing/2014/main" xmlns="" id="{2517BC44-6A78-4136-BE04-8FD8FC847F20}"/>
+                <a16:creationId xmlns:a16="http://schemas.microsoft.com/office/drawing/2014/main" id="{2517BC44-6A78-4136-BE04-8FD8FC847F20}"/>
               </a:ext>
             </a:extLst>
           </p:cNvPr>
@@ -1531,7 +1532,7 @@
           <p:cNvPr id="20483" name="Notes Placeholder 2">
             <a:extLst>
               <a:ext uri="{FF2B5EF4-FFF2-40B4-BE49-F238E27FC236}">
-                <a16:creationId xmlns:a16="http://schemas.microsoft.com/office/drawing/2014/main" xmlns="" id="{71CCECFB-0CDB-4AA3-8795-9447CE9A5469}"/>
+                <a16:creationId xmlns:a16="http://schemas.microsoft.com/office/drawing/2014/main" id="{71CCECFB-0CDB-4AA3-8795-9447CE9A5469}"/>
               </a:ext>
             </a:extLst>
           </p:cNvPr>
@@ -1577,7 +1578,7 @@
           <p:cNvPr id="20484" name="Slide Number Placeholder 3">
             <a:extLst>
               <a:ext uri="{FF2B5EF4-FFF2-40B4-BE49-F238E27FC236}">
-                <a16:creationId xmlns:a16="http://schemas.microsoft.com/office/drawing/2014/main" xmlns="" id="{D1835A97-158B-4169-920D-CEDF92C4C3AC}"/>
+                <a16:creationId xmlns:a16="http://schemas.microsoft.com/office/drawing/2014/main" id="{D1835A97-158B-4169-920D-CEDF92C4C3AC}"/>
               </a:ext>
             </a:extLst>
           </p:cNvPr>
@@ -1727,7 +1728,7 @@
                 </a:solidFill>
               </a:rPr>
               <a:pPr/>
-              <a:t>10</a:t>
+              <a:t>11</a:t>
             </a:fld>
             <a:endParaRPr lang="en-US" altLang="en-US">
               <a:solidFill>
@@ -1772,7 +1773,7 @@
           <p:cNvPr id="29698" name="Slide Image Placeholder 1">
             <a:extLst>
               <a:ext uri="{FF2B5EF4-FFF2-40B4-BE49-F238E27FC236}">
-                <a16:creationId xmlns:a16="http://schemas.microsoft.com/office/drawing/2014/main" xmlns="" id="{BE1DBCDE-A288-427C-A944-074E0AE949D8}"/>
+                <a16:creationId xmlns:a16="http://schemas.microsoft.com/office/drawing/2014/main" id="{BE1DBCDE-A288-427C-A944-074E0AE949D8}"/>
               </a:ext>
             </a:extLst>
           </p:cNvPr>
@@ -1809,7 +1810,7 @@
           <p:cNvPr id="29699" name="Notes Placeholder 2">
             <a:extLst>
               <a:ext uri="{FF2B5EF4-FFF2-40B4-BE49-F238E27FC236}">
-                <a16:creationId xmlns:a16="http://schemas.microsoft.com/office/drawing/2014/main" xmlns="" id="{7DACFE1E-8280-4CC5-A69E-1AEB92016817}"/>
+                <a16:creationId xmlns:a16="http://schemas.microsoft.com/office/drawing/2014/main" id="{7DACFE1E-8280-4CC5-A69E-1AEB92016817}"/>
               </a:ext>
             </a:extLst>
           </p:cNvPr>
@@ -1855,7 +1856,7 @@
           <p:cNvPr id="29700" name="Slide Number Placeholder 3">
             <a:extLst>
               <a:ext uri="{FF2B5EF4-FFF2-40B4-BE49-F238E27FC236}">
-                <a16:creationId xmlns:a16="http://schemas.microsoft.com/office/drawing/2014/main" xmlns="" id="{F0DE737C-8BC5-4758-9BCE-E701F0FC4777}"/>
+                <a16:creationId xmlns:a16="http://schemas.microsoft.com/office/drawing/2014/main" id="{F0DE737C-8BC5-4758-9BCE-E701F0FC4777}"/>
               </a:ext>
             </a:extLst>
           </p:cNvPr>
@@ -2005,7 +2006,7 @@
                 </a:solidFill>
               </a:rPr>
               <a:pPr/>
-              <a:t>11</a:t>
+              <a:t>12</a:t>
             </a:fld>
             <a:endParaRPr lang="en-US" altLang="en-US">
               <a:solidFill>
@@ -2050,7 +2051,7 @@
           <p:cNvPr id="33794" name="Slide Image Placeholder 1">
             <a:extLst>
               <a:ext uri="{FF2B5EF4-FFF2-40B4-BE49-F238E27FC236}">
-                <a16:creationId xmlns:a16="http://schemas.microsoft.com/office/drawing/2014/main" xmlns="" id="{0666F4D4-82BA-4492-A54E-91E11B65D3A6}"/>
+                <a16:creationId xmlns:a16="http://schemas.microsoft.com/office/drawing/2014/main" id="{0666F4D4-82BA-4492-A54E-91E11B65D3A6}"/>
               </a:ext>
             </a:extLst>
           </p:cNvPr>
@@ -2087,7 +2088,7 @@
           <p:cNvPr id="33795" name="Notes Placeholder 2">
             <a:extLst>
               <a:ext uri="{FF2B5EF4-FFF2-40B4-BE49-F238E27FC236}">
-                <a16:creationId xmlns:a16="http://schemas.microsoft.com/office/drawing/2014/main" xmlns="" id="{BE879E88-B410-441F-9859-D77264522A1D}"/>
+                <a16:creationId xmlns:a16="http://schemas.microsoft.com/office/drawing/2014/main" id="{BE879E88-B410-441F-9859-D77264522A1D}"/>
               </a:ext>
             </a:extLst>
           </p:cNvPr>
@@ -2133,7 +2134,7 @@
           <p:cNvPr id="33796" name="Slide Number Placeholder 3">
             <a:extLst>
               <a:ext uri="{FF2B5EF4-FFF2-40B4-BE49-F238E27FC236}">
-                <a16:creationId xmlns:a16="http://schemas.microsoft.com/office/drawing/2014/main" xmlns="" id="{A75F97AA-0C2D-4C04-A715-C038F289341E}"/>
+                <a16:creationId xmlns:a16="http://schemas.microsoft.com/office/drawing/2014/main" id="{A75F97AA-0C2D-4C04-A715-C038F289341E}"/>
               </a:ext>
             </a:extLst>
           </p:cNvPr>
@@ -2283,7 +2284,7 @@
                 </a:solidFill>
               </a:rPr>
               <a:pPr/>
-              <a:t>12</a:t>
+              <a:t>13</a:t>
             </a:fld>
             <a:endParaRPr lang="en-US" altLang="en-US">
               <a:solidFill>
@@ -2328,7 +2329,7 @@
           <p:cNvPr id="36866" name="Slide Image Placeholder 1">
             <a:extLst>
               <a:ext uri="{FF2B5EF4-FFF2-40B4-BE49-F238E27FC236}">
-                <a16:creationId xmlns:a16="http://schemas.microsoft.com/office/drawing/2014/main" xmlns="" id="{83128059-7841-4BD6-BB80-F52422BC74F0}"/>
+                <a16:creationId xmlns:a16="http://schemas.microsoft.com/office/drawing/2014/main" id="{83128059-7841-4BD6-BB80-F52422BC74F0}"/>
               </a:ext>
             </a:extLst>
           </p:cNvPr>
@@ -2365,7 +2366,7 @@
           <p:cNvPr id="36867" name="Notes Placeholder 2">
             <a:extLst>
               <a:ext uri="{FF2B5EF4-FFF2-40B4-BE49-F238E27FC236}">
-                <a16:creationId xmlns:a16="http://schemas.microsoft.com/office/drawing/2014/main" xmlns="" id="{B8BCBCC6-6713-4FC3-8868-2E4906BF5BAB}"/>
+                <a16:creationId xmlns:a16="http://schemas.microsoft.com/office/drawing/2014/main" id="{B8BCBCC6-6713-4FC3-8868-2E4906BF5BAB}"/>
               </a:ext>
             </a:extLst>
           </p:cNvPr>
@@ -2411,7 +2412,7 @@
           <p:cNvPr id="36868" name="Slide Number Placeholder 3">
             <a:extLst>
               <a:ext uri="{FF2B5EF4-FFF2-40B4-BE49-F238E27FC236}">
-                <a16:creationId xmlns:a16="http://schemas.microsoft.com/office/drawing/2014/main" xmlns="" id="{BB86AA2F-F8AA-4D81-88D4-F744437ED892}"/>
+                <a16:creationId xmlns:a16="http://schemas.microsoft.com/office/drawing/2014/main" id="{BB86AA2F-F8AA-4D81-88D4-F744437ED892}"/>
               </a:ext>
             </a:extLst>
           </p:cNvPr>
@@ -2561,7 +2562,7 @@
                 </a:solidFill>
               </a:rPr>
               <a:pPr/>
-              <a:t>15</a:t>
+              <a:t>16</a:t>
             </a:fld>
             <a:endParaRPr lang="en-US" altLang="en-US">
               <a:solidFill>
@@ -2606,7 +2607,7 @@
           <p:cNvPr id="36866" name="Slide Image Placeholder 1">
             <a:extLst>
               <a:ext uri="{FF2B5EF4-FFF2-40B4-BE49-F238E27FC236}">
-                <a16:creationId xmlns:a16="http://schemas.microsoft.com/office/drawing/2014/main" xmlns="" id="{83128059-7841-4BD6-BB80-F52422BC74F0}"/>
+                <a16:creationId xmlns:a16="http://schemas.microsoft.com/office/drawing/2014/main" id="{83128059-7841-4BD6-BB80-F52422BC74F0}"/>
               </a:ext>
             </a:extLst>
           </p:cNvPr>
@@ -2643,7 +2644,7 @@
           <p:cNvPr id="36867" name="Notes Placeholder 2">
             <a:extLst>
               <a:ext uri="{FF2B5EF4-FFF2-40B4-BE49-F238E27FC236}">
-                <a16:creationId xmlns:a16="http://schemas.microsoft.com/office/drawing/2014/main" xmlns="" id="{B8BCBCC6-6713-4FC3-8868-2E4906BF5BAB}"/>
+                <a16:creationId xmlns:a16="http://schemas.microsoft.com/office/drawing/2014/main" id="{B8BCBCC6-6713-4FC3-8868-2E4906BF5BAB}"/>
               </a:ext>
             </a:extLst>
           </p:cNvPr>
@@ -2689,7 +2690,7 @@
           <p:cNvPr id="36868" name="Slide Number Placeholder 3">
             <a:extLst>
               <a:ext uri="{FF2B5EF4-FFF2-40B4-BE49-F238E27FC236}">
-                <a16:creationId xmlns:a16="http://schemas.microsoft.com/office/drawing/2014/main" xmlns="" id="{BB86AA2F-F8AA-4D81-88D4-F744437ED892}"/>
+                <a16:creationId xmlns:a16="http://schemas.microsoft.com/office/drawing/2014/main" id="{BB86AA2F-F8AA-4D81-88D4-F744437ED892}"/>
               </a:ext>
             </a:extLst>
           </p:cNvPr>
@@ -2839,7 +2840,7 @@
                 </a:solidFill>
               </a:rPr>
               <a:pPr/>
-              <a:t>16</a:t>
+              <a:t>17</a:t>
             </a:fld>
             <a:endParaRPr lang="en-US" altLang="en-US">
               <a:solidFill>
@@ -2884,7 +2885,7 @@
           <p:cNvPr id="38914" name="Slide Image Placeholder 1">
             <a:extLst>
               <a:ext uri="{FF2B5EF4-FFF2-40B4-BE49-F238E27FC236}">
-                <a16:creationId xmlns:a16="http://schemas.microsoft.com/office/drawing/2014/main" xmlns="" id="{F64E1642-CBF8-4B98-B948-921CE0185EF4}"/>
+                <a16:creationId xmlns:a16="http://schemas.microsoft.com/office/drawing/2014/main" id="{F64E1642-CBF8-4B98-B948-921CE0185EF4}"/>
               </a:ext>
             </a:extLst>
           </p:cNvPr>
@@ -2921,7 +2922,7 @@
           <p:cNvPr id="38915" name="Notes Placeholder 2">
             <a:extLst>
               <a:ext uri="{FF2B5EF4-FFF2-40B4-BE49-F238E27FC236}">
-                <a16:creationId xmlns:a16="http://schemas.microsoft.com/office/drawing/2014/main" xmlns="" id="{6EF03B1E-CB2B-47EE-A944-E65E192F7C5A}"/>
+                <a16:creationId xmlns:a16="http://schemas.microsoft.com/office/drawing/2014/main" id="{6EF03B1E-CB2B-47EE-A944-E65E192F7C5A}"/>
               </a:ext>
             </a:extLst>
           </p:cNvPr>
@@ -2967,7 +2968,7 @@
           <p:cNvPr id="38916" name="Slide Number Placeholder 3">
             <a:extLst>
               <a:ext uri="{FF2B5EF4-FFF2-40B4-BE49-F238E27FC236}">
-                <a16:creationId xmlns:a16="http://schemas.microsoft.com/office/drawing/2014/main" xmlns="" id="{804829CB-1C5B-4443-944F-4E118684A307}"/>
+                <a16:creationId xmlns:a16="http://schemas.microsoft.com/office/drawing/2014/main" id="{804829CB-1C5B-4443-944F-4E118684A307}"/>
               </a:ext>
             </a:extLst>
           </p:cNvPr>
@@ -3117,7 +3118,7 @@
                 </a:solidFill>
               </a:rPr>
               <a:pPr/>
-              <a:t>17</a:t>
+              <a:t>18</a:t>
             </a:fld>
             <a:endParaRPr lang="en-US" altLang="en-US">
               <a:solidFill>
@@ -3354,7 +3355,7 @@
           <p:cNvPr id="1026" name="Picture 2" descr="Untitled-4.jpg">
             <a:extLst>
               <a:ext uri="{FF2B5EF4-FFF2-40B4-BE49-F238E27FC236}">
-                <a16:creationId xmlns:a16="http://schemas.microsoft.com/office/drawing/2014/main" xmlns="" id="{CC49FBEB-E28E-467F-B589-B691FC552E9B}"/>
+                <a16:creationId xmlns:a16="http://schemas.microsoft.com/office/drawing/2014/main" id="{CC49FBEB-E28E-467F-B589-B691FC552E9B}"/>
               </a:ext>
             </a:extLst>
           </p:cNvPr>
@@ -3414,7 +3415,7 @@
           <p:cNvPr id="1027" name="Picture 2">
             <a:extLst>
               <a:ext uri="{FF2B5EF4-FFF2-40B4-BE49-F238E27FC236}">
-                <a16:creationId xmlns:a16="http://schemas.microsoft.com/office/drawing/2014/main" xmlns="" id="{F914CA09-5CA4-434F-9526-F5E0FC74C147}"/>
+                <a16:creationId xmlns:a16="http://schemas.microsoft.com/office/drawing/2014/main" id="{F914CA09-5CA4-434F-9526-F5E0FC74C147}"/>
               </a:ext>
             </a:extLst>
           </p:cNvPr>
@@ -3903,7 +3904,7 @@
           <p:cNvPr id="2050" name="Picture 5" descr="Untitled-4.jpg">
             <a:extLst>
               <a:ext uri="{FF2B5EF4-FFF2-40B4-BE49-F238E27FC236}">
-                <a16:creationId xmlns:a16="http://schemas.microsoft.com/office/drawing/2014/main" xmlns="" id="{C6666E74-1F75-42FA-AB2D-1A2962D2B402}"/>
+                <a16:creationId xmlns:a16="http://schemas.microsoft.com/office/drawing/2014/main" id="{C6666E74-1F75-42FA-AB2D-1A2962D2B402}"/>
               </a:ext>
             </a:extLst>
           </p:cNvPr>
@@ -3963,7 +3964,7 @@
           <p:cNvPr id="2051" name="Picture 3">
             <a:extLst>
               <a:ext uri="{FF2B5EF4-FFF2-40B4-BE49-F238E27FC236}">
-                <a16:creationId xmlns:a16="http://schemas.microsoft.com/office/drawing/2014/main" xmlns="" id="{997C836E-6491-4AB5-87C0-52C6B5678A5E}"/>
+                <a16:creationId xmlns:a16="http://schemas.microsoft.com/office/drawing/2014/main" id="{997C836E-6491-4AB5-87C0-52C6B5678A5E}"/>
               </a:ext>
             </a:extLst>
           </p:cNvPr>
@@ -4870,7 +4871,7 @@
           <p:cNvPr id="15362" name="Title 1">
             <a:extLst>
               <a:ext uri="{FF2B5EF4-FFF2-40B4-BE49-F238E27FC236}">
-                <a16:creationId xmlns:a16="http://schemas.microsoft.com/office/drawing/2014/main" xmlns="" id="{D0F0A00E-823B-4851-B915-47C782B33BD2}"/>
+                <a16:creationId xmlns:a16="http://schemas.microsoft.com/office/drawing/2014/main" id="{D0F0A00E-823B-4851-B915-47C782B33BD2}"/>
               </a:ext>
             </a:extLst>
           </p:cNvPr>
@@ -4918,7 +4919,7 @@
           <p:cNvPr id="5123" name="Title 1">
             <a:extLst>
               <a:ext uri="{FF2B5EF4-FFF2-40B4-BE49-F238E27FC236}">
-                <a16:creationId xmlns:a16="http://schemas.microsoft.com/office/drawing/2014/main" xmlns="" id="{9943F5AA-E44A-462B-A8FC-39B76FFACCDE}"/>
+                <a16:creationId xmlns:a16="http://schemas.microsoft.com/office/drawing/2014/main" id="{9943F5AA-E44A-462B-A8FC-39B76FFACCDE}"/>
               </a:ext>
             </a:extLst>
           </p:cNvPr>
@@ -5092,7 +5093,7 @@
           <p:cNvPr id="5" name="Title 1">
             <a:extLst>
               <a:ext uri="{FF2B5EF4-FFF2-40B4-BE49-F238E27FC236}">
-                <a16:creationId xmlns:a16="http://schemas.microsoft.com/office/drawing/2014/main" xmlns="" id="{3D1E2B7E-1984-4A38-B999-D3FC5F0148C2}"/>
+                <a16:creationId xmlns:a16="http://schemas.microsoft.com/office/drawing/2014/main" id="{3D1E2B7E-1984-4A38-B999-D3FC5F0148C2}"/>
               </a:ext>
             </a:extLst>
           </p:cNvPr>
@@ -5244,19 +5245,7 @@
               <a:rPr lang="en-US" altLang="en-US" sz="1400" b="1" dirty="0">
                 <a:latin typeface="+mn-lt"/>
               </a:rPr>
-              <a:t>Start Date		</a:t>
-            </a:r>
-            <a:r>
-              <a:rPr lang="en-US" altLang="en-US" sz="1400" b="1" dirty="0" smtClean="0">
-                <a:latin typeface="+mn-lt"/>
-              </a:rPr>
-              <a:t>: 9 August 2022</a:t>
-            </a:r>
-            <a:r>
-              <a:rPr lang="en-US" altLang="en-US" sz="1400" b="1" dirty="0">
-                <a:latin typeface="+mn-lt"/>
-              </a:rPr>
-              <a:t>	</a:t>
+              <a:t>Start Date		: 9 August 2022	</a:t>
             </a:r>
           </a:p>
           <a:p>
@@ -5276,31 +5265,7 @@
               <a:rPr lang="en-US" altLang="en-US" sz="1400" b="1" dirty="0">
                 <a:latin typeface="+mn-lt"/>
               </a:rPr>
-              <a:t>End Date		</a:t>
-            </a:r>
-            <a:r>
-              <a:rPr lang="en-US" altLang="en-US" sz="1400" b="1" dirty="0" smtClean="0">
-                <a:latin typeface="+mn-lt"/>
-              </a:rPr>
-              <a:t>: </a:t>
-            </a:r>
-            <a:r>
-              <a:rPr lang="en-US" altLang="en-US" sz="1400" b="1" dirty="0" smtClean="0">
-                <a:latin typeface="+mn-lt"/>
-              </a:rPr>
-              <a:t>24 </a:t>
-            </a:r>
-            <a:r>
-              <a:rPr lang="en-US" altLang="en-US" sz="1400" b="1" dirty="0" smtClean="0">
-                <a:latin typeface="+mn-lt"/>
-              </a:rPr>
-              <a:t>August 2022</a:t>
-            </a:r>
-            <a:r>
-              <a:rPr lang="en-US" altLang="en-US" sz="1400" b="1" dirty="0">
-                <a:latin typeface="+mn-lt"/>
-              </a:rPr>
-              <a:t>	</a:t>
+              <a:t>End Date		: 24 August 2022	</a:t>
             </a:r>
           </a:p>
           <a:p>
@@ -5320,19 +5285,7 @@
               <a:rPr lang="en-US" altLang="en-US" sz="1400" b="1" dirty="0">
                 <a:latin typeface="+mn-lt"/>
               </a:rPr>
-              <a:t>Submission Date	</a:t>
-            </a:r>
-            <a:r>
-              <a:rPr lang="en-US" altLang="en-US" sz="1400" b="1" dirty="0" smtClean="0">
-                <a:latin typeface="+mn-lt"/>
-              </a:rPr>
-              <a:t>: 23 August 2022</a:t>
-            </a:r>
-            <a:r>
-              <a:rPr lang="en-US" altLang="en-US" sz="1400" b="1" dirty="0">
-                <a:latin typeface="+mn-lt"/>
-              </a:rPr>
-              <a:t>	</a:t>
+              <a:t>Submission Date	: 23 August 2022	</a:t>
             </a:r>
           </a:p>
           <a:p>
@@ -5359,7 +5312,7 @@
           <p:cNvPr id="6" name="Title 1">
             <a:extLst>
               <a:ext uri="{FF2B5EF4-FFF2-40B4-BE49-F238E27FC236}">
-                <a16:creationId xmlns:a16="http://schemas.microsoft.com/office/drawing/2014/main" xmlns="" id="{85DFC0B0-FB48-41B8-9972-916748A1C7B0}"/>
+                <a16:creationId xmlns:a16="http://schemas.microsoft.com/office/drawing/2014/main" id="{85DFC0B0-FB48-41B8-9972-916748A1C7B0}"/>
               </a:ext>
             </a:extLst>
           </p:cNvPr>
@@ -5556,7 +5509,7 @@
           <p:cNvPr id="7" name="Title 1">
             <a:extLst>
               <a:ext uri="{FF2B5EF4-FFF2-40B4-BE49-F238E27FC236}">
-                <a16:creationId xmlns:a16="http://schemas.microsoft.com/office/drawing/2014/main" xmlns="" id="{3AAE6609-8189-419A-853E-0A3E5EB230FA}"/>
+                <a16:creationId xmlns:a16="http://schemas.microsoft.com/office/drawing/2014/main" id="{3AAE6609-8189-419A-853E-0A3E5EB230FA}"/>
               </a:ext>
             </a:extLst>
           </p:cNvPr>
@@ -5708,43 +5661,31 @@
               <a:rPr lang="en-US" altLang="en-US" sz="1400" b="1" dirty="0">
                 <a:latin typeface="+mn-lt"/>
               </a:rPr>
-              <a:t>Learner Name	</a:t>
+              <a:t>Learner Name	: </a:t>
             </a:r>
             <a:r>
-              <a:rPr lang="en-US" altLang="en-US" sz="1400" b="1" dirty="0" smtClean="0">
-                <a:latin typeface="+mn-lt"/>
-              </a:rPr>
-              <a:t>: </a:t>
-            </a:r>
-            <a:r>
-              <a:rPr lang="en-US" altLang="en-US" sz="1400" b="1" dirty="0" err="1" smtClean="0">
+              <a:rPr lang="en-US" altLang="en-US" sz="1400" b="1" dirty="0" err="1">
                 <a:latin typeface="+mn-lt"/>
               </a:rPr>
               <a:t>Wildan</a:t>
             </a:r>
             <a:r>
-              <a:rPr lang="en-US" altLang="en-US" sz="1400" b="1" dirty="0" smtClean="0">
+              <a:rPr lang="en-US" altLang="en-US" sz="1400" b="1" dirty="0">
                 <a:latin typeface="+mn-lt"/>
               </a:rPr>
               <a:t> </a:t>
             </a:r>
             <a:r>
-              <a:rPr lang="en-US" altLang="en-US" sz="1400" b="1" dirty="0" err="1" smtClean="0">
+              <a:rPr lang="en-US" altLang="en-US" sz="1400" b="1" dirty="0" err="1">
                 <a:latin typeface="+mn-lt"/>
               </a:rPr>
               <a:t>Luqmanul</a:t>
             </a:r>
             <a:r>
-              <a:rPr lang="en-US" altLang="en-US" sz="1400" b="1" dirty="0" smtClean="0">
-                <a:latin typeface="+mn-lt"/>
-              </a:rPr>
-              <a:t> Hakim </a:t>
-            </a:r>
-            <a:r>
               <a:rPr lang="en-US" altLang="en-US" sz="1400" b="1" dirty="0">
                 <a:latin typeface="+mn-lt"/>
               </a:rPr>
-              <a:t>	</a:t>
+              <a:t> Hakim 	</a:t>
             </a:r>
           </a:p>
           <a:p>
@@ -5764,19 +5705,7 @@
               <a:rPr lang="en-US" altLang="en-US" sz="1400" b="1" dirty="0">
                 <a:latin typeface="+mn-lt"/>
               </a:rPr>
-              <a:t>Enrollment ID	</a:t>
-            </a:r>
-            <a:r>
-              <a:rPr lang="en-US" altLang="en-US" sz="1400" b="1" dirty="0" smtClean="0">
-                <a:latin typeface="+mn-lt"/>
-              </a:rPr>
-              <a:t>: BDSE-0322</a:t>
-            </a:r>
-            <a:r>
-              <a:rPr lang="en-US" altLang="en-US" sz="1400" b="1" dirty="0">
-                <a:latin typeface="+mn-lt"/>
-              </a:rPr>
-              <a:t>	</a:t>
+              <a:t>Enrollment ID	: BDSE-0322	</a:t>
             </a:r>
           </a:p>
           <a:p>
@@ -5845,10 +5774,302 @@
       </p:grpSpPr>
       <p:sp>
         <p:nvSpPr>
+          <p:cNvPr id="17410" name="TextBox 2">
+            <a:extLst>
+              <a:ext uri="{FF2B5EF4-FFF2-40B4-BE49-F238E27FC236}">
+                <a16:creationId xmlns:a16="http://schemas.microsoft.com/office/drawing/2014/main" id="{B119ABBE-DEA9-4C5A-BB9D-474E77EE127A}"/>
+              </a:ext>
+            </a:extLst>
+          </p:cNvPr>
+          <p:cNvSpPr txBox="1">
+            <a:spLocks noChangeArrowheads="1"/>
+          </p:cNvSpPr>
+          <p:nvPr/>
+        </p:nvSpPr>
+        <p:spPr bwMode="auto">
+          <a:xfrm>
+            <a:off x="34925" y="404813"/>
+            <a:ext cx="6689725" cy="522287"/>
+          </a:xfrm>
+          <a:prstGeom prst="rect">
+            <a:avLst/>
+          </a:prstGeom>
+          <a:noFill/>
+          <a:ln>
+            <a:noFill/>
+          </a:ln>
+          <a:extLst>
+            <a:ext uri="{909E8E84-426E-40DD-AFC4-6F175D3DCCD1}">
+              <a14:hiddenFill xmlns:a14="http://schemas.microsoft.com/office/drawing/2010/main">
+                <a:solidFill>
+                  <a:srgbClr val="FFFFFF"/>
+                </a:solidFill>
+              </a14:hiddenFill>
+            </a:ext>
+            <a:ext uri="{91240B29-F687-4F45-9708-019B960494DF}">
+              <a14:hiddenLine xmlns:a14="http://schemas.microsoft.com/office/drawing/2010/main" w="9525">
+                <a:solidFill>
+                  <a:srgbClr val="000000"/>
+                </a:solidFill>
+                <a:miter lim="800000"/>
+                <a:headEnd/>
+                <a:tailEnd/>
+              </a14:hiddenLine>
+            </a:ext>
+          </a:extLst>
+        </p:spPr>
+        <p:txBody>
+          <a:bodyPr>
+            <a:spAutoFit/>
+          </a:bodyPr>
+          <a:lstStyle>
+            <a:lvl1pPr>
+              <a:defRPr>
+                <a:solidFill>
+                  <a:schemeClr val="tx1"/>
+                </a:solidFill>
+                <a:latin typeface="Arial" panose="020B0604020202020204" pitchFamily="34" charset="0"/>
+                <a:ea typeface="ヒラギノ角ゴ Pro W3" charset="-128"/>
+              </a:defRPr>
+            </a:lvl1pPr>
+            <a:lvl2pPr marL="742950" indent="-285750">
+              <a:defRPr>
+                <a:solidFill>
+                  <a:schemeClr val="tx1"/>
+                </a:solidFill>
+                <a:latin typeface="Arial" panose="020B0604020202020204" pitchFamily="34" charset="0"/>
+                <a:ea typeface="ヒラギノ角ゴ Pro W3" charset="-128"/>
+              </a:defRPr>
+            </a:lvl2pPr>
+            <a:lvl3pPr marL="1143000" indent="-228600">
+              <a:defRPr>
+                <a:solidFill>
+                  <a:schemeClr val="tx1"/>
+                </a:solidFill>
+                <a:latin typeface="Arial" panose="020B0604020202020204" pitchFamily="34" charset="0"/>
+                <a:ea typeface="ヒラギノ角ゴ Pro W3" charset="-128"/>
+              </a:defRPr>
+            </a:lvl3pPr>
+            <a:lvl4pPr marL="1600200" indent="-228600">
+              <a:defRPr>
+                <a:solidFill>
+                  <a:schemeClr val="tx1"/>
+                </a:solidFill>
+                <a:latin typeface="Arial" panose="020B0604020202020204" pitchFamily="34" charset="0"/>
+                <a:ea typeface="ヒラギノ角ゴ Pro W3" charset="-128"/>
+              </a:defRPr>
+            </a:lvl4pPr>
+            <a:lvl5pPr marL="2057400" indent="-228600">
+              <a:defRPr>
+                <a:solidFill>
+                  <a:schemeClr val="tx1"/>
+                </a:solidFill>
+                <a:latin typeface="Arial" panose="020B0604020202020204" pitchFamily="34" charset="0"/>
+                <a:ea typeface="ヒラギノ角ゴ Pro W3" charset="-128"/>
+              </a:defRPr>
+            </a:lvl5pPr>
+            <a:lvl6pPr marL="2514600" indent="-228600" defTabSz="457200" eaLnBrk="0" fontAlgn="base" hangingPunct="0">
+              <a:spcBef>
+                <a:spcPct val="0"/>
+              </a:spcBef>
+              <a:spcAft>
+                <a:spcPct val="0"/>
+              </a:spcAft>
+              <a:defRPr>
+                <a:solidFill>
+                  <a:schemeClr val="tx1"/>
+                </a:solidFill>
+                <a:latin typeface="Arial" panose="020B0604020202020204" pitchFamily="34" charset="0"/>
+                <a:ea typeface="ヒラギノ角ゴ Pro W3" charset="-128"/>
+              </a:defRPr>
+            </a:lvl6pPr>
+            <a:lvl7pPr marL="2971800" indent="-228600" defTabSz="457200" eaLnBrk="0" fontAlgn="base" hangingPunct="0">
+              <a:spcBef>
+                <a:spcPct val="0"/>
+              </a:spcBef>
+              <a:spcAft>
+                <a:spcPct val="0"/>
+              </a:spcAft>
+              <a:defRPr>
+                <a:solidFill>
+                  <a:schemeClr val="tx1"/>
+                </a:solidFill>
+                <a:latin typeface="Arial" panose="020B0604020202020204" pitchFamily="34" charset="0"/>
+                <a:ea typeface="ヒラギノ角ゴ Pro W3" charset="-128"/>
+              </a:defRPr>
+            </a:lvl7pPr>
+            <a:lvl8pPr marL="3429000" indent="-228600" defTabSz="457200" eaLnBrk="0" fontAlgn="base" hangingPunct="0">
+              <a:spcBef>
+                <a:spcPct val="0"/>
+              </a:spcBef>
+              <a:spcAft>
+                <a:spcPct val="0"/>
+              </a:spcAft>
+              <a:defRPr>
+                <a:solidFill>
+                  <a:schemeClr val="tx1"/>
+                </a:solidFill>
+                <a:latin typeface="Arial" panose="020B0604020202020204" pitchFamily="34" charset="0"/>
+                <a:ea typeface="ヒラギノ角ゴ Pro W3" charset="-128"/>
+              </a:defRPr>
+            </a:lvl8pPr>
+            <a:lvl9pPr marL="3886200" indent="-228600" defTabSz="457200" eaLnBrk="0" fontAlgn="base" hangingPunct="0">
+              <a:spcBef>
+                <a:spcPct val="0"/>
+              </a:spcBef>
+              <a:spcAft>
+                <a:spcPct val="0"/>
+              </a:spcAft>
+              <a:defRPr>
+                <a:solidFill>
+                  <a:schemeClr val="tx1"/>
+                </a:solidFill>
+                <a:latin typeface="Arial" panose="020B0604020202020204" pitchFamily="34" charset="0"/>
+                <a:ea typeface="ヒラギノ角ゴ Pro W3" charset="-128"/>
+              </a:defRPr>
+            </a:lvl9pPr>
+          </a:lstStyle>
+          <a:p>
+            <a:r>
+              <a:rPr lang="en-US" altLang="en-US" sz="2800" dirty="0">
+                <a:solidFill>
+                  <a:srgbClr val="FFFFFF"/>
+                </a:solidFill>
+                <a:cs typeface="Arial" panose="020B0604020202020204" pitchFamily="34" charset="0"/>
+              </a:rPr>
+              <a:t>5. </a:t>
+            </a:r>
+            <a:r>
+              <a:rPr lang="en-SG" altLang="en-US" sz="2800" dirty="0">
+                <a:solidFill>
+                  <a:schemeClr val="bg1"/>
+                </a:solidFill>
+              </a:rPr>
+              <a:t>Test Results</a:t>
+            </a:r>
+            <a:endParaRPr lang="en-US" altLang="en-US" sz="2800" dirty="0">
+              <a:solidFill>
+                <a:schemeClr val="bg1"/>
+              </a:solidFill>
+              <a:cs typeface="Arial" panose="020B0604020202020204" pitchFamily="34" charset="0"/>
+            </a:endParaRPr>
+          </a:p>
+        </p:txBody>
+      </p:sp>
+      <p:pic>
+        <p:nvPicPr>
+          <p:cNvPr id="4" name="Picture 3"/>
+          <p:cNvPicPr>
+            <a:picLocks noChangeAspect="1"/>
+          </p:cNvPicPr>
+          <p:nvPr/>
+        </p:nvPicPr>
+        <p:blipFill>
+          <a:blip r:embed="rId2"/>
+          <a:stretch>
+            <a:fillRect/>
+          </a:stretch>
+        </p:blipFill>
+        <p:spPr>
+          <a:xfrm>
+            <a:off x="1540793" y="1500729"/>
+            <a:ext cx="6113090" cy="1208191"/>
+          </a:xfrm>
+          <a:prstGeom prst="rect">
+            <a:avLst/>
+          </a:prstGeom>
+        </p:spPr>
+      </p:pic>
+      <p:pic>
+        <p:nvPicPr>
+          <p:cNvPr id="5" name="Picture 4"/>
+          <p:cNvPicPr>
+            <a:picLocks noChangeAspect="1"/>
+          </p:cNvPicPr>
+          <p:nvPr/>
+        </p:nvPicPr>
+        <p:blipFill>
+          <a:blip r:embed="rId3"/>
+          <a:stretch>
+            <a:fillRect/>
+          </a:stretch>
+        </p:blipFill>
+        <p:spPr>
+          <a:xfrm>
+            <a:off x="1547664" y="2708920"/>
+            <a:ext cx="6113090" cy="3796614"/>
+          </a:xfrm>
+          <a:prstGeom prst="rect">
+            <a:avLst/>
+          </a:prstGeom>
+        </p:spPr>
+      </p:pic>
+      <p:sp>
+        <p:nvSpPr>
+          <p:cNvPr id="7" name="TextBox 6"/>
+          <p:cNvSpPr txBox="1"/>
+          <p:nvPr/>
+        </p:nvSpPr>
+        <p:spPr>
+          <a:xfrm>
+            <a:off x="323528" y="1340768"/>
+            <a:ext cx="1108252" cy="369332"/>
+          </a:xfrm>
+          <a:prstGeom prst="rect">
+            <a:avLst/>
+          </a:prstGeom>
+          <a:noFill/>
+        </p:spPr>
+        <p:txBody>
+          <a:bodyPr wrap="none" rtlCol="0">
+            <a:spAutoFit/>
+          </a:bodyPr>
+          <a:lstStyle/>
+          <a:p>
+            <a:r>
+              <a:rPr lang="en-US" dirty="0"/>
+              <a:t>UAT Test</a:t>
+            </a:r>
+            <a:endParaRPr lang="id-ID" dirty="0"/>
+          </a:p>
+        </p:txBody>
+      </p:sp>
+    </p:spTree>
+    <p:extLst>
+      <p:ext uri="{BB962C8B-B14F-4D97-AF65-F5344CB8AC3E}">
+        <p14:creationId xmlns:p14="http://schemas.microsoft.com/office/powerpoint/2010/main" val="337506041"/>
+      </p:ext>
+    </p:extLst>
+  </p:cSld>
+  <p:clrMapOvr>
+    <a:masterClrMapping/>
+  </p:clrMapOvr>
+</p:sld>
+</file>
+
+<file path=ppt/slides/slide11.xml><?xml version="1.0" encoding="utf-8"?>
+<p:sld xmlns:a="http://schemas.openxmlformats.org/drawingml/2006/main" xmlns:r="http://schemas.openxmlformats.org/officeDocument/2006/relationships" xmlns:p="http://schemas.openxmlformats.org/presentationml/2006/main">
+  <p:cSld>
+    <p:spTree>
+      <p:nvGrpSpPr>
+        <p:cNvPr id="1" name=""/>
+        <p:cNvGrpSpPr/>
+        <p:nvPr/>
+      </p:nvGrpSpPr>
+      <p:grpSpPr>
+        <a:xfrm>
+          <a:off x="0" y="0"/>
+          <a:ext cx="0" cy="0"/>
+          <a:chOff x="0" y="0"/>
+          <a:chExt cx="0" cy="0"/>
+        </a:xfrm>
+      </p:grpSpPr>
+      <p:sp>
+        <p:nvSpPr>
           <p:cNvPr id="19458" name="TextBox 2">
             <a:extLst>
               <a:ext uri="{FF2B5EF4-FFF2-40B4-BE49-F238E27FC236}">
-                <a16:creationId xmlns:a16="http://schemas.microsoft.com/office/drawing/2014/main" xmlns="" id="{5E6AA0FD-9082-4122-BEF1-DF7D4F695597}"/>
+                <a16:creationId xmlns:a16="http://schemas.microsoft.com/office/drawing/2014/main" id="{5E6AA0FD-9082-4122-BEF1-DF7D4F695597}"/>
               </a:ext>
             </a:extLst>
           </p:cNvPr>
@@ -6060,7 +6281,7 @@
           <a:lstStyle/>
           <a:p>
             <a:r>
-              <a:rPr lang="en-US" b="1" dirty="0" err="1" smtClean="0"/>
+              <a:rPr lang="en-US" b="1" dirty="0" err="1"/>
               <a:t>ProjectLibre</a:t>
             </a:r>
             <a:endParaRPr lang="id-ID" b="1" dirty="0"/>
@@ -6114,7 +6335,7 @@
           <a:lstStyle/>
           <a:p>
             <a:r>
-              <a:rPr lang="en-US" b="1" dirty="0" smtClean="0"/>
+              <a:rPr lang="en-US" b="1" dirty="0"/>
               <a:t>Microsoft PowerPoint</a:t>
             </a:r>
             <a:endParaRPr lang="id-ID" b="1" dirty="0"/>
@@ -6168,7 +6389,7 @@
           <a:lstStyle/>
           <a:p>
             <a:r>
-              <a:rPr lang="en-US" b="1" dirty="0" smtClean="0"/>
+              <a:rPr lang="en-US" b="1" dirty="0"/>
               <a:t>Microsoft Word</a:t>
             </a:r>
             <a:endParaRPr lang="id-ID" b="1" dirty="0"/>
@@ -6183,7 +6404,7 @@
 </p:sld>
 </file>
 
-<file path=ppt/slides/slide11.xml><?xml version="1.0" encoding="utf-8"?>
+<file path=ppt/slides/slide12.xml><?xml version="1.0" encoding="utf-8"?>
 <p:sld xmlns:a="http://schemas.openxmlformats.org/drawingml/2006/main" xmlns:r="http://schemas.openxmlformats.org/officeDocument/2006/relationships" xmlns:p="http://schemas.openxmlformats.org/presentationml/2006/main">
   <p:cSld>
     <p:spTree>
@@ -6205,7 +6426,7 @@
           <p:cNvPr id="28674" name="TextBox 2">
             <a:extLst>
               <a:ext uri="{FF2B5EF4-FFF2-40B4-BE49-F238E27FC236}">
-                <a16:creationId xmlns:a16="http://schemas.microsoft.com/office/drawing/2014/main" xmlns="" id="{72FFFAD6-E9FC-4B9F-B507-F97A8036F15A}"/>
+                <a16:creationId xmlns:a16="http://schemas.microsoft.com/office/drawing/2014/main" id="{72FFFAD6-E9FC-4B9F-B507-F97A8036F15A}"/>
               </a:ext>
             </a:extLst>
           </p:cNvPr>
@@ -6375,7 +6596,7 @@
           <p:cNvPr id="2" name="Table 1">
             <a:extLst>
               <a:ext uri="{FF2B5EF4-FFF2-40B4-BE49-F238E27FC236}">
-                <a16:creationId xmlns:a16="http://schemas.microsoft.com/office/drawing/2014/main" xmlns="" id="{E6B66746-91C1-45DF-8ACB-514FAF5323B6}"/>
+                <a16:creationId xmlns:a16="http://schemas.microsoft.com/office/drawing/2014/main" id="{E6B66746-91C1-45DF-8ACB-514FAF5323B6}"/>
               </a:ext>
             </a:extLst>
           </p:cNvPr>
@@ -6404,21 +6625,21 @@
                 <a:gridCol w="1080150">
                   <a:extLst>
                     <a:ext uri="{9D8B030D-6E8A-4147-A177-3AD203B41FA5}">
-                      <a16:colId xmlns:a16="http://schemas.microsoft.com/office/drawing/2014/main" xmlns="" val="20000"/>
+                      <a16:colId xmlns:a16="http://schemas.microsoft.com/office/drawing/2014/main" val="20000"/>
                     </a:ext>
                   </a:extLst>
                 </a:gridCol>
                 <a:gridCol w="6064336">
                   <a:extLst>
                     <a:ext uri="{9D8B030D-6E8A-4147-A177-3AD203B41FA5}">
-                      <a16:colId xmlns:a16="http://schemas.microsoft.com/office/drawing/2014/main" xmlns="" val="20001"/>
+                      <a16:colId xmlns:a16="http://schemas.microsoft.com/office/drawing/2014/main" val="20001"/>
                     </a:ext>
                   </a:extLst>
                 </a:gridCol>
                 <a:gridCol w="1640739">
                   <a:extLst>
                     <a:ext uri="{9D8B030D-6E8A-4147-A177-3AD203B41FA5}">
-                      <a16:colId xmlns:a16="http://schemas.microsoft.com/office/drawing/2014/main" xmlns="" val="20002"/>
+                      <a16:colId xmlns:a16="http://schemas.microsoft.com/office/drawing/2014/main" val="20002"/>
                     </a:ext>
                   </a:extLst>
                 </a:gridCol>
@@ -6501,7 +6722,7 @@
                 </a:tc>
                 <a:extLst>
                   <a:ext uri="{0D108BD9-81ED-4DB2-BD59-A6C34878D82A}">
-                    <a16:rowId xmlns:a16="http://schemas.microsoft.com/office/drawing/2014/main" xmlns="" val="10000"/>
+                    <a16:rowId xmlns:a16="http://schemas.microsoft.com/office/drawing/2014/main" val="10000"/>
                   </a:ext>
                 </a:extLst>
               </a:tr>
@@ -6584,7 +6805,7 @@
                 </a:tc>
                 <a:extLst>
                   <a:ext uri="{0D108BD9-81ED-4DB2-BD59-A6C34878D82A}">
-                    <a16:rowId xmlns:a16="http://schemas.microsoft.com/office/drawing/2014/main" xmlns="" val="10001"/>
+                    <a16:rowId xmlns:a16="http://schemas.microsoft.com/office/drawing/2014/main" val="10001"/>
                   </a:ext>
                 </a:extLst>
               </a:tr>
@@ -6659,7 +6880,7 @@
                 </a:tc>
                 <a:extLst>
                   <a:ext uri="{0D108BD9-81ED-4DB2-BD59-A6C34878D82A}">
-                    <a16:rowId xmlns:a16="http://schemas.microsoft.com/office/drawing/2014/main" xmlns="" val="10002"/>
+                    <a16:rowId xmlns:a16="http://schemas.microsoft.com/office/drawing/2014/main" val="10002"/>
                   </a:ext>
                 </a:extLst>
               </a:tr>
@@ -6734,7 +6955,7 @@
                 </a:tc>
                 <a:extLst>
                   <a:ext uri="{0D108BD9-81ED-4DB2-BD59-A6C34878D82A}">
-                    <a16:rowId xmlns:a16="http://schemas.microsoft.com/office/drawing/2014/main" xmlns="" val="10003"/>
+                    <a16:rowId xmlns:a16="http://schemas.microsoft.com/office/drawing/2014/main" val="10003"/>
                   </a:ext>
                 </a:extLst>
               </a:tr>
@@ -6807,7 +7028,7 @@
                 </a:tc>
                 <a:extLst>
                   <a:ext uri="{0D108BD9-81ED-4DB2-BD59-A6C34878D82A}">
-                    <a16:rowId xmlns:a16="http://schemas.microsoft.com/office/drawing/2014/main" xmlns="" val="10005"/>
+                    <a16:rowId xmlns:a16="http://schemas.microsoft.com/office/drawing/2014/main" val="10005"/>
                   </a:ext>
                 </a:extLst>
               </a:tr>
@@ -6896,7 +7117,7 @@
                 </a:tc>
                 <a:extLst>
                   <a:ext uri="{0D108BD9-81ED-4DB2-BD59-A6C34878D82A}">
-                    <a16:rowId xmlns:a16="http://schemas.microsoft.com/office/drawing/2014/main" xmlns="" val="10006"/>
+                    <a16:rowId xmlns:a16="http://schemas.microsoft.com/office/drawing/2014/main" val="10006"/>
                   </a:ext>
                 </a:extLst>
               </a:tr>
@@ -6912,7 +7133,7 @@
 </p:sld>
 </file>
 
-<file path=ppt/slides/slide12.xml><?xml version="1.0" encoding="utf-8"?>
+<file path=ppt/slides/slide13.xml><?xml version="1.0" encoding="utf-8"?>
 <p:sld xmlns:a="http://schemas.openxmlformats.org/drawingml/2006/main" xmlns:r="http://schemas.openxmlformats.org/officeDocument/2006/relationships" xmlns:p="http://schemas.openxmlformats.org/presentationml/2006/main">
   <p:cSld>
     <p:spTree>
@@ -6934,7 +7155,7 @@
           <p:cNvPr id="32770" name="TextBox 2">
             <a:extLst>
               <a:ext uri="{FF2B5EF4-FFF2-40B4-BE49-F238E27FC236}">
-                <a16:creationId xmlns:a16="http://schemas.microsoft.com/office/drawing/2014/main" xmlns="" id="{78D747EB-8894-4B97-89EF-EFFF4A4340CD}"/>
+                <a16:creationId xmlns:a16="http://schemas.microsoft.com/office/drawing/2014/main" id="{78D747EB-8894-4B97-89EF-EFFF4A4340CD}"/>
               </a:ext>
             </a:extLst>
           </p:cNvPr>
@@ -7104,7 +7325,7 @@
           <p:cNvPr id="2" name="Table 1">
             <a:extLst>
               <a:ext uri="{FF2B5EF4-FFF2-40B4-BE49-F238E27FC236}">
-                <a16:creationId xmlns:a16="http://schemas.microsoft.com/office/drawing/2014/main" xmlns="" id="{695DAF1B-141E-4E7E-8ED7-73B003EF080C}"/>
+                <a16:creationId xmlns:a16="http://schemas.microsoft.com/office/drawing/2014/main" id="{695DAF1B-141E-4E7E-8ED7-73B003EF080C}"/>
               </a:ext>
             </a:extLst>
           </p:cNvPr>
@@ -7133,21 +7354,21 @@
                 <a:gridCol w="1296180">
                   <a:extLst>
                     <a:ext uri="{9D8B030D-6E8A-4147-A177-3AD203B41FA5}">
-                      <a16:colId xmlns:a16="http://schemas.microsoft.com/office/drawing/2014/main" xmlns="" val="20000"/>
+                      <a16:colId xmlns:a16="http://schemas.microsoft.com/office/drawing/2014/main" val="20000"/>
                     </a:ext>
                   </a:extLst>
                 </a:gridCol>
                 <a:gridCol w="4176583">
                   <a:extLst>
                     <a:ext uri="{9D8B030D-6E8A-4147-A177-3AD203B41FA5}">
-                      <a16:colId xmlns:a16="http://schemas.microsoft.com/office/drawing/2014/main" xmlns="" val="20001"/>
+                      <a16:colId xmlns:a16="http://schemas.microsoft.com/office/drawing/2014/main" val="20001"/>
                     </a:ext>
                   </a:extLst>
                 </a:gridCol>
                 <a:gridCol w="3312462">
                   <a:extLst>
                     <a:ext uri="{9D8B030D-6E8A-4147-A177-3AD203B41FA5}">
-                      <a16:colId xmlns:a16="http://schemas.microsoft.com/office/drawing/2014/main" xmlns="" val="20002"/>
+                      <a16:colId xmlns:a16="http://schemas.microsoft.com/office/drawing/2014/main" val="20002"/>
                     </a:ext>
                   </a:extLst>
                 </a:gridCol>
@@ -7245,7 +7466,7 @@
                 </a:tc>
                 <a:extLst>
                   <a:ext uri="{0D108BD9-81ED-4DB2-BD59-A6C34878D82A}">
-                    <a16:rowId xmlns:a16="http://schemas.microsoft.com/office/drawing/2014/main" xmlns="" val="10000"/>
+                    <a16:rowId xmlns:a16="http://schemas.microsoft.com/office/drawing/2014/main" val="10000"/>
                   </a:ext>
                 </a:extLst>
               </a:tr>
@@ -7280,13 +7501,13 @@
                     <a:p>
                       <a:pPr marL="72000" algn="l" fontAlgn="ctr"/>
                       <a:r>
-                        <a:rPr lang="en-SG" sz="1800" u="none" strike="noStrike" dirty="0" smtClean="0">
+                        <a:rPr lang="en-SG" sz="1800" u="none" strike="noStrike" dirty="0">
                           <a:effectLst/>
                         </a:rPr>
                         <a:t>Mention all of type</a:t>
                       </a:r>
                       <a:r>
-                        <a:rPr lang="en-SG" sz="1800" u="none" strike="noStrike" baseline="0" dirty="0" smtClean="0">
+                        <a:rPr lang="en-SG" sz="1800" u="none" strike="noStrike" baseline="0" dirty="0">
                           <a:effectLst/>
                         </a:rPr>
                         <a:t> in Waterfall model</a:t>
@@ -7309,7 +7530,7 @@
                     <a:p>
                       <a:pPr algn="ctr" fontAlgn="ctr"/>
                       <a:r>
-                        <a:rPr lang="en-SG" sz="1800" b="0" i="0" u="none" strike="noStrike" dirty="0" smtClean="0">
+                        <a:rPr lang="en-SG" sz="1800" b="0" i="0" u="none" strike="noStrike" dirty="0">
                           <a:solidFill>
                             <a:srgbClr val="000000"/>
                           </a:solidFill>
@@ -7318,20 +7539,13 @@
                         </a:rPr>
                         <a:t>YES</a:t>
                       </a:r>
-                      <a:endParaRPr lang="en-SG" sz="1800" b="0" i="0" u="none" strike="noStrike" dirty="0">
-                        <a:solidFill>
-                          <a:srgbClr val="000000"/>
-                        </a:solidFill>
-                        <a:effectLst/>
-                        <a:latin typeface="Calibri" panose="020F0502020204030204" pitchFamily="34" charset="0"/>
-                      </a:endParaRPr>
                     </a:p>
                   </a:txBody>
                   <a:tcPr marL="6350" marR="6350" marT="6350" marB="0" anchor="ctr"/>
                 </a:tc>
                 <a:extLst>
                   <a:ext uri="{0D108BD9-81ED-4DB2-BD59-A6C34878D82A}">
-                    <a16:rowId xmlns:a16="http://schemas.microsoft.com/office/drawing/2014/main" xmlns="" val="10001"/>
+                    <a16:rowId xmlns:a16="http://schemas.microsoft.com/office/drawing/2014/main" val="10001"/>
                   </a:ext>
                 </a:extLst>
               </a:tr>
@@ -7360,19 +7574,19 @@
                     <a:p>
                       <a:pPr marL="72000" algn="l" fontAlgn="ctr"/>
                       <a:r>
-                        <a:rPr lang="en-SG" sz="1800" u="none" strike="noStrike" dirty="0" smtClean="0">
+                        <a:rPr lang="en-SG" sz="1800" u="none" strike="noStrike" dirty="0">
                           <a:effectLst/>
                         </a:rPr>
                         <a:t>Delete requirement that are not included in Non-</a:t>
                       </a:r>
                       <a:r>
-                        <a:rPr lang="en-SG" sz="1800" u="none" strike="noStrike" dirty="0" err="1" smtClean="0">
+                        <a:rPr lang="en-SG" sz="1800" u="none" strike="noStrike" dirty="0" err="1">
                           <a:effectLst/>
                         </a:rPr>
                         <a:t>Funcional</a:t>
                       </a:r>
                       <a:r>
-                        <a:rPr lang="en-SG" sz="1800" u="none" strike="noStrike" baseline="0" dirty="0" smtClean="0">
+                        <a:rPr lang="en-SG" sz="1800" u="none" strike="noStrike" baseline="0" dirty="0">
                           <a:effectLst/>
                         </a:rPr>
                         <a:t> Requirements</a:t>
@@ -7395,7 +7609,7 @@
                     <a:p>
                       <a:pPr algn="ctr" fontAlgn="ctr"/>
                       <a:r>
-                        <a:rPr lang="en-SG" sz="1800" b="0" i="0" u="none" strike="noStrike" dirty="0" smtClean="0">
+                        <a:rPr lang="en-SG" sz="1800" b="0" i="0" u="none" strike="noStrike" dirty="0">
                           <a:solidFill>
                             <a:srgbClr val="000000"/>
                           </a:solidFill>
@@ -7404,20 +7618,13 @@
                         </a:rPr>
                         <a:t>YES</a:t>
                       </a:r>
-                      <a:endParaRPr lang="en-SG" sz="1800" b="0" i="0" u="none" strike="noStrike" dirty="0">
-                        <a:solidFill>
-                          <a:srgbClr val="000000"/>
-                        </a:solidFill>
-                        <a:effectLst/>
-                        <a:latin typeface="Calibri" panose="020F0502020204030204" pitchFamily="34" charset="0"/>
-                      </a:endParaRPr>
                     </a:p>
                   </a:txBody>
                   <a:tcPr marL="6350" marR="6350" marT="6350" marB="0" anchor="ctr"/>
                 </a:tc>
                 <a:extLst>
                   <a:ext uri="{0D108BD9-81ED-4DB2-BD59-A6C34878D82A}">
-                    <a16:rowId xmlns:a16="http://schemas.microsoft.com/office/drawing/2014/main" xmlns="" val="10002"/>
+                    <a16:rowId xmlns:a16="http://schemas.microsoft.com/office/drawing/2014/main" val="10002"/>
                   </a:ext>
                 </a:extLst>
               </a:tr>
@@ -7446,7 +7653,7 @@
                     <a:p>
                       <a:pPr marL="72000" algn="l" fontAlgn="ctr"/>
                       <a:r>
-                        <a:rPr lang="en-SG" sz="1800" u="none" strike="noStrike" dirty="0" smtClean="0">
+                        <a:rPr lang="en-SG" sz="1800" u="none" strike="noStrike" dirty="0">
                           <a:effectLst/>
                         </a:rPr>
                         <a:t>Update Project Background</a:t>
@@ -7469,7 +7676,7 @@
                     <a:p>
                       <a:pPr algn="ctr" fontAlgn="ctr"/>
                       <a:r>
-                        <a:rPr lang="en-SG" sz="1800" b="0" i="0" u="none" strike="noStrike" dirty="0" smtClean="0">
+                        <a:rPr lang="en-SG" sz="1800" b="0" i="0" u="none" strike="noStrike" dirty="0">
                           <a:solidFill>
                             <a:srgbClr val="000000"/>
                           </a:solidFill>
@@ -7478,20 +7685,13 @@
                         </a:rPr>
                         <a:t>YES</a:t>
                       </a:r>
-                      <a:endParaRPr lang="en-SG" sz="1800" b="0" i="0" u="none" strike="noStrike" dirty="0">
-                        <a:solidFill>
-                          <a:srgbClr val="000000"/>
-                        </a:solidFill>
-                        <a:effectLst/>
-                        <a:latin typeface="Calibri" panose="020F0502020204030204" pitchFamily="34" charset="0"/>
-                      </a:endParaRPr>
                     </a:p>
                   </a:txBody>
                   <a:tcPr marL="6350" marR="6350" marT="6350" marB="0" anchor="ctr"/>
                 </a:tc>
                 <a:extLst>
                   <a:ext uri="{0D108BD9-81ED-4DB2-BD59-A6C34878D82A}">
-                    <a16:rowId xmlns:a16="http://schemas.microsoft.com/office/drawing/2014/main" xmlns="" val="10003"/>
+                    <a16:rowId xmlns:a16="http://schemas.microsoft.com/office/drawing/2014/main" val="10003"/>
                   </a:ext>
                 </a:extLst>
               </a:tr>
@@ -7520,7 +7720,7 @@
                     <a:p>
                       <a:pPr marL="72000" algn="l" fontAlgn="ctr"/>
                       <a:r>
-                        <a:rPr lang="en-SG" sz="1800" u="none" strike="noStrike" dirty="0" smtClean="0">
+                        <a:rPr lang="en-SG" sz="1800" u="none" strike="noStrike" dirty="0">
                           <a:effectLst/>
                         </a:rPr>
                         <a:t>Update Database</a:t>
@@ -7543,7 +7743,7 @@
                     <a:p>
                       <a:pPr algn="ctr" fontAlgn="ctr"/>
                       <a:r>
-                        <a:rPr lang="en-SG" sz="1800" b="0" i="0" u="none" strike="noStrike" dirty="0" smtClean="0">
+                        <a:rPr lang="en-SG" sz="1800" b="0" i="0" u="none" strike="noStrike" dirty="0">
                           <a:solidFill>
                             <a:srgbClr val="000000"/>
                           </a:solidFill>
@@ -7552,20 +7752,13 @@
                         </a:rPr>
                         <a:t>YES</a:t>
                       </a:r>
-                      <a:endParaRPr lang="en-SG" sz="1800" b="0" i="0" u="none" strike="noStrike" dirty="0">
-                        <a:solidFill>
-                          <a:srgbClr val="000000"/>
-                        </a:solidFill>
-                        <a:effectLst/>
-                        <a:latin typeface="Calibri" panose="020F0502020204030204" pitchFamily="34" charset="0"/>
-                      </a:endParaRPr>
                     </a:p>
                   </a:txBody>
                   <a:tcPr marL="6350" marR="6350" marT="6350" marB="0" anchor="ctr"/>
                 </a:tc>
                 <a:extLst>
                   <a:ext uri="{0D108BD9-81ED-4DB2-BD59-A6C34878D82A}">
-                    <a16:rowId xmlns:a16="http://schemas.microsoft.com/office/drawing/2014/main" xmlns="" val="10004"/>
+                    <a16:rowId xmlns:a16="http://schemas.microsoft.com/office/drawing/2014/main" val="10004"/>
                   </a:ext>
                 </a:extLst>
               </a:tr>
@@ -7635,7 +7828,7 @@
                 </a:tc>
                 <a:extLst>
                   <a:ext uri="{0D108BD9-81ED-4DB2-BD59-A6C34878D82A}">
-                    <a16:rowId xmlns:a16="http://schemas.microsoft.com/office/drawing/2014/main" xmlns="" val="10005"/>
+                    <a16:rowId xmlns:a16="http://schemas.microsoft.com/office/drawing/2014/main" val="10005"/>
                   </a:ext>
                 </a:extLst>
               </a:tr>
@@ -7699,7 +7892,7 @@
                 </a:tc>
                 <a:extLst>
                   <a:ext uri="{0D108BD9-81ED-4DB2-BD59-A6C34878D82A}">
-                    <a16:rowId xmlns:a16="http://schemas.microsoft.com/office/drawing/2014/main" xmlns="" val="10006"/>
+                    <a16:rowId xmlns:a16="http://schemas.microsoft.com/office/drawing/2014/main" val="10006"/>
                   </a:ext>
                 </a:extLst>
               </a:tr>
@@ -7763,7 +7956,7 @@
                 </a:tc>
                 <a:extLst>
                   <a:ext uri="{0D108BD9-81ED-4DB2-BD59-A6C34878D82A}">
-                    <a16:rowId xmlns:a16="http://schemas.microsoft.com/office/drawing/2014/main" xmlns="" val="10007"/>
+                    <a16:rowId xmlns:a16="http://schemas.microsoft.com/office/drawing/2014/main" val="10007"/>
                   </a:ext>
                 </a:extLst>
               </a:tr>
@@ -7827,7 +8020,7 @@
                 </a:tc>
                 <a:extLst>
                   <a:ext uri="{0D108BD9-81ED-4DB2-BD59-A6C34878D82A}">
-                    <a16:rowId xmlns:a16="http://schemas.microsoft.com/office/drawing/2014/main" xmlns="" val="10008"/>
+                    <a16:rowId xmlns:a16="http://schemas.microsoft.com/office/drawing/2014/main" val="10008"/>
                   </a:ext>
                 </a:extLst>
               </a:tr>
@@ -7897,7 +8090,7 @@
                 </a:tc>
                 <a:extLst>
                   <a:ext uri="{0D108BD9-81ED-4DB2-BD59-A6C34878D82A}">
-                    <a16:rowId xmlns:a16="http://schemas.microsoft.com/office/drawing/2014/main" xmlns="" val="10009"/>
+                    <a16:rowId xmlns:a16="http://schemas.microsoft.com/office/drawing/2014/main" val="10009"/>
                   </a:ext>
                 </a:extLst>
               </a:tr>
@@ -7961,7 +8154,7 @@
                 </a:tc>
                 <a:extLst>
                   <a:ext uri="{0D108BD9-81ED-4DB2-BD59-A6C34878D82A}">
-                    <a16:rowId xmlns:a16="http://schemas.microsoft.com/office/drawing/2014/main" xmlns="" val="10010"/>
+                    <a16:rowId xmlns:a16="http://schemas.microsoft.com/office/drawing/2014/main" val="10010"/>
                   </a:ext>
                 </a:extLst>
               </a:tr>
@@ -8025,7 +8218,7 @@
                 </a:tc>
                 <a:extLst>
                   <a:ext uri="{0D108BD9-81ED-4DB2-BD59-A6C34878D82A}">
-                    <a16:rowId xmlns:a16="http://schemas.microsoft.com/office/drawing/2014/main" xmlns="" val="10011"/>
+                    <a16:rowId xmlns:a16="http://schemas.microsoft.com/office/drawing/2014/main" val="10011"/>
                   </a:ext>
                 </a:extLst>
               </a:tr>
@@ -8089,7 +8282,7 @@
                 </a:tc>
                 <a:extLst>
                   <a:ext uri="{0D108BD9-81ED-4DB2-BD59-A6C34878D82A}">
-                    <a16:rowId xmlns:a16="http://schemas.microsoft.com/office/drawing/2014/main" xmlns="" val="10012"/>
+                    <a16:rowId xmlns:a16="http://schemas.microsoft.com/office/drawing/2014/main" val="10012"/>
                   </a:ext>
                 </a:extLst>
               </a:tr>
@@ -8153,7 +8346,7 @@
                 </a:tc>
                 <a:extLst>
                   <a:ext uri="{0D108BD9-81ED-4DB2-BD59-A6C34878D82A}">
-                    <a16:rowId xmlns:a16="http://schemas.microsoft.com/office/drawing/2014/main" xmlns="" val="10013"/>
+                    <a16:rowId xmlns:a16="http://schemas.microsoft.com/office/drawing/2014/main" val="10013"/>
                   </a:ext>
                 </a:extLst>
               </a:tr>
@@ -8169,7 +8362,7 @@
 </p:sld>
 </file>
 
-<file path=ppt/slides/slide13.xml><?xml version="1.0" encoding="utf-8"?>
+<file path=ppt/slides/slide14.xml><?xml version="1.0" encoding="utf-8"?>
 <p:sld xmlns:a="http://schemas.openxmlformats.org/drawingml/2006/main" xmlns:r="http://schemas.openxmlformats.org/officeDocument/2006/relationships" xmlns:p="http://schemas.openxmlformats.org/presentationml/2006/main">
   <p:cSld>
     <p:spTree>
@@ -8191,7 +8384,7 @@
           <p:cNvPr id="34818" name="Title 1">
             <a:extLst>
               <a:ext uri="{FF2B5EF4-FFF2-40B4-BE49-F238E27FC236}">
-                <a16:creationId xmlns:a16="http://schemas.microsoft.com/office/drawing/2014/main" xmlns="" id="{65004193-7EE2-49D6-8F90-C90ADA1BAE96}"/>
+                <a16:creationId xmlns:a16="http://schemas.microsoft.com/office/drawing/2014/main" id="{65004193-7EE2-49D6-8F90-C90ADA1BAE96}"/>
               </a:ext>
             </a:extLst>
           </p:cNvPr>
@@ -8303,7 +8496,7 @@
       </p:pic>
       <p:pic>
         <p:nvPicPr>
-          <p:cNvPr id="3" name="Picture 2"/>
+          <p:cNvPr id="4" name="Picture 3"/>
           <p:cNvPicPr>
             <a:picLocks noChangeAspect="1"/>
           </p:cNvPicPr>
@@ -8311,30 +8504,6 @@
         </p:nvPicPr>
         <p:blipFill>
           <a:blip r:embed="rId3"/>
-          <a:stretch>
-            <a:fillRect/>
-          </a:stretch>
-        </p:blipFill>
-        <p:spPr>
-          <a:xfrm>
-            <a:off x="7060056" y="4412403"/>
-            <a:ext cx="7912507" cy="660434"/>
-          </a:xfrm>
-          <a:prstGeom prst="rect">
-            <a:avLst/>
-          </a:prstGeom>
-        </p:spPr>
-      </p:pic>
-      <p:pic>
-        <p:nvPicPr>
-          <p:cNvPr id="4" name="Picture 3"/>
-          <p:cNvPicPr>
-            <a:picLocks noChangeAspect="1"/>
-          </p:cNvPicPr>
-          <p:nvPr/>
-        </p:nvPicPr>
-        <p:blipFill>
-          <a:blip r:embed="rId4"/>
           <a:stretch>
             <a:fillRect/>
           </a:stretch>
@@ -8386,7 +8555,7 @@
 </p:sld>
 </file>
 
-<file path=ppt/slides/slide14.xml><?xml version="1.0" encoding="utf-8"?>
+<file path=ppt/slides/slide15.xml><?xml version="1.0" encoding="utf-8"?>
 <p:sld xmlns:a="http://schemas.openxmlformats.org/drawingml/2006/main" xmlns:r="http://schemas.openxmlformats.org/officeDocument/2006/relationships" xmlns:p="http://schemas.openxmlformats.org/presentationml/2006/main">
   <p:cSld>
     <p:spTree>
@@ -8408,7 +8577,7 @@
           <p:cNvPr id="34818" name="Title 1">
             <a:extLst>
               <a:ext uri="{FF2B5EF4-FFF2-40B4-BE49-F238E27FC236}">
-                <a16:creationId xmlns:a16="http://schemas.microsoft.com/office/drawing/2014/main" xmlns="" id="{65004193-7EE2-49D6-8F90-C90ADA1BAE96}"/>
+                <a16:creationId xmlns:a16="http://schemas.microsoft.com/office/drawing/2014/main" id="{65004193-7EE2-49D6-8F90-C90ADA1BAE96}"/>
               </a:ext>
             </a:extLst>
           </p:cNvPr>
@@ -8584,7 +8753,7 @@
 </p:sld>
 </file>
 
-<file path=ppt/slides/slide15.xml><?xml version="1.0" encoding="utf-8"?>
+<file path=ppt/slides/slide16.xml><?xml version="1.0" encoding="utf-8"?>
 <p:sld xmlns:a="http://schemas.openxmlformats.org/drawingml/2006/main" xmlns:r="http://schemas.openxmlformats.org/officeDocument/2006/relationships" xmlns:p="http://schemas.openxmlformats.org/presentationml/2006/main">
   <p:cSld>
     <p:spTree>
@@ -8606,7 +8775,7 @@
           <p:cNvPr id="35842" name="TextBox 2">
             <a:extLst>
               <a:ext uri="{FF2B5EF4-FFF2-40B4-BE49-F238E27FC236}">
-                <a16:creationId xmlns:a16="http://schemas.microsoft.com/office/drawing/2014/main" xmlns="" id="{4ECD1B85-4448-479B-B488-9F907A733850}"/>
+                <a16:creationId xmlns:a16="http://schemas.microsoft.com/office/drawing/2014/main" id="{4ECD1B85-4448-479B-B488-9F907A733850}"/>
               </a:ext>
             </a:extLst>
           </p:cNvPr>
@@ -8842,7 +9011,7 @@
           <a:lstStyle/>
           <a:p>
             <a:r>
-              <a:rPr lang="en-US" dirty="0" smtClean="0"/>
+              <a:rPr lang="en-US" dirty="0"/>
               <a:t>Unit Test</a:t>
             </a:r>
             <a:endParaRPr lang="id-ID" dirty="0"/>
@@ -8857,7 +9026,7 @@
 </p:sld>
 </file>
 
-<file path=ppt/slides/slide16.xml><?xml version="1.0" encoding="utf-8"?>
+<file path=ppt/slides/slide17.xml><?xml version="1.0" encoding="utf-8"?>
 <p:sld xmlns:a="http://schemas.openxmlformats.org/drawingml/2006/main" xmlns:r="http://schemas.openxmlformats.org/officeDocument/2006/relationships" xmlns:p="http://schemas.openxmlformats.org/presentationml/2006/main">
   <p:cSld>
     <p:spTree>
@@ -8879,7 +9048,7 @@
           <p:cNvPr id="35842" name="TextBox 2">
             <a:extLst>
               <a:ext uri="{FF2B5EF4-FFF2-40B4-BE49-F238E27FC236}">
-                <a16:creationId xmlns:a16="http://schemas.microsoft.com/office/drawing/2014/main" xmlns="" id="{4ECD1B85-4448-479B-B488-9F907A733850}"/>
+                <a16:creationId xmlns:a16="http://schemas.microsoft.com/office/drawing/2014/main" id="{4ECD1B85-4448-479B-B488-9F907A733850}"/>
               </a:ext>
             </a:extLst>
           </p:cNvPr>
@@ -9115,7 +9284,7 @@
           <a:lstStyle/>
           <a:p>
             <a:r>
-              <a:rPr lang="en-US" dirty="0" smtClean="0"/>
+              <a:rPr lang="en-US" dirty="0"/>
               <a:t>UAT Test</a:t>
             </a:r>
             <a:endParaRPr lang="id-ID" dirty="0"/>
@@ -9135,7 +9304,7 @@
 </p:sld>
 </file>
 
-<file path=ppt/slides/slide17.xml><?xml version="1.0" encoding="utf-8"?>
+<file path=ppt/slides/slide18.xml><?xml version="1.0" encoding="utf-8"?>
 <p:sld xmlns:a="http://schemas.openxmlformats.org/drawingml/2006/main" xmlns:r="http://schemas.openxmlformats.org/officeDocument/2006/relationships" xmlns:p="http://schemas.openxmlformats.org/presentationml/2006/main">
   <p:cSld>
     <p:spTree>
@@ -9157,7 +9326,7 @@
           <p:cNvPr id="37890" name="TextBox 2">
             <a:extLst>
               <a:ext uri="{FF2B5EF4-FFF2-40B4-BE49-F238E27FC236}">
-                <a16:creationId xmlns:a16="http://schemas.microsoft.com/office/drawing/2014/main" xmlns="" id="{D3AB802A-056F-444A-9970-2144C03AB1E2}"/>
+                <a16:creationId xmlns:a16="http://schemas.microsoft.com/office/drawing/2014/main" id="{D3AB802A-056F-444A-9970-2144C03AB1E2}"/>
               </a:ext>
             </a:extLst>
           </p:cNvPr>
@@ -9327,7 +9496,7 @@
           <p:cNvPr id="5" name="Rectangle 4">
             <a:extLst>
               <a:ext uri="{FF2B5EF4-FFF2-40B4-BE49-F238E27FC236}">
-                <a16:creationId xmlns:a16="http://schemas.microsoft.com/office/drawing/2014/main" xmlns="" id="{B9D0CD53-A092-414F-B89B-CA1AE9D05931}"/>
+                <a16:creationId xmlns:a16="http://schemas.microsoft.com/office/drawing/2014/main" id="{B9D0CD53-A092-414F-B89B-CA1AE9D05931}"/>
               </a:ext>
             </a:extLst>
           </p:cNvPr>
@@ -9398,28 +9567,12 @@
               <a:defRPr/>
             </a:pPr>
             <a:r>
-              <a:rPr lang="en-GB" dirty="0" smtClean="0">
+              <a:rPr lang="en-GB" dirty="0">
                 <a:solidFill>
                   <a:schemeClr val="tx1"/>
                 </a:solidFill>
               </a:rPr>
-              <a:t>Update </a:t>
-            </a:r>
-            <a:r>
-              <a:rPr lang="en-GB" dirty="0">
-                <a:solidFill>
-                  <a:schemeClr val="tx1"/>
-                </a:solidFill>
-              </a:rPr>
-              <a:t>a waterfall model specifically and in accordance with the </a:t>
-            </a:r>
-            <a:r>
-              <a:rPr lang="en-GB" dirty="0" smtClean="0">
-                <a:solidFill>
-                  <a:schemeClr val="tx1"/>
-                </a:solidFill>
-              </a:rPr>
-              <a:t>plan</a:t>
+              <a:t>Update a waterfall model specifically and in accordance with the plan</a:t>
             </a:r>
           </a:p>
           <a:p>
@@ -9429,20 +9582,12 @@
               <a:defRPr/>
             </a:pPr>
             <a:r>
-              <a:rPr lang="en-SG" dirty="0" smtClean="0">
+              <a:rPr lang="en-SG" dirty="0">
                 <a:solidFill>
                   <a:schemeClr val="tx1"/>
                 </a:solidFill>
               </a:rPr>
-              <a:t>Try </a:t>
-            </a:r>
-            <a:r>
-              <a:rPr lang="en-SG" dirty="0">
-                <a:solidFill>
-                  <a:schemeClr val="tx1"/>
-                </a:solidFill>
-              </a:rPr>
-              <a:t>use other SDLC Model and compare with Waterfall model</a:t>
+              <a:t>Try use other SDLC Model and compare with Waterfall model</a:t>
             </a:r>
           </a:p>
           <a:p>
@@ -9549,7 +9694,7 @@
           <p:cNvPr id="16386" name="Title 1">
             <a:extLst>
               <a:ext uri="{FF2B5EF4-FFF2-40B4-BE49-F238E27FC236}">
-                <a16:creationId xmlns:a16="http://schemas.microsoft.com/office/drawing/2014/main" xmlns="" id="{41330A95-86EE-47DB-8BBC-7419D9A96BC5}"/>
+                <a16:creationId xmlns:a16="http://schemas.microsoft.com/office/drawing/2014/main" id="{41330A95-86EE-47DB-8BBC-7419D9A96BC5}"/>
               </a:ext>
             </a:extLst>
           </p:cNvPr>
@@ -9590,7 +9735,7 @@
           <p:cNvPr id="6147" name="TextBox 3">
             <a:extLst>
               <a:ext uri="{FF2B5EF4-FFF2-40B4-BE49-F238E27FC236}">
-                <a16:creationId xmlns:a16="http://schemas.microsoft.com/office/drawing/2014/main" xmlns="" id="{B4E8A053-B954-469B-BAA0-0BAD6B4DEE81}"/>
+                <a16:creationId xmlns:a16="http://schemas.microsoft.com/office/drawing/2014/main" id="{B4E8A053-B954-469B-BAA0-0BAD6B4DEE81}"/>
               </a:ext>
             </a:extLst>
           </p:cNvPr>
@@ -9760,7 +9905,7 @@
           <p:cNvPr id="5" name="Table 4">
             <a:extLst>
               <a:ext uri="{FF2B5EF4-FFF2-40B4-BE49-F238E27FC236}">
-                <a16:creationId xmlns:a16="http://schemas.microsoft.com/office/drawing/2014/main" xmlns="" id="{5BE3DCB5-EF6A-445F-AB68-3317A281A7A1}"/>
+                <a16:creationId xmlns:a16="http://schemas.microsoft.com/office/drawing/2014/main" id="{5BE3DCB5-EF6A-445F-AB68-3317A281A7A1}"/>
               </a:ext>
             </a:extLst>
           </p:cNvPr>
@@ -9789,28 +9934,28 @@
                 <a:gridCol w="1036891">
                   <a:extLst>
                     <a:ext uri="{9D8B030D-6E8A-4147-A177-3AD203B41FA5}">
-                      <a16:colId xmlns:a16="http://schemas.microsoft.com/office/drawing/2014/main" xmlns="" val="20000"/>
+                      <a16:colId xmlns:a16="http://schemas.microsoft.com/office/drawing/2014/main" val="20000"/>
                     </a:ext>
                   </a:extLst>
                 </a:gridCol>
                 <a:gridCol w="2160191">
                   <a:extLst>
                     <a:ext uri="{9D8B030D-6E8A-4147-A177-3AD203B41FA5}">
-                      <a16:colId xmlns:a16="http://schemas.microsoft.com/office/drawing/2014/main" xmlns="" val="20001"/>
+                      <a16:colId xmlns:a16="http://schemas.microsoft.com/office/drawing/2014/main" val="20001"/>
                     </a:ext>
                   </a:extLst>
                 </a:gridCol>
                 <a:gridCol w="3197082">
                   <a:extLst>
                     <a:ext uri="{9D8B030D-6E8A-4147-A177-3AD203B41FA5}">
-                      <a16:colId xmlns:a16="http://schemas.microsoft.com/office/drawing/2014/main" xmlns="" val="20002"/>
+                      <a16:colId xmlns:a16="http://schemas.microsoft.com/office/drawing/2014/main" val="20002"/>
                     </a:ext>
                   </a:extLst>
                 </a:gridCol>
                 <a:gridCol w="2246598">
                   <a:extLst>
                     <a:ext uri="{9D8B030D-6E8A-4147-A177-3AD203B41FA5}">
-                      <a16:colId xmlns:a16="http://schemas.microsoft.com/office/drawing/2014/main" xmlns="" val="20003"/>
+                      <a16:colId xmlns:a16="http://schemas.microsoft.com/office/drawing/2014/main" val="20003"/>
                     </a:ext>
                   </a:extLst>
                 </a:gridCol>
@@ -9946,7 +10091,7 @@
                 </a:tc>
                 <a:extLst>
                   <a:ext uri="{0D108BD9-81ED-4DB2-BD59-A6C34878D82A}">
-                    <a16:rowId xmlns:a16="http://schemas.microsoft.com/office/drawing/2014/main" xmlns="" val="10000"/>
+                    <a16:rowId xmlns:a16="http://schemas.microsoft.com/office/drawing/2014/main" val="10000"/>
                   </a:ext>
                 </a:extLst>
               </a:tr>
@@ -10093,7 +10238,7 @@
                 </a:tc>
                 <a:extLst>
                   <a:ext uri="{0D108BD9-81ED-4DB2-BD59-A6C34878D82A}">
-                    <a16:rowId xmlns:a16="http://schemas.microsoft.com/office/drawing/2014/main" xmlns="" val="10001"/>
+                    <a16:rowId xmlns:a16="http://schemas.microsoft.com/office/drawing/2014/main" val="10001"/>
                   </a:ext>
                 </a:extLst>
               </a:tr>
@@ -10240,7 +10385,7 @@
                 </a:tc>
                 <a:extLst>
                   <a:ext uri="{0D108BD9-81ED-4DB2-BD59-A6C34878D82A}">
-                    <a16:rowId xmlns:a16="http://schemas.microsoft.com/office/drawing/2014/main" xmlns="" val="3842095700"/>
+                    <a16:rowId xmlns:a16="http://schemas.microsoft.com/office/drawing/2014/main" val="3842095700"/>
                   </a:ext>
                 </a:extLst>
               </a:tr>
@@ -10278,7 +10423,7 @@
           <p:cNvPr id="16386" name="Title 1">
             <a:extLst>
               <a:ext uri="{FF2B5EF4-FFF2-40B4-BE49-F238E27FC236}">
-                <a16:creationId xmlns:a16="http://schemas.microsoft.com/office/drawing/2014/main" xmlns="" id="{34AB9868-174E-4CF9-84F8-E5A064113081}"/>
+                <a16:creationId xmlns:a16="http://schemas.microsoft.com/office/drawing/2014/main" id="{34AB9868-174E-4CF9-84F8-E5A064113081}"/>
               </a:ext>
             </a:extLst>
           </p:cNvPr>
@@ -10319,7 +10464,7 @@
           <p:cNvPr id="8195" name="TextBox 3">
             <a:extLst>
               <a:ext uri="{FF2B5EF4-FFF2-40B4-BE49-F238E27FC236}">
-                <a16:creationId xmlns:a16="http://schemas.microsoft.com/office/drawing/2014/main" xmlns="" id="{A6FE6D4A-AD83-4EB0-A2AD-2E9E9A1009DE}"/>
+                <a16:creationId xmlns:a16="http://schemas.microsoft.com/office/drawing/2014/main" id="{A6FE6D4A-AD83-4EB0-A2AD-2E9E9A1009DE}"/>
               </a:ext>
             </a:extLst>
           </p:cNvPr>
@@ -10489,7 +10634,7 @@
           <p:cNvPr id="2" name="Table 1">
             <a:extLst>
               <a:ext uri="{FF2B5EF4-FFF2-40B4-BE49-F238E27FC236}">
-                <a16:creationId xmlns:a16="http://schemas.microsoft.com/office/drawing/2014/main" xmlns="" id="{6F2896E3-39EB-4ECA-AD65-AB059FA4FCC5}"/>
+                <a16:creationId xmlns:a16="http://schemas.microsoft.com/office/drawing/2014/main" id="{6F2896E3-39EB-4ECA-AD65-AB059FA4FCC5}"/>
               </a:ext>
             </a:extLst>
           </p:cNvPr>
@@ -10518,14 +10663,14 @@
                 <a:gridCol w="1212227">
                   <a:extLst>
                     <a:ext uri="{9D8B030D-6E8A-4147-A177-3AD203B41FA5}">
-                      <a16:colId xmlns:a16="http://schemas.microsoft.com/office/drawing/2014/main" xmlns="" val="2834307532"/>
+                      <a16:colId xmlns:a16="http://schemas.microsoft.com/office/drawing/2014/main" val="2834307532"/>
                     </a:ext>
                   </a:extLst>
                 </a:gridCol>
                 <a:gridCol w="7493623">
                   <a:extLst>
                     <a:ext uri="{9D8B030D-6E8A-4147-A177-3AD203B41FA5}">
-                      <a16:colId xmlns:a16="http://schemas.microsoft.com/office/drawing/2014/main" xmlns="" val="4186691054"/>
+                      <a16:colId xmlns:a16="http://schemas.microsoft.com/office/drawing/2014/main" val="4186691054"/>
                     </a:ext>
                   </a:extLst>
                 </a:gridCol>
@@ -10561,7 +10706,7 @@
                 </a:tc>
                 <a:extLst>
                   <a:ext uri="{0D108BD9-81ED-4DB2-BD59-A6C34878D82A}">
-                    <a16:rowId xmlns:a16="http://schemas.microsoft.com/office/drawing/2014/main" xmlns="" val="1698723346"/>
+                    <a16:rowId xmlns:a16="http://schemas.microsoft.com/office/drawing/2014/main" val="1698723346"/>
                   </a:ext>
                 </a:extLst>
               </a:tr>
@@ -10602,7 +10747,7 @@
                 </a:tc>
                 <a:extLst>
                   <a:ext uri="{0D108BD9-81ED-4DB2-BD59-A6C34878D82A}">
-                    <a16:rowId xmlns:a16="http://schemas.microsoft.com/office/drawing/2014/main" xmlns="" val="3383460755"/>
+                    <a16:rowId xmlns:a16="http://schemas.microsoft.com/office/drawing/2014/main" val="3383460755"/>
                   </a:ext>
                 </a:extLst>
               </a:tr>
@@ -10643,7 +10788,7 @@
                 </a:tc>
                 <a:extLst>
                   <a:ext uri="{0D108BD9-81ED-4DB2-BD59-A6C34878D82A}">
-                    <a16:rowId xmlns:a16="http://schemas.microsoft.com/office/drawing/2014/main" xmlns="" val="502453963"/>
+                    <a16:rowId xmlns:a16="http://schemas.microsoft.com/office/drawing/2014/main" val="502453963"/>
                   </a:ext>
                 </a:extLst>
               </a:tr>
@@ -10684,7 +10829,7 @@
                 </a:tc>
                 <a:extLst>
                   <a:ext uri="{0D108BD9-81ED-4DB2-BD59-A6C34878D82A}">
-                    <a16:rowId xmlns:a16="http://schemas.microsoft.com/office/drawing/2014/main" xmlns="" val="3888214698"/>
+                    <a16:rowId xmlns:a16="http://schemas.microsoft.com/office/drawing/2014/main" val="3888214698"/>
                   </a:ext>
                 </a:extLst>
               </a:tr>
@@ -10725,7 +10870,7 @@
                 </a:tc>
                 <a:extLst>
                   <a:ext uri="{0D108BD9-81ED-4DB2-BD59-A6C34878D82A}">
-                    <a16:rowId xmlns:a16="http://schemas.microsoft.com/office/drawing/2014/main" xmlns="" val="3493275254"/>
+                    <a16:rowId xmlns:a16="http://schemas.microsoft.com/office/drawing/2014/main" val="3493275254"/>
                   </a:ext>
                 </a:extLst>
               </a:tr>
@@ -10766,7 +10911,7 @@
                 </a:tc>
                 <a:extLst>
                   <a:ext uri="{0D108BD9-81ED-4DB2-BD59-A6C34878D82A}">
-                    <a16:rowId xmlns:a16="http://schemas.microsoft.com/office/drawing/2014/main" xmlns="" val="1429497512"/>
+                    <a16:rowId xmlns:a16="http://schemas.microsoft.com/office/drawing/2014/main" val="1429497512"/>
                   </a:ext>
                 </a:extLst>
               </a:tr>
@@ -10807,7 +10952,7 @@
                 </a:tc>
                 <a:extLst>
                   <a:ext uri="{0D108BD9-81ED-4DB2-BD59-A6C34878D82A}">
-                    <a16:rowId xmlns:a16="http://schemas.microsoft.com/office/drawing/2014/main" xmlns="" val="1257684296"/>
+                    <a16:rowId xmlns:a16="http://schemas.microsoft.com/office/drawing/2014/main" val="1257684296"/>
                   </a:ext>
                 </a:extLst>
               </a:tr>
@@ -10848,7 +10993,7 @@
                 </a:tc>
                 <a:extLst>
                   <a:ext uri="{0D108BD9-81ED-4DB2-BD59-A6C34878D82A}">
-                    <a16:rowId xmlns:a16="http://schemas.microsoft.com/office/drawing/2014/main" xmlns="" val="1297185499"/>
+                    <a16:rowId xmlns:a16="http://schemas.microsoft.com/office/drawing/2014/main" val="1297185499"/>
                   </a:ext>
                 </a:extLst>
               </a:tr>
@@ -10889,7 +11034,7 @@
                 </a:tc>
                 <a:extLst>
                   <a:ext uri="{0D108BD9-81ED-4DB2-BD59-A6C34878D82A}">
-                    <a16:rowId xmlns:a16="http://schemas.microsoft.com/office/drawing/2014/main" xmlns="" val="3134097065"/>
+                    <a16:rowId xmlns:a16="http://schemas.microsoft.com/office/drawing/2014/main" val="3134097065"/>
                   </a:ext>
                 </a:extLst>
               </a:tr>
@@ -10930,7 +11075,7 @@
                 </a:tc>
                 <a:extLst>
                   <a:ext uri="{0D108BD9-81ED-4DB2-BD59-A6C34878D82A}">
-                    <a16:rowId xmlns:a16="http://schemas.microsoft.com/office/drawing/2014/main" xmlns="" val="1182630671"/>
+                    <a16:rowId xmlns:a16="http://schemas.microsoft.com/office/drawing/2014/main" val="1182630671"/>
                   </a:ext>
                 </a:extLst>
               </a:tr>
@@ -10971,7 +11116,7 @@
                 </a:tc>
                 <a:extLst>
                   <a:ext uri="{0D108BD9-81ED-4DB2-BD59-A6C34878D82A}">
-                    <a16:rowId xmlns:a16="http://schemas.microsoft.com/office/drawing/2014/main" xmlns="" val="1801439304"/>
+                    <a16:rowId xmlns:a16="http://schemas.microsoft.com/office/drawing/2014/main" val="1801439304"/>
                   </a:ext>
                 </a:extLst>
               </a:tr>
@@ -11012,7 +11157,7 @@
                 </a:tc>
                 <a:extLst>
                   <a:ext uri="{0D108BD9-81ED-4DB2-BD59-A6C34878D82A}">
-                    <a16:rowId xmlns:a16="http://schemas.microsoft.com/office/drawing/2014/main" xmlns="" val="3835690738"/>
+                    <a16:rowId xmlns:a16="http://schemas.microsoft.com/office/drawing/2014/main" val="3835690738"/>
                   </a:ext>
                 </a:extLst>
               </a:tr>
@@ -11050,7 +11195,7 @@
           <p:cNvPr id="11266" name="TextBox 2">
             <a:extLst>
               <a:ext uri="{FF2B5EF4-FFF2-40B4-BE49-F238E27FC236}">
-                <a16:creationId xmlns:a16="http://schemas.microsoft.com/office/drawing/2014/main" xmlns="" id="{792C8CC4-A556-4608-8FB1-142A09AD08E4}"/>
+                <a16:creationId xmlns:a16="http://schemas.microsoft.com/office/drawing/2014/main" id="{792C8CC4-A556-4608-8FB1-142A09AD08E4}"/>
               </a:ext>
             </a:extLst>
           </p:cNvPr>
@@ -11234,7 +11379,7 @@
           <p:cNvPr id="5" name="Rectangle 4">
             <a:extLst>
               <a:ext uri="{FF2B5EF4-FFF2-40B4-BE49-F238E27FC236}">
-                <a16:creationId xmlns:a16="http://schemas.microsoft.com/office/drawing/2014/main" xmlns="" id="{636A239B-950E-4A7B-8B35-F67E199CFE49}"/>
+                <a16:creationId xmlns:a16="http://schemas.microsoft.com/office/drawing/2014/main" id="{636A239B-950E-4A7B-8B35-F67E199CFE49}"/>
               </a:ext>
             </a:extLst>
           </p:cNvPr>
@@ -11311,12 +11456,27 @@
               <a:defRPr/>
             </a:pPr>
             <a:r>
-              <a:rPr lang="id-ID" dirty="0">
+              <a:rPr lang="en-SG" sz="1600" b="1" dirty="0">
                 <a:solidFill>
                   <a:schemeClr val="tx1"/>
                 </a:solidFill>
               </a:rPr>
-              <a:t>Unit tests</a:t>
+              <a:t>Unit Test</a:t>
+            </a:r>
+            <a:br>
+              <a:rPr lang="en-SG" sz="1600" dirty="0">
+                <a:solidFill>
+                  <a:schemeClr val="tx1"/>
+                </a:solidFill>
+              </a:rPr>
+            </a:br>
+            <a:r>
+              <a:rPr lang="en-US" sz="1600" dirty="0">
+                <a:solidFill>
+                  <a:schemeClr val="tx1"/>
+                </a:solidFill>
+              </a:rPr>
+              <a:t>Unit tests are very low level and close to the application's source code. They consist of testing individual methods and functions of your software's classes, components, or modules. Unit tests are typically inexpensive to automate and can be run quickly by a continuous integration server.</a:t>
             </a:r>
           </a:p>
           <a:p>
@@ -11332,14 +11492,108 @@
               <a:defRPr/>
             </a:pPr>
             <a:r>
-              <a:rPr lang="en-US" dirty="0" smtClean="0">
+              <a:rPr lang="en-SG" sz="1600" b="1" dirty="0">
                 <a:solidFill>
                   <a:schemeClr val="tx1"/>
                 </a:solidFill>
               </a:rPr>
-              <a:t>UAT Testing</a:t>
+              <a:t>Integration Test</a:t>
             </a:r>
-            <a:endParaRPr lang="en-SG" dirty="0" smtClean="0">
+            <a:br>
+              <a:rPr lang="en-SG" sz="1600" b="1" dirty="0">
+                <a:solidFill>
+                  <a:schemeClr val="tx1"/>
+                </a:solidFill>
+              </a:rPr>
+            </a:br>
+            <a:r>
+              <a:rPr lang="en-US" sz="1600" dirty="0">
+                <a:solidFill>
+                  <a:schemeClr val="tx1"/>
+                </a:solidFill>
+              </a:rPr>
+              <a:t>Integration tests ensure that your application's various modules or services work well together. It could be testing the interaction with the database or ensuring that microservices work together as expected.</a:t>
+            </a:r>
+          </a:p>
+          <a:p>
+            <a:pPr marL="742950" lvl="1" indent="-285750">
+              <a:spcBef>
+                <a:spcPts val="600"/>
+              </a:spcBef>
+              <a:spcAft>
+                <a:spcPts val="600"/>
+              </a:spcAft>
+              <a:buFont typeface="Calibri" panose="020F0502020204030204" pitchFamily="34" charset="0"/>
+              <a:buChar char="‒"/>
+              <a:defRPr/>
+            </a:pPr>
+            <a:r>
+              <a:rPr lang="en-US" sz="1600" b="1" dirty="0">
+                <a:solidFill>
+                  <a:schemeClr val="tx1"/>
+                </a:solidFill>
+              </a:rPr>
+              <a:t>Functional Test</a:t>
+            </a:r>
+            <a:br>
+              <a:rPr lang="en-US" sz="1600" b="1" dirty="0">
+                <a:solidFill>
+                  <a:schemeClr val="tx1"/>
+                </a:solidFill>
+              </a:rPr>
+            </a:br>
+            <a:r>
+              <a:rPr lang="en-US" sz="1600" dirty="0">
+                <a:solidFill>
+                  <a:schemeClr val="tx1"/>
+                </a:solidFill>
+              </a:rPr>
+              <a:t>Functional tests are concerned with an application's business requirements. They only check the output of an action and do not examine the system's intermediate states while performing that action.</a:t>
+            </a:r>
+          </a:p>
+          <a:p>
+            <a:pPr marL="742950" lvl="1" indent="-285750">
+              <a:spcBef>
+                <a:spcPts val="600"/>
+              </a:spcBef>
+              <a:spcAft>
+                <a:spcPts val="600"/>
+              </a:spcAft>
+              <a:buFont typeface="Calibri" panose="020F0502020204030204" pitchFamily="34" charset="0"/>
+              <a:buChar char="‒"/>
+              <a:defRPr/>
+            </a:pPr>
+            <a:r>
+              <a:rPr lang="en-US" sz="1600" b="1" dirty="0">
+                <a:solidFill>
+                  <a:schemeClr val="tx1"/>
+                </a:solidFill>
+              </a:rPr>
+              <a:t>End-to-end Test</a:t>
+            </a:r>
+            <a:br>
+              <a:rPr lang="en-US" sz="1600" b="1" dirty="0">
+                <a:solidFill>
+                  <a:schemeClr val="tx1"/>
+                </a:solidFill>
+              </a:rPr>
+            </a:br>
+            <a:r>
+              <a:rPr lang="en-US" sz="1600" dirty="0">
+                <a:solidFill>
+                  <a:schemeClr val="tx1"/>
+                </a:solidFill>
+              </a:rPr>
+              <a:t>End-to-end testing simulates a user's interaction with software in a complete application environment. It verifies that various user flows work as expected and can be as simple as loading a web page or logging in or much more complex scenarios such as verifying email notifications, online payments, and so on.</a:t>
+            </a:r>
+            <a:br>
+              <a:rPr lang="en-SG" dirty="0">
+                <a:solidFill>
+                  <a:schemeClr val="tx1"/>
+                </a:solidFill>
+              </a:rPr>
+            </a:br>
+            <a:endParaRPr lang="en-SG" dirty="0">
               <a:solidFill>
                 <a:schemeClr val="tx1"/>
               </a:solidFill>
@@ -11516,10 +11770,10 @@
       </p:grpSpPr>
       <p:sp>
         <p:nvSpPr>
-          <p:cNvPr id="13314" name="TextBox 2">
+          <p:cNvPr id="11266" name="TextBox 2">
             <a:extLst>
               <a:ext uri="{FF2B5EF4-FFF2-40B4-BE49-F238E27FC236}">
-                <a16:creationId xmlns:a16="http://schemas.microsoft.com/office/drawing/2014/main" xmlns="" id="{02CD415C-F722-4BCE-AC49-EC3B0C0610B3}"/>
+                <a16:creationId xmlns:a16="http://schemas.microsoft.com/office/drawing/2014/main" id="{792C8CC4-A556-4608-8FB1-142A09AD08E4}"/>
               </a:ext>
             </a:extLst>
           </p:cNvPr>
@@ -11679,6 +11933,383 @@
                 </a:solidFill>
                 <a:cs typeface="Arial" panose="020B0604020202020204" pitchFamily="34" charset="0"/>
               </a:rPr>
+              <a:t>1. </a:t>
+            </a:r>
+            <a:r>
+              <a:rPr lang="en-SG" altLang="en-US" sz="2800" dirty="0">
+                <a:solidFill>
+                  <a:schemeClr val="bg1"/>
+                </a:solidFill>
+              </a:rPr>
+              <a:t>Different Types of Testing</a:t>
+            </a:r>
+            <a:endParaRPr lang="en-US" altLang="en-US" sz="2800" dirty="0">
+              <a:solidFill>
+                <a:schemeClr val="bg1"/>
+              </a:solidFill>
+              <a:cs typeface="Arial" panose="020B0604020202020204" pitchFamily="34" charset="0"/>
+            </a:endParaRPr>
+          </a:p>
+        </p:txBody>
+      </p:sp>
+      <p:sp>
+        <p:nvSpPr>
+          <p:cNvPr id="5" name="Rectangle 4">
+            <a:extLst>
+              <a:ext uri="{FF2B5EF4-FFF2-40B4-BE49-F238E27FC236}">
+                <a16:creationId xmlns:a16="http://schemas.microsoft.com/office/drawing/2014/main" id="{636A239B-950E-4A7B-8B35-F67E199CFE49}"/>
+              </a:ext>
+            </a:extLst>
+          </p:cNvPr>
+          <p:cNvSpPr/>
+          <p:nvPr/>
+        </p:nvSpPr>
+        <p:spPr>
+          <a:xfrm>
+            <a:off x="107950" y="1196975"/>
+            <a:ext cx="8856663" cy="5545138"/>
+          </a:xfrm>
+          <a:prstGeom prst="rect">
+            <a:avLst/>
+          </a:prstGeom>
+          <a:solidFill>
+            <a:schemeClr val="bg1">
+              <a:lumMod val="95000"/>
+            </a:schemeClr>
+          </a:solidFill>
+          <a:ln>
+            <a:solidFill>
+              <a:schemeClr val="tx1"/>
+            </a:solidFill>
+          </a:ln>
+        </p:spPr>
+        <p:style>
+          <a:lnRef idx="1">
+            <a:schemeClr val="accent1"/>
+          </a:lnRef>
+          <a:fillRef idx="3">
+            <a:schemeClr val="accent1"/>
+          </a:fillRef>
+          <a:effectRef idx="2">
+            <a:schemeClr val="accent1"/>
+          </a:effectRef>
+          <a:fontRef idx="minor">
+            <a:schemeClr val="lt1"/>
+          </a:fontRef>
+        </p:style>
+        <p:txBody>
+          <a:bodyPr/>
+          <a:lstStyle/>
+          <a:p>
+            <a:pPr marL="742950" lvl="1" indent="-285750">
+              <a:spcBef>
+                <a:spcPts val="600"/>
+              </a:spcBef>
+              <a:spcAft>
+                <a:spcPts val="600"/>
+              </a:spcAft>
+              <a:buFont typeface="Calibri" panose="020F0502020204030204" pitchFamily="34" charset="0"/>
+              <a:buChar char="‒"/>
+              <a:defRPr/>
+            </a:pPr>
+            <a:r>
+              <a:rPr lang="en-SG" b="1" dirty="0">
+                <a:solidFill>
+                  <a:schemeClr val="tx1"/>
+                </a:solidFill>
+              </a:rPr>
+              <a:t>User Acceptance Testing</a:t>
+            </a:r>
+            <a:br>
+              <a:rPr lang="en-SG" b="1" dirty="0">
+                <a:solidFill>
+                  <a:schemeClr val="tx1"/>
+                </a:solidFill>
+              </a:rPr>
+            </a:br>
+            <a:r>
+              <a:rPr lang="en-US" dirty="0">
+                <a:solidFill>
+                  <a:schemeClr val="tx1"/>
+                </a:solidFill>
+              </a:rPr>
+              <a:t>Acceptance tests are formal tests that determine whether a system meets business requirements. They require that the entire application be running while testing and concentrate on replicating user behaviors.</a:t>
+            </a:r>
+          </a:p>
+          <a:p>
+            <a:pPr marL="742950" lvl="1" indent="-285750">
+              <a:spcBef>
+                <a:spcPts val="600"/>
+              </a:spcBef>
+              <a:spcAft>
+                <a:spcPts val="600"/>
+              </a:spcAft>
+              <a:buFont typeface="Calibri" panose="020F0502020204030204" pitchFamily="34" charset="0"/>
+              <a:buChar char="‒"/>
+              <a:defRPr/>
+            </a:pPr>
+            <a:r>
+              <a:rPr lang="en-US" b="1" dirty="0">
+                <a:solidFill>
+                  <a:schemeClr val="tx1"/>
+                </a:solidFill>
+              </a:rPr>
+              <a:t>Performance Testing</a:t>
+            </a:r>
+            <a:br>
+              <a:rPr lang="en-US" b="1" dirty="0">
+                <a:solidFill>
+                  <a:schemeClr val="tx1"/>
+                </a:solidFill>
+              </a:rPr>
+            </a:br>
+            <a:r>
+              <a:rPr lang="en-US" dirty="0">
+                <a:solidFill>
+                  <a:schemeClr val="tx1"/>
+                </a:solidFill>
+              </a:rPr>
+              <a:t>Performance tests assess how a system performs in response to a specific workload. These tests help to assess an application's dependability, speed, scalability, and responsiveness.</a:t>
+            </a:r>
+          </a:p>
+          <a:p>
+            <a:pPr marL="742950" lvl="1" indent="-285750">
+              <a:spcBef>
+                <a:spcPts val="600"/>
+              </a:spcBef>
+              <a:spcAft>
+                <a:spcPts val="600"/>
+              </a:spcAft>
+              <a:buFont typeface="Calibri" panose="020F0502020204030204" pitchFamily="34" charset="0"/>
+              <a:buChar char="‒"/>
+              <a:defRPr/>
+            </a:pPr>
+            <a:r>
+              <a:rPr lang="en-US" b="1" dirty="0">
+                <a:solidFill>
+                  <a:schemeClr val="tx1"/>
+                </a:solidFill>
+              </a:rPr>
+              <a:t>Smoke Testing</a:t>
+            </a:r>
+            <a:br>
+              <a:rPr lang="en-US" b="1" dirty="0">
+                <a:solidFill>
+                  <a:schemeClr val="tx1"/>
+                </a:solidFill>
+              </a:rPr>
+            </a:br>
+            <a:r>
+              <a:rPr lang="en-US" dirty="0">
+                <a:solidFill>
+                  <a:schemeClr val="tx1"/>
+                </a:solidFill>
+              </a:rPr>
+              <a:t>Smoke tests are simple tests that check an application's basic functionality. They are designed to be quick to execute and provide assurance that the major features of your system are functioning properly.</a:t>
+            </a:r>
+            <a:endParaRPr lang="en-SG" dirty="0">
+              <a:solidFill>
+                <a:schemeClr val="tx1"/>
+              </a:solidFill>
+            </a:endParaRPr>
+          </a:p>
+        </p:txBody>
+      </p:sp>
+    </p:spTree>
+    <p:extLst>
+      <p:ext uri="{BB962C8B-B14F-4D97-AF65-F5344CB8AC3E}">
+        <p14:creationId xmlns:p14="http://schemas.microsoft.com/office/powerpoint/2010/main" val="1220709830"/>
+      </p:ext>
+    </p:extLst>
+  </p:cSld>
+  <p:clrMapOvr>
+    <a:masterClrMapping/>
+  </p:clrMapOvr>
+</p:sld>
+</file>
+
+<file path=ppt/slides/slide6.xml><?xml version="1.0" encoding="utf-8"?>
+<p:sld xmlns:a="http://schemas.openxmlformats.org/drawingml/2006/main" xmlns:r="http://schemas.openxmlformats.org/officeDocument/2006/relationships" xmlns:p="http://schemas.openxmlformats.org/presentationml/2006/main">
+  <p:cSld>
+    <p:spTree>
+      <p:nvGrpSpPr>
+        <p:cNvPr id="1" name=""/>
+        <p:cNvGrpSpPr/>
+        <p:nvPr/>
+      </p:nvGrpSpPr>
+      <p:grpSpPr>
+        <a:xfrm>
+          <a:off x="0" y="0"/>
+          <a:ext cx="0" cy="0"/>
+          <a:chOff x="0" y="0"/>
+          <a:chExt cx="0" cy="0"/>
+        </a:xfrm>
+      </p:grpSpPr>
+      <p:sp>
+        <p:nvSpPr>
+          <p:cNvPr id="13314" name="TextBox 2">
+            <a:extLst>
+              <a:ext uri="{FF2B5EF4-FFF2-40B4-BE49-F238E27FC236}">
+                <a16:creationId xmlns:a16="http://schemas.microsoft.com/office/drawing/2014/main" id="{02CD415C-F722-4BCE-AC49-EC3B0C0610B3}"/>
+              </a:ext>
+            </a:extLst>
+          </p:cNvPr>
+          <p:cNvSpPr txBox="1">
+            <a:spLocks noChangeArrowheads="1"/>
+          </p:cNvSpPr>
+          <p:nvPr/>
+        </p:nvSpPr>
+        <p:spPr bwMode="auto">
+          <a:xfrm>
+            <a:off x="34925" y="404813"/>
+            <a:ext cx="6689725" cy="522287"/>
+          </a:xfrm>
+          <a:prstGeom prst="rect">
+            <a:avLst/>
+          </a:prstGeom>
+          <a:noFill/>
+          <a:ln>
+            <a:noFill/>
+          </a:ln>
+          <a:extLst>
+            <a:ext uri="{909E8E84-426E-40DD-AFC4-6F175D3DCCD1}">
+              <a14:hiddenFill xmlns:a14="http://schemas.microsoft.com/office/drawing/2010/main">
+                <a:solidFill>
+                  <a:srgbClr val="FFFFFF"/>
+                </a:solidFill>
+              </a14:hiddenFill>
+            </a:ext>
+            <a:ext uri="{91240B29-F687-4F45-9708-019B960494DF}">
+              <a14:hiddenLine xmlns:a14="http://schemas.microsoft.com/office/drawing/2010/main" w="9525">
+                <a:solidFill>
+                  <a:srgbClr val="000000"/>
+                </a:solidFill>
+                <a:miter lim="800000"/>
+                <a:headEnd/>
+                <a:tailEnd/>
+              </a14:hiddenLine>
+            </a:ext>
+          </a:extLst>
+        </p:spPr>
+        <p:txBody>
+          <a:bodyPr>
+            <a:spAutoFit/>
+          </a:bodyPr>
+          <a:lstStyle>
+            <a:lvl1pPr>
+              <a:defRPr>
+                <a:solidFill>
+                  <a:schemeClr val="tx1"/>
+                </a:solidFill>
+                <a:latin typeface="Arial" panose="020B0604020202020204" pitchFamily="34" charset="0"/>
+                <a:ea typeface="ヒラギノ角ゴ Pro W3" charset="-128"/>
+              </a:defRPr>
+            </a:lvl1pPr>
+            <a:lvl2pPr marL="742950" indent="-285750">
+              <a:defRPr>
+                <a:solidFill>
+                  <a:schemeClr val="tx1"/>
+                </a:solidFill>
+                <a:latin typeface="Arial" panose="020B0604020202020204" pitchFamily="34" charset="0"/>
+                <a:ea typeface="ヒラギノ角ゴ Pro W3" charset="-128"/>
+              </a:defRPr>
+            </a:lvl2pPr>
+            <a:lvl3pPr marL="1143000" indent="-228600">
+              <a:defRPr>
+                <a:solidFill>
+                  <a:schemeClr val="tx1"/>
+                </a:solidFill>
+                <a:latin typeface="Arial" panose="020B0604020202020204" pitchFamily="34" charset="0"/>
+                <a:ea typeface="ヒラギノ角ゴ Pro W3" charset="-128"/>
+              </a:defRPr>
+            </a:lvl3pPr>
+            <a:lvl4pPr marL="1600200" indent="-228600">
+              <a:defRPr>
+                <a:solidFill>
+                  <a:schemeClr val="tx1"/>
+                </a:solidFill>
+                <a:latin typeface="Arial" panose="020B0604020202020204" pitchFamily="34" charset="0"/>
+                <a:ea typeface="ヒラギノ角ゴ Pro W3" charset="-128"/>
+              </a:defRPr>
+            </a:lvl4pPr>
+            <a:lvl5pPr marL="2057400" indent="-228600">
+              <a:defRPr>
+                <a:solidFill>
+                  <a:schemeClr val="tx1"/>
+                </a:solidFill>
+                <a:latin typeface="Arial" panose="020B0604020202020204" pitchFamily="34" charset="0"/>
+                <a:ea typeface="ヒラギノ角ゴ Pro W3" charset="-128"/>
+              </a:defRPr>
+            </a:lvl5pPr>
+            <a:lvl6pPr marL="2514600" indent="-228600" defTabSz="457200" eaLnBrk="0" fontAlgn="base" hangingPunct="0">
+              <a:spcBef>
+                <a:spcPct val="0"/>
+              </a:spcBef>
+              <a:spcAft>
+                <a:spcPct val="0"/>
+              </a:spcAft>
+              <a:defRPr>
+                <a:solidFill>
+                  <a:schemeClr val="tx1"/>
+                </a:solidFill>
+                <a:latin typeface="Arial" panose="020B0604020202020204" pitchFamily="34" charset="0"/>
+                <a:ea typeface="ヒラギノ角ゴ Pro W3" charset="-128"/>
+              </a:defRPr>
+            </a:lvl6pPr>
+            <a:lvl7pPr marL="2971800" indent="-228600" defTabSz="457200" eaLnBrk="0" fontAlgn="base" hangingPunct="0">
+              <a:spcBef>
+                <a:spcPct val="0"/>
+              </a:spcBef>
+              <a:spcAft>
+                <a:spcPct val="0"/>
+              </a:spcAft>
+              <a:defRPr>
+                <a:solidFill>
+                  <a:schemeClr val="tx1"/>
+                </a:solidFill>
+                <a:latin typeface="Arial" panose="020B0604020202020204" pitchFamily="34" charset="0"/>
+                <a:ea typeface="ヒラギノ角ゴ Pro W3" charset="-128"/>
+              </a:defRPr>
+            </a:lvl7pPr>
+            <a:lvl8pPr marL="3429000" indent="-228600" defTabSz="457200" eaLnBrk="0" fontAlgn="base" hangingPunct="0">
+              <a:spcBef>
+                <a:spcPct val="0"/>
+              </a:spcBef>
+              <a:spcAft>
+                <a:spcPct val="0"/>
+              </a:spcAft>
+              <a:defRPr>
+                <a:solidFill>
+                  <a:schemeClr val="tx1"/>
+                </a:solidFill>
+                <a:latin typeface="Arial" panose="020B0604020202020204" pitchFamily="34" charset="0"/>
+                <a:ea typeface="ヒラギノ角ゴ Pro W3" charset="-128"/>
+              </a:defRPr>
+            </a:lvl8pPr>
+            <a:lvl9pPr marL="3886200" indent="-228600" defTabSz="457200" eaLnBrk="0" fontAlgn="base" hangingPunct="0">
+              <a:spcBef>
+                <a:spcPct val="0"/>
+              </a:spcBef>
+              <a:spcAft>
+                <a:spcPct val="0"/>
+              </a:spcAft>
+              <a:defRPr>
+                <a:solidFill>
+                  <a:schemeClr val="tx1"/>
+                </a:solidFill>
+                <a:latin typeface="Arial" panose="020B0604020202020204" pitchFamily="34" charset="0"/>
+                <a:ea typeface="ヒラギノ角ゴ Pro W3" charset="-128"/>
+              </a:defRPr>
+            </a:lvl9pPr>
+          </a:lstStyle>
+          <a:p>
+            <a:r>
+              <a:rPr lang="en-US" altLang="en-US" sz="2800" dirty="0">
+                <a:solidFill>
+                  <a:srgbClr val="FFFFFF"/>
+                </a:solidFill>
+                <a:cs typeface="Arial" panose="020B0604020202020204" pitchFamily="34" charset="0"/>
+              </a:rPr>
               <a:t>2. </a:t>
             </a:r>
             <a:r>
@@ -11704,7 +12335,7 @@
           <p:cNvPr id="5" name="Rectangle 4">
             <a:extLst>
               <a:ext uri="{FF2B5EF4-FFF2-40B4-BE49-F238E27FC236}">
-                <a16:creationId xmlns:a16="http://schemas.microsoft.com/office/drawing/2014/main" xmlns="" id="{636A239B-950E-4A7B-8B35-F67E199CFE49}"/>
+                <a16:creationId xmlns:a16="http://schemas.microsoft.com/office/drawing/2014/main" id="{636A239B-950E-4A7B-8B35-F67E199CFE49}"/>
               </a:ext>
             </a:extLst>
           </p:cNvPr>
@@ -11779,7 +12410,7 @@
               <a:defRPr/>
             </a:pPr>
             <a:r>
-              <a:rPr lang="en-SG" sz="2000" b="1" dirty="0" smtClean="0">
+              <a:rPr lang="en-SG" sz="2000" b="1" dirty="0">
                 <a:solidFill>
                   <a:schemeClr val="tx1"/>
                 </a:solidFill>
@@ -11805,15 +12436,7 @@
                   <a:schemeClr val="tx1"/>
                 </a:solidFill>
               </a:rPr>
-              <a:t>Unit testing saves time and </a:t>
-            </a:r>
-            <a:r>
-              <a:rPr lang="en-GB" sz="2000" dirty="0" smtClean="0">
-                <a:solidFill>
-                  <a:schemeClr val="tx1"/>
-                </a:solidFill>
-              </a:rPr>
-              <a:t>money</a:t>
+              <a:t>Unit testing saves time and money</a:t>
             </a:r>
           </a:p>
           <a:p>
@@ -11834,15 +12457,7 @@
                   <a:schemeClr val="tx1"/>
                 </a:solidFill>
               </a:rPr>
-              <a:t>Unit testing helps gauge </a:t>
-            </a:r>
-            <a:r>
-              <a:rPr lang="en-GB" dirty="0" smtClean="0">
-                <a:solidFill>
-                  <a:schemeClr val="tx1"/>
-                </a:solidFill>
-              </a:rPr>
-              <a:t>performance</a:t>
+              <a:t>Unit testing helps gauge performance</a:t>
             </a:r>
           </a:p>
           <a:p>
@@ -11865,11 +12480,6 @@
               </a:rPr>
               <a:t>Unit testing improves code coverage </a:t>
             </a:r>
-            <a:endParaRPr lang="en-GB" dirty="0" smtClean="0">
-              <a:solidFill>
-                <a:schemeClr val="tx1"/>
-              </a:solidFill>
-            </a:endParaRPr>
           </a:p>
           <a:p>
             <a:pPr>
@@ -11881,7 +12491,7 @@
               </a:spcAft>
               <a:defRPr/>
             </a:pPr>
-            <a:endParaRPr lang="en-GB" dirty="0" smtClean="0">
+            <a:endParaRPr lang="en-GB" dirty="0">
               <a:solidFill>
                 <a:schemeClr val="tx1"/>
               </a:solidFill>
@@ -11898,18 +12508,13 @@
               <a:defRPr/>
             </a:pPr>
             <a:r>
-              <a:rPr lang="en-GB" b="1" dirty="0" smtClean="0">
+              <a:rPr lang="en-GB" b="1" dirty="0">
                 <a:solidFill>
                   <a:schemeClr val="tx1"/>
                 </a:solidFill>
               </a:rPr>
               <a:t>UAT Testing</a:t>
             </a:r>
-            <a:endParaRPr lang="en-GB" b="1" dirty="0">
-              <a:solidFill>
-                <a:schemeClr val="tx1"/>
-              </a:solidFill>
-            </a:endParaRPr>
           </a:p>
           <a:p>
             <a:pPr marL="342900" indent="-342900">
@@ -11924,20 +12529,12 @@
               <a:defRPr/>
             </a:pPr>
             <a:r>
-              <a:rPr lang="en-GB" dirty="0" smtClean="0">
+              <a:rPr lang="en-GB" dirty="0">
                 <a:solidFill>
                   <a:schemeClr val="tx1"/>
                 </a:solidFill>
               </a:rPr>
-              <a:t>To </a:t>
-            </a:r>
-            <a:r>
-              <a:rPr lang="en-GB" dirty="0">
-                <a:solidFill>
-                  <a:schemeClr val="tx1"/>
-                </a:solidFill>
-              </a:rPr>
-              <a:t>confirm that the software product can perform all the business functions.</a:t>
+              <a:t>To confirm that the software product can perform all the business functions.</a:t>
             </a:r>
           </a:p>
           <a:p>
@@ -11981,446 +12578,6 @@
               </a:rPr>
               <a:t>To certify that the software product is ready to move to production.</a:t>
             </a:r>
-            <a:endParaRPr lang="en-SG" dirty="0" smtClean="0">
-              <a:solidFill>
-                <a:schemeClr val="tx1"/>
-              </a:solidFill>
-            </a:endParaRPr>
-          </a:p>
-          <a:p>
-            <a:pPr marL="742950" lvl="1" indent="-285750">
-              <a:buFont typeface="Wingdings" panose="05000000000000000000" pitchFamily="2" charset="2"/>
-              <a:buChar char="§"/>
-              <a:defRPr/>
-            </a:pPr>
-            <a:endParaRPr lang="en-SG" dirty="0">
-              <a:solidFill>
-                <a:schemeClr val="tx1"/>
-              </a:solidFill>
-            </a:endParaRPr>
-          </a:p>
-          <a:p>
-            <a:pPr marL="742950" lvl="1" indent="-285750">
-              <a:buFont typeface="Wingdings" panose="05000000000000000000" pitchFamily="2" charset="2"/>
-              <a:buChar char="§"/>
-              <a:defRPr/>
-            </a:pPr>
-            <a:endParaRPr lang="en-SG" dirty="0">
-              <a:solidFill>
-                <a:schemeClr val="tx1"/>
-              </a:solidFill>
-            </a:endParaRPr>
-          </a:p>
-          <a:p>
-            <a:pPr marL="285750" indent="-285750">
-              <a:buFont typeface="Wingdings" panose="05000000000000000000" pitchFamily="2" charset="2"/>
-              <a:buChar char="q"/>
-              <a:defRPr/>
-            </a:pPr>
-            <a:endParaRPr lang="en-SG" dirty="0">
-              <a:solidFill>
-                <a:schemeClr val="tx1"/>
-              </a:solidFill>
-            </a:endParaRPr>
-          </a:p>
-          <a:p>
-            <a:pPr marL="285750" indent="-285750">
-              <a:buFont typeface="Wingdings" panose="05000000000000000000" pitchFamily="2" charset="2"/>
-              <a:buChar char="q"/>
-              <a:defRPr/>
-            </a:pPr>
-            <a:endParaRPr lang="en-SG" dirty="0">
-              <a:solidFill>
-                <a:schemeClr val="tx1"/>
-              </a:solidFill>
-            </a:endParaRPr>
-          </a:p>
-          <a:p>
-            <a:pPr marL="285750" indent="-285750">
-              <a:buFont typeface="Wingdings" panose="05000000000000000000" pitchFamily="2" charset="2"/>
-              <a:buChar char="q"/>
-              <a:defRPr/>
-            </a:pPr>
-            <a:endParaRPr lang="en-SG" dirty="0">
-              <a:solidFill>
-                <a:schemeClr val="tx1"/>
-              </a:solidFill>
-            </a:endParaRPr>
-          </a:p>
-          <a:p>
-            <a:pPr marL="285750" indent="-285750">
-              <a:buFont typeface="Wingdings" panose="05000000000000000000" pitchFamily="2" charset="2"/>
-              <a:buChar char="q"/>
-              <a:defRPr/>
-            </a:pPr>
-            <a:endParaRPr lang="en-SG" dirty="0">
-              <a:solidFill>
-                <a:schemeClr val="tx1"/>
-              </a:solidFill>
-            </a:endParaRPr>
-          </a:p>
-          <a:p>
-            <a:pPr marL="285750" indent="-285750">
-              <a:buFont typeface="Wingdings" panose="05000000000000000000" pitchFamily="2" charset="2"/>
-              <a:buChar char="q"/>
-              <a:defRPr/>
-            </a:pPr>
-            <a:endParaRPr lang="en-SG" dirty="0">
-              <a:solidFill>
-                <a:schemeClr val="tx1"/>
-              </a:solidFill>
-            </a:endParaRPr>
-          </a:p>
-          <a:p>
-            <a:pPr marL="285750" indent="-285750">
-              <a:buFont typeface="Wingdings" panose="05000000000000000000" pitchFamily="2" charset="2"/>
-              <a:buChar char="q"/>
-              <a:defRPr/>
-            </a:pPr>
-            <a:endParaRPr lang="en-SG" dirty="0">
-              <a:solidFill>
-                <a:schemeClr val="tx1"/>
-              </a:solidFill>
-            </a:endParaRPr>
-          </a:p>
-        </p:txBody>
-      </p:sp>
-    </p:spTree>
-  </p:cSld>
-  <p:clrMapOvr>
-    <a:masterClrMapping/>
-  </p:clrMapOvr>
-</p:sld>
-</file>
-
-<file path=ppt/slides/slide6.xml><?xml version="1.0" encoding="utf-8"?>
-<p:sld xmlns:a="http://schemas.openxmlformats.org/drawingml/2006/main" xmlns:r="http://schemas.openxmlformats.org/officeDocument/2006/relationships" xmlns:p="http://schemas.openxmlformats.org/presentationml/2006/main">
-  <p:cSld>
-    <p:spTree>
-      <p:nvGrpSpPr>
-        <p:cNvPr id="1" name=""/>
-        <p:cNvGrpSpPr/>
-        <p:nvPr/>
-      </p:nvGrpSpPr>
-      <p:grpSpPr>
-        <a:xfrm>
-          <a:off x="0" y="0"/>
-          <a:ext cx="0" cy="0"/>
-          <a:chOff x="0" y="0"/>
-          <a:chExt cx="0" cy="0"/>
-        </a:xfrm>
-      </p:grpSpPr>
-      <p:sp>
-        <p:nvSpPr>
-          <p:cNvPr id="14338" name="TextBox 2">
-            <a:extLst>
-              <a:ext uri="{FF2B5EF4-FFF2-40B4-BE49-F238E27FC236}">
-                <a16:creationId xmlns:a16="http://schemas.microsoft.com/office/drawing/2014/main" xmlns="" id="{DCC0450B-3E1A-4D77-A9D8-10BE20A5ACAD}"/>
-              </a:ext>
-            </a:extLst>
-          </p:cNvPr>
-          <p:cNvSpPr txBox="1">
-            <a:spLocks noChangeArrowheads="1"/>
-          </p:cNvSpPr>
-          <p:nvPr/>
-        </p:nvSpPr>
-        <p:spPr bwMode="auto">
-          <a:xfrm>
-            <a:off x="34925" y="404813"/>
-            <a:ext cx="6689725" cy="522287"/>
-          </a:xfrm>
-          <a:prstGeom prst="rect">
-            <a:avLst/>
-          </a:prstGeom>
-          <a:noFill/>
-          <a:ln>
-            <a:noFill/>
-          </a:ln>
-          <a:extLst>
-            <a:ext uri="{909E8E84-426E-40DD-AFC4-6F175D3DCCD1}">
-              <a14:hiddenFill xmlns:a14="http://schemas.microsoft.com/office/drawing/2010/main">
-                <a:solidFill>
-                  <a:srgbClr val="FFFFFF"/>
-                </a:solidFill>
-              </a14:hiddenFill>
-            </a:ext>
-            <a:ext uri="{91240B29-F687-4F45-9708-019B960494DF}">
-              <a14:hiddenLine xmlns:a14="http://schemas.microsoft.com/office/drawing/2010/main" w="9525">
-                <a:solidFill>
-                  <a:srgbClr val="000000"/>
-                </a:solidFill>
-                <a:miter lim="800000"/>
-                <a:headEnd/>
-                <a:tailEnd/>
-              </a14:hiddenLine>
-            </a:ext>
-          </a:extLst>
-        </p:spPr>
-        <p:txBody>
-          <a:bodyPr>
-            <a:spAutoFit/>
-          </a:bodyPr>
-          <a:lstStyle>
-            <a:lvl1pPr>
-              <a:defRPr>
-                <a:solidFill>
-                  <a:schemeClr val="tx1"/>
-                </a:solidFill>
-                <a:latin typeface="Arial" panose="020B0604020202020204" pitchFamily="34" charset="0"/>
-                <a:ea typeface="ヒラギノ角ゴ Pro W3" charset="-128"/>
-              </a:defRPr>
-            </a:lvl1pPr>
-            <a:lvl2pPr marL="742950" indent="-285750">
-              <a:defRPr>
-                <a:solidFill>
-                  <a:schemeClr val="tx1"/>
-                </a:solidFill>
-                <a:latin typeface="Arial" panose="020B0604020202020204" pitchFamily="34" charset="0"/>
-                <a:ea typeface="ヒラギノ角ゴ Pro W3" charset="-128"/>
-              </a:defRPr>
-            </a:lvl2pPr>
-            <a:lvl3pPr marL="1143000" indent="-228600">
-              <a:defRPr>
-                <a:solidFill>
-                  <a:schemeClr val="tx1"/>
-                </a:solidFill>
-                <a:latin typeface="Arial" panose="020B0604020202020204" pitchFamily="34" charset="0"/>
-                <a:ea typeface="ヒラギノ角ゴ Pro W3" charset="-128"/>
-              </a:defRPr>
-            </a:lvl3pPr>
-            <a:lvl4pPr marL="1600200" indent="-228600">
-              <a:defRPr>
-                <a:solidFill>
-                  <a:schemeClr val="tx1"/>
-                </a:solidFill>
-                <a:latin typeface="Arial" panose="020B0604020202020204" pitchFamily="34" charset="0"/>
-                <a:ea typeface="ヒラギノ角ゴ Pro W3" charset="-128"/>
-              </a:defRPr>
-            </a:lvl4pPr>
-            <a:lvl5pPr marL="2057400" indent="-228600">
-              <a:defRPr>
-                <a:solidFill>
-                  <a:schemeClr val="tx1"/>
-                </a:solidFill>
-                <a:latin typeface="Arial" panose="020B0604020202020204" pitchFamily="34" charset="0"/>
-                <a:ea typeface="ヒラギノ角ゴ Pro W3" charset="-128"/>
-              </a:defRPr>
-            </a:lvl5pPr>
-            <a:lvl6pPr marL="2514600" indent="-228600" defTabSz="457200" eaLnBrk="0" fontAlgn="base" hangingPunct="0">
-              <a:spcBef>
-                <a:spcPct val="0"/>
-              </a:spcBef>
-              <a:spcAft>
-                <a:spcPct val="0"/>
-              </a:spcAft>
-              <a:defRPr>
-                <a:solidFill>
-                  <a:schemeClr val="tx1"/>
-                </a:solidFill>
-                <a:latin typeface="Arial" panose="020B0604020202020204" pitchFamily="34" charset="0"/>
-                <a:ea typeface="ヒラギノ角ゴ Pro W3" charset="-128"/>
-              </a:defRPr>
-            </a:lvl6pPr>
-            <a:lvl7pPr marL="2971800" indent="-228600" defTabSz="457200" eaLnBrk="0" fontAlgn="base" hangingPunct="0">
-              <a:spcBef>
-                <a:spcPct val="0"/>
-              </a:spcBef>
-              <a:spcAft>
-                <a:spcPct val="0"/>
-              </a:spcAft>
-              <a:defRPr>
-                <a:solidFill>
-                  <a:schemeClr val="tx1"/>
-                </a:solidFill>
-                <a:latin typeface="Arial" panose="020B0604020202020204" pitchFamily="34" charset="0"/>
-                <a:ea typeface="ヒラギノ角ゴ Pro W3" charset="-128"/>
-              </a:defRPr>
-            </a:lvl7pPr>
-            <a:lvl8pPr marL="3429000" indent="-228600" defTabSz="457200" eaLnBrk="0" fontAlgn="base" hangingPunct="0">
-              <a:spcBef>
-                <a:spcPct val="0"/>
-              </a:spcBef>
-              <a:spcAft>
-                <a:spcPct val="0"/>
-              </a:spcAft>
-              <a:defRPr>
-                <a:solidFill>
-                  <a:schemeClr val="tx1"/>
-                </a:solidFill>
-                <a:latin typeface="Arial" panose="020B0604020202020204" pitchFamily="34" charset="0"/>
-                <a:ea typeface="ヒラギノ角ゴ Pro W3" charset="-128"/>
-              </a:defRPr>
-            </a:lvl8pPr>
-            <a:lvl9pPr marL="3886200" indent="-228600" defTabSz="457200" eaLnBrk="0" fontAlgn="base" hangingPunct="0">
-              <a:spcBef>
-                <a:spcPct val="0"/>
-              </a:spcBef>
-              <a:spcAft>
-                <a:spcPct val="0"/>
-              </a:spcAft>
-              <a:defRPr>
-                <a:solidFill>
-                  <a:schemeClr val="tx1"/>
-                </a:solidFill>
-                <a:latin typeface="Arial" panose="020B0604020202020204" pitchFamily="34" charset="0"/>
-                <a:ea typeface="ヒラギノ角ゴ Pro W3" charset="-128"/>
-              </a:defRPr>
-            </a:lvl9pPr>
-          </a:lstStyle>
-          <a:p>
-            <a:r>
-              <a:rPr lang="en-US" altLang="en-US" sz="2800" dirty="0">
-                <a:solidFill>
-                  <a:srgbClr val="FFFFFF"/>
-                </a:solidFill>
-                <a:cs typeface="Arial" panose="020B0604020202020204" pitchFamily="34" charset="0"/>
-              </a:rPr>
-              <a:t>3. </a:t>
-            </a:r>
-            <a:r>
-              <a:rPr lang="en-SG" altLang="en-US" sz="2800" dirty="0">
-                <a:solidFill>
-                  <a:schemeClr val="bg1"/>
-                </a:solidFill>
-              </a:rPr>
-              <a:t>Tests Selected</a:t>
-            </a:r>
-            <a:endParaRPr lang="en-US" altLang="en-US" sz="2800" dirty="0">
-              <a:solidFill>
-                <a:schemeClr val="bg1"/>
-              </a:solidFill>
-              <a:cs typeface="Arial" panose="020B0604020202020204" pitchFamily="34" charset="0"/>
-            </a:endParaRPr>
-          </a:p>
-        </p:txBody>
-      </p:sp>
-      <p:sp>
-        <p:nvSpPr>
-          <p:cNvPr id="5" name="Rectangle 4">
-            <a:extLst>
-              <a:ext uri="{FF2B5EF4-FFF2-40B4-BE49-F238E27FC236}">
-                <a16:creationId xmlns:a16="http://schemas.microsoft.com/office/drawing/2014/main" xmlns="" id="{636A239B-950E-4A7B-8B35-F67E199CFE49}"/>
-              </a:ext>
-            </a:extLst>
-          </p:cNvPr>
-          <p:cNvSpPr/>
-          <p:nvPr/>
-        </p:nvSpPr>
-        <p:spPr>
-          <a:xfrm>
-            <a:off x="107950" y="1196975"/>
-            <a:ext cx="8856663" cy="5545138"/>
-          </a:xfrm>
-          <a:prstGeom prst="rect">
-            <a:avLst/>
-          </a:prstGeom>
-          <a:solidFill>
-            <a:schemeClr val="bg1">
-              <a:lumMod val="95000"/>
-            </a:schemeClr>
-          </a:solidFill>
-          <a:ln>
-            <a:solidFill>
-              <a:schemeClr val="tx1"/>
-            </a:solidFill>
-          </a:ln>
-        </p:spPr>
-        <p:style>
-          <a:lnRef idx="1">
-            <a:schemeClr val="accent1"/>
-          </a:lnRef>
-          <a:fillRef idx="3">
-            <a:schemeClr val="accent1"/>
-          </a:fillRef>
-          <a:effectRef idx="2">
-            <a:schemeClr val="accent1"/>
-          </a:effectRef>
-          <a:fontRef idx="minor">
-            <a:schemeClr val="lt1"/>
-          </a:fontRef>
-        </p:style>
-        <p:txBody>
-          <a:bodyPr/>
-          <a:lstStyle/>
-          <a:p>
-            <a:pPr marL="285750" indent="-285750">
-              <a:spcBef>
-                <a:spcPts val="600"/>
-              </a:spcBef>
-              <a:spcAft>
-                <a:spcPts val="600"/>
-              </a:spcAft>
-              <a:buFont typeface="Wingdings" panose="05000000000000000000" pitchFamily="2" charset="2"/>
-              <a:buChar char="q"/>
-              <a:defRPr/>
-            </a:pPr>
-            <a:r>
-              <a:rPr lang="en-SG" dirty="0" smtClean="0">
-                <a:solidFill>
-                  <a:schemeClr val="tx1"/>
-                </a:solidFill>
-              </a:rPr>
-              <a:t>List the testing methods selected to test the project</a:t>
-            </a:r>
-            <a:endParaRPr lang="en-SG" dirty="0">
-              <a:solidFill>
-                <a:schemeClr val="tx1"/>
-              </a:solidFill>
-            </a:endParaRPr>
-          </a:p>
-          <a:p>
-            <a:pPr marL="342900" indent="-342900">
-              <a:spcBef>
-                <a:spcPts val="600"/>
-              </a:spcBef>
-              <a:spcAft>
-                <a:spcPts val="600"/>
-              </a:spcAft>
-              <a:buFont typeface="Wingdings" panose="05000000000000000000" pitchFamily="2" charset="2"/>
-              <a:buChar char="§"/>
-              <a:defRPr/>
-            </a:pPr>
-            <a:r>
-              <a:rPr lang="en-SG" sz="2000" b="1" dirty="0" smtClean="0">
-                <a:solidFill>
-                  <a:schemeClr val="tx1"/>
-                </a:solidFill>
-              </a:rPr>
-              <a:t>Unit Testing</a:t>
-            </a:r>
-          </a:p>
-          <a:p>
-            <a:pPr marL="342900" indent="-342900">
-              <a:spcBef>
-                <a:spcPts val="600"/>
-              </a:spcBef>
-              <a:spcAft>
-                <a:spcPts val="600"/>
-              </a:spcAft>
-              <a:buFont typeface="Wingdings" panose="05000000000000000000" pitchFamily="2" charset="2"/>
-              <a:buChar char="§"/>
-              <a:defRPr/>
-            </a:pPr>
-            <a:r>
-              <a:rPr lang="en-SG" sz="2000" b="1" dirty="0" smtClean="0">
-                <a:solidFill>
-                  <a:schemeClr val="tx1"/>
-                </a:solidFill>
-              </a:rPr>
-              <a:t>UAT Testing</a:t>
-            </a:r>
-            <a:endParaRPr lang="en-SG" sz="2000" b="1" dirty="0">
-              <a:solidFill>
-                <a:schemeClr val="tx1"/>
-              </a:solidFill>
-            </a:endParaRPr>
-          </a:p>
-          <a:p>
-            <a:pPr marL="285750" indent="-285750">
-              <a:buFont typeface="Wingdings" panose="05000000000000000000" pitchFamily="2" charset="2"/>
-              <a:buChar char="q"/>
-              <a:defRPr/>
-            </a:pPr>
             <a:endParaRPr lang="en-SG" dirty="0">
               <a:solidFill>
                 <a:schemeClr val="tx1"/>
@@ -12552,10 +12709,10 @@
       </p:grpSpPr>
       <p:sp>
         <p:nvSpPr>
-          <p:cNvPr id="15362" name="TextBox 2">
+          <p:cNvPr id="14338" name="TextBox 2">
             <a:extLst>
               <a:ext uri="{FF2B5EF4-FFF2-40B4-BE49-F238E27FC236}">
-                <a16:creationId xmlns:a16="http://schemas.microsoft.com/office/drawing/2014/main" xmlns="" id="{88583B5B-4AB7-43D7-8673-3F42459817E7}"/>
+                <a16:creationId xmlns:a16="http://schemas.microsoft.com/office/drawing/2014/main" id="{DCC0450B-3E1A-4D77-A9D8-10BE20A5ACAD}"/>
               </a:ext>
             </a:extLst>
           </p:cNvPr>
@@ -12715,6 +12872,436 @@
                 </a:solidFill>
                 <a:cs typeface="Arial" panose="020B0604020202020204" pitchFamily="34" charset="0"/>
               </a:rPr>
+              <a:t>3. </a:t>
+            </a:r>
+            <a:r>
+              <a:rPr lang="en-SG" altLang="en-US" sz="2800" dirty="0">
+                <a:solidFill>
+                  <a:schemeClr val="bg1"/>
+                </a:solidFill>
+              </a:rPr>
+              <a:t>Tests Selected</a:t>
+            </a:r>
+            <a:endParaRPr lang="en-US" altLang="en-US" sz="2800" dirty="0">
+              <a:solidFill>
+                <a:schemeClr val="bg1"/>
+              </a:solidFill>
+              <a:cs typeface="Arial" panose="020B0604020202020204" pitchFamily="34" charset="0"/>
+            </a:endParaRPr>
+          </a:p>
+        </p:txBody>
+      </p:sp>
+      <p:sp>
+        <p:nvSpPr>
+          <p:cNvPr id="5" name="Rectangle 4">
+            <a:extLst>
+              <a:ext uri="{FF2B5EF4-FFF2-40B4-BE49-F238E27FC236}">
+                <a16:creationId xmlns:a16="http://schemas.microsoft.com/office/drawing/2014/main" id="{636A239B-950E-4A7B-8B35-F67E199CFE49}"/>
+              </a:ext>
+            </a:extLst>
+          </p:cNvPr>
+          <p:cNvSpPr/>
+          <p:nvPr/>
+        </p:nvSpPr>
+        <p:spPr>
+          <a:xfrm>
+            <a:off x="107950" y="1196975"/>
+            <a:ext cx="8856663" cy="5545138"/>
+          </a:xfrm>
+          <a:prstGeom prst="rect">
+            <a:avLst/>
+          </a:prstGeom>
+          <a:solidFill>
+            <a:schemeClr val="bg1">
+              <a:lumMod val="95000"/>
+            </a:schemeClr>
+          </a:solidFill>
+          <a:ln>
+            <a:solidFill>
+              <a:schemeClr val="tx1"/>
+            </a:solidFill>
+          </a:ln>
+        </p:spPr>
+        <p:style>
+          <a:lnRef idx="1">
+            <a:schemeClr val="accent1"/>
+          </a:lnRef>
+          <a:fillRef idx="3">
+            <a:schemeClr val="accent1"/>
+          </a:fillRef>
+          <a:effectRef idx="2">
+            <a:schemeClr val="accent1"/>
+          </a:effectRef>
+          <a:fontRef idx="minor">
+            <a:schemeClr val="lt1"/>
+          </a:fontRef>
+        </p:style>
+        <p:txBody>
+          <a:bodyPr/>
+          <a:lstStyle/>
+          <a:p>
+            <a:pPr marL="285750" indent="-285750">
+              <a:spcBef>
+                <a:spcPts val="600"/>
+              </a:spcBef>
+              <a:spcAft>
+                <a:spcPts val="600"/>
+              </a:spcAft>
+              <a:buFont typeface="Wingdings" panose="05000000000000000000" pitchFamily="2" charset="2"/>
+              <a:buChar char="q"/>
+              <a:defRPr/>
+            </a:pPr>
+            <a:r>
+              <a:rPr lang="en-SG" dirty="0">
+                <a:solidFill>
+                  <a:schemeClr val="tx1"/>
+                </a:solidFill>
+              </a:rPr>
+              <a:t>List the testing methods selected to test the project</a:t>
+            </a:r>
+          </a:p>
+          <a:p>
+            <a:pPr marL="342900" indent="-342900">
+              <a:spcBef>
+                <a:spcPts val="600"/>
+              </a:spcBef>
+              <a:spcAft>
+                <a:spcPts val="600"/>
+              </a:spcAft>
+              <a:buFont typeface="Wingdings" panose="05000000000000000000" pitchFamily="2" charset="2"/>
+              <a:buChar char="§"/>
+              <a:defRPr/>
+            </a:pPr>
+            <a:r>
+              <a:rPr lang="en-SG" sz="2000" b="1" dirty="0">
+                <a:solidFill>
+                  <a:schemeClr val="tx1"/>
+                </a:solidFill>
+              </a:rPr>
+              <a:t>Unit Testing</a:t>
+            </a:r>
+          </a:p>
+          <a:p>
+            <a:pPr marL="342900" indent="-342900">
+              <a:spcBef>
+                <a:spcPts val="600"/>
+              </a:spcBef>
+              <a:spcAft>
+                <a:spcPts val="600"/>
+              </a:spcAft>
+              <a:buFont typeface="Wingdings" panose="05000000000000000000" pitchFamily="2" charset="2"/>
+              <a:buChar char="§"/>
+              <a:defRPr/>
+            </a:pPr>
+            <a:r>
+              <a:rPr lang="en-SG" sz="2000" b="1" dirty="0">
+                <a:solidFill>
+                  <a:schemeClr val="tx1"/>
+                </a:solidFill>
+              </a:rPr>
+              <a:t>UAT Testing</a:t>
+            </a:r>
+          </a:p>
+          <a:p>
+            <a:pPr marL="285750" indent="-285750">
+              <a:buFont typeface="Wingdings" panose="05000000000000000000" pitchFamily="2" charset="2"/>
+              <a:buChar char="q"/>
+              <a:defRPr/>
+            </a:pPr>
+            <a:endParaRPr lang="en-SG" dirty="0">
+              <a:solidFill>
+                <a:schemeClr val="tx1"/>
+              </a:solidFill>
+            </a:endParaRPr>
+          </a:p>
+          <a:p>
+            <a:pPr marL="742950" lvl="1" indent="-285750">
+              <a:buFont typeface="Wingdings" panose="05000000000000000000" pitchFamily="2" charset="2"/>
+              <a:buChar char="§"/>
+              <a:defRPr/>
+            </a:pPr>
+            <a:endParaRPr lang="en-SG" dirty="0">
+              <a:solidFill>
+                <a:schemeClr val="tx1"/>
+              </a:solidFill>
+            </a:endParaRPr>
+          </a:p>
+          <a:p>
+            <a:pPr marL="742950" lvl="1" indent="-285750">
+              <a:buFont typeface="Wingdings" panose="05000000000000000000" pitchFamily="2" charset="2"/>
+              <a:buChar char="§"/>
+              <a:defRPr/>
+            </a:pPr>
+            <a:endParaRPr lang="en-SG" dirty="0">
+              <a:solidFill>
+                <a:schemeClr val="tx1"/>
+              </a:solidFill>
+            </a:endParaRPr>
+          </a:p>
+          <a:p>
+            <a:pPr marL="285750" indent="-285750">
+              <a:buFont typeface="Wingdings" panose="05000000000000000000" pitchFamily="2" charset="2"/>
+              <a:buChar char="q"/>
+              <a:defRPr/>
+            </a:pPr>
+            <a:endParaRPr lang="en-SG" dirty="0">
+              <a:solidFill>
+                <a:schemeClr val="tx1"/>
+              </a:solidFill>
+            </a:endParaRPr>
+          </a:p>
+          <a:p>
+            <a:pPr marL="285750" indent="-285750">
+              <a:buFont typeface="Wingdings" panose="05000000000000000000" pitchFamily="2" charset="2"/>
+              <a:buChar char="q"/>
+              <a:defRPr/>
+            </a:pPr>
+            <a:endParaRPr lang="en-SG" dirty="0">
+              <a:solidFill>
+                <a:schemeClr val="tx1"/>
+              </a:solidFill>
+            </a:endParaRPr>
+          </a:p>
+          <a:p>
+            <a:pPr marL="285750" indent="-285750">
+              <a:buFont typeface="Wingdings" panose="05000000000000000000" pitchFamily="2" charset="2"/>
+              <a:buChar char="q"/>
+              <a:defRPr/>
+            </a:pPr>
+            <a:endParaRPr lang="en-SG" dirty="0">
+              <a:solidFill>
+                <a:schemeClr val="tx1"/>
+              </a:solidFill>
+            </a:endParaRPr>
+          </a:p>
+          <a:p>
+            <a:pPr marL="285750" indent="-285750">
+              <a:buFont typeface="Wingdings" panose="05000000000000000000" pitchFamily="2" charset="2"/>
+              <a:buChar char="q"/>
+              <a:defRPr/>
+            </a:pPr>
+            <a:endParaRPr lang="en-SG" dirty="0">
+              <a:solidFill>
+                <a:schemeClr val="tx1"/>
+              </a:solidFill>
+            </a:endParaRPr>
+          </a:p>
+          <a:p>
+            <a:pPr marL="285750" indent="-285750">
+              <a:buFont typeface="Wingdings" panose="05000000000000000000" pitchFamily="2" charset="2"/>
+              <a:buChar char="q"/>
+              <a:defRPr/>
+            </a:pPr>
+            <a:endParaRPr lang="en-SG" dirty="0">
+              <a:solidFill>
+                <a:schemeClr val="tx1"/>
+              </a:solidFill>
+            </a:endParaRPr>
+          </a:p>
+          <a:p>
+            <a:pPr marL="285750" indent="-285750">
+              <a:buFont typeface="Wingdings" panose="05000000000000000000" pitchFamily="2" charset="2"/>
+              <a:buChar char="q"/>
+              <a:defRPr/>
+            </a:pPr>
+            <a:endParaRPr lang="en-SG" dirty="0">
+              <a:solidFill>
+                <a:schemeClr val="tx1"/>
+              </a:solidFill>
+            </a:endParaRPr>
+          </a:p>
+        </p:txBody>
+      </p:sp>
+    </p:spTree>
+  </p:cSld>
+  <p:clrMapOvr>
+    <a:masterClrMapping/>
+  </p:clrMapOvr>
+</p:sld>
+</file>
+
+<file path=ppt/slides/slide8.xml><?xml version="1.0" encoding="utf-8"?>
+<p:sld xmlns:a="http://schemas.openxmlformats.org/drawingml/2006/main" xmlns:r="http://schemas.openxmlformats.org/officeDocument/2006/relationships" xmlns:p="http://schemas.openxmlformats.org/presentationml/2006/main">
+  <p:cSld>
+    <p:spTree>
+      <p:nvGrpSpPr>
+        <p:cNvPr id="1" name=""/>
+        <p:cNvGrpSpPr/>
+        <p:nvPr/>
+      </p:nvGrpSpPr>
+      <p:grpSpPr>
+        <a:xfrm>
+          <a:off x="0" y="0"/>
+          <a:ext cx="0" cy="0"/>
+          <a:chOff x="0" y="0"/>
+          <a:chExt cx="0" cy="0"/>
+        </a:xfrm>
+      </p:grpSpPr>
+      <p:sp>
+        <p:nvSpPr>
+          <p:cNvPr id="15362" name="TextBox 2">
+            <a:extLst>
+              <a:ext uri="{FF2B5EF4-FFF2-40B4-BE49-F238E27FC236}">
+                <a16:creationId xmlns:a16="http://schemas.microsoft.com/office/drawing/2014/main" id="{88583B5B-4AB7-43D7-8673-3F42459817E7}"/>
+              </a:ext>
+            </a:extLst>
+          </p:cNvPr>
+          <p:cNvSpPr txBox="1">
+            <a:spLocks noChangeArrowheads="1"/>
+          </p:cNvSpPr>
+          <p:nvPr/>
+        </p:nvSpPr>
+        <p:spPr bwMode="auto">
+          <a:xfrm>
+            <a:off x="34925" y="404813"/>
+            <a:ext cx="6689725" cy="522287"/>
+          </a:xfrm>
+          <a:prstGeom prst="rect">
+            <a:avLst/>
+          </a:prstGeom>
+          <a:noFill/>
+          <a:ln>
+            <a:noFill/>
+          </a:ln>
+          <a:extLst>
+            <a:ext uri="{909E8E84-426E-40DD-AFC4-6F175D3DCCD1}">
+              <a14:hiddenFill xmlns:a14="http://schemas.microsoft.com/office/drawing/2010/main">
+                <a:solidFill>
+                  <a:srgbClr val="FFFFFF"/>
+                </a:solidFill>
+              </a14:hiddenFill>
+            </a:ext>
+            <a:ext uri="{91240B29-F687-4F45-9708-019B960494DF}">
+              <a14:hiddenLine xmlns:a14="http://schemas.microsoft.com/office/drawing/2010/main" w="9525">
+                <a:solidFill>
+                  <a:srgbClr val="000000"/>
+                </a:solidFill>
+                <a:miter lim="800000"/>
+                <a:headEnd/>
+                <a:tailEnd/>
+              </a14:hiddenLine>
+            </a:ext>
+          </a:extLst>
+        </p:spPr>
+        <p:txBody>
+          <a:bodyPr>
+            <a:spAutoFit/>
+          </a:bodyPr>
+          <a:lstStyle>
+            <a:lvl1pPr>
+              <a:defRPr>
+                <a:solidFill>
+                  <a:schemeClr val="tx1"/>
+                </a:solidFill>
+                <a:latin typeface="Arial" panose="020B0604020202020204" pitchFamily="34" charset="0"/>
+                <a:ea typeface="ヒラギノ角ゴ Pro W3" charset="-128"/>
+              </a:defRPr>
+            </a:lvl1pPr>
+            <a:lvl2pPr marL="742950" indent="-285750">
+              <a:defRPr>
+                <a:solidFill>
+                  <a:schemeClr val="tx1"/>
+                </a:solidFill>
+                <a:latin typeface="Arial" panose="020B0604020202020204" pitchFamily="34" charset="0"/>
+                <a:ea typeface="ヒラギノ角ゴ Pro W3" charset="-128"/>
+              </a:defRPr>
+            </a:lvl2pPr>
+            <a:lvl3pPr marL="1143000" indent="-228600">
+              <a:defRPr>
+                <a:solidFill>
+                  <a:schemeClr val="tx1"/>
+                </a:solidFill>
+                <a:latin typeface="Arial" panose="020B0604020202020204" pitchFamily="34" charset="0"/>
+                <a:ea typeface="ヒラギノ角ゴ Pro W3" charset="-128"/>
+              </a:defRPr>
+            </a:lvl3pPr>
+            <a:lvl4pPr marL="1600200" indent="-228600">
+              <a:defRPr>
+                <a:solidFill>
+                  <a:schemeClr val="tx1"/>
+                </a:solidFill>
+                <a:latin typeface="Arial" panose="020B0604020202020204" pitchFamily="34" charset="0"/>
+                <a:ea typeface="ヒラギノ角ゴ Pro W3" charset="-128"/>
+              </a:defRPr>
+            </a:lvl4pPr>
+            <a:lvl5pPr marL="2057400" indent="-228600">
+              <a:defRPr>
+                <a:solidFill>
+                  <a:schemeClr val="tx1"/>
+                </a:solidFill>
+                <a:latin typeface="Arial" panose="020B0604020202020204" pitchFamily="34" charset="0"/>
+                <a:ea typeface="ヒラギノ角ゴ Pro W3" charset="-128"/>
+              </a:defRPr>
+            </a:lvl5pPr>
+            <a:lvl6pPr marL="2514600" indent="-228600" defTabSz="457200" eaLnBrk="0" fontAlgn="base" hangingPunct="0">
+              <a:spcBef>
+                <a:spcPct val="0"/>
+              </a:spcBef>
+              <a:spcAft>
+                <a:spcPct val="0"/>
+              </a:spcAft>
+              <a:defRPr>
+                <a:solidFill>
+                  <a:schemeClr val="tx1"/>
+                </a:solidFill>
+                <a:latin typeface="Arial" panose="020B0604020202020204" pitchFamily="34" charset="0"/>
+                <a:ea typeface="ヒラギノ角ゴ Pro W3" charset="-128"/>
+              </a:defRPr>
+            </a:lvl6pPr>
+            <a:lvl7pPr marL="2971800" indent="-228600" defTabSz="457200" eaLnBrk="0" fontAlgn="base" hangingPunct="0">
+              <a:spcBef>
+                <a:spcPct val="0"/>
+              </a:spcBef>
+              <a:spcAft>
+                <a:spcPct val="0"/>
+              </a:spcAft>
+              <a:defRPr>
+                <a:solidFill>
+                  <a:schemeClr val="tx1"/>
+                </a:solidFill>
+                <a:latin typeface="Arial" panose="020B0604020202020204" pitchFamily="34" charset="0"/>
+                <a:ea typeface="ヒラギノ角ゴ Pro W3" charset="-128"/>
+              </a:defRPr>
+            </a:lvl7pPr>
+            <a:lvl8pPr marL="3429000" indent="-228600" defTabSz="457200" eaLnBrk="0" fontAlgn="base" hangingPunct="0">
+              <a:spcBef>
+                <a:spcPct val="0"/>
+              </a:spcBef>
+              <a:spcAft>
+                <a:spcPct val="0"/>
+              </a:spcAft>
+              <a:defRPr>
+                <a:solidFill>
+                  <a:schemeClr val="tx1"/>
+                </a:solidFill>
+                <a:latin typeface="Arial" panose="020B0604020202020204" pitchFamily="34" charset="0"/>
+                <a:ea typeface="ヒラギノ角ゴ Pro W3" charset="-128"/>
+              </a:defRPr>
+            </a:lvl8pPr>
+            <a:lvl9pPr marL="3886200" indent="-228600" defTabSz="457200" eaLnBrk="0" fontAlgn="base" hangingPunct="0">
+              <a:spcBef>
+                <a:spcPct val="0"/>
+              </a:spcBef>
+              <a:spcAft>
+                <a:spcPct val="0"/>
+              </a:spcAft>
+              <a:defRPr>
+                <a:solidFill>
+                  <a:schemeClr val="tx1"/>
+                </a:solidFill>
+                <a:latin typeface="Arial" panose="020B0604020202020204" pitchFamily="34" charset="0"/>
+                <a:ea typeface="ヒラギノ角ゴ Pro W3" charset="-128"/>
+              </a:defRPr>
+            </a:lvl9pPr>
+          </a:lstStyle>
+          <a:p>
+            <a:r>
+              <a:rPr lang="en-US" altLang="en-US" sz="2800" dirty="0">
+                <a:solidFill>
+                  <a:srgbClr val="FFFFFF"/>
+                </a:solidFill>
+                <a:cs typeface="Arial" panose="020B0604020202020204" pitchFamily="34" charset="0"/>
+              </a:rPr>
               <a:t>4. </a:t>
             </a:r>
             <a:r>
@@ -12739,7 +13326,7 @@
           <p:cNvPr id="5" name="Rectangle 4">
             <a:extLst>
               <a:ext uri="{FF2B5EF4-FFF2-40B4-BE49-F238E27FC236}">
-                <a16:creationId xmlns:a16="http://schemas.microsoft.com/office/drawing/2014/main" xmlns="" id="{636A239B-950E-4A7B-8B35-F67E199CFE49}"/>
+                <a16:creationId xmlns:a16="http://schemas.microsoft.com/office/drawing/2014/main" id="{636A239B-950E-4A7B-8B35-F67E199CFE49}"/>
               </a:ext>
             </a:extLst>
           </p:cNvPr>
@@ -12913,3363 +13500,36 @@
           </a:p>
         </p:txBody>
       </p:sp>
-      <p:graphicFrame>
-        <p:nvGraphicFramePr>
-          <p:cNvPr id="2" name="Table 1"/>
-          <p:cNvGraphicFramePr>
-            <a:graphicFrameLocks noGrp="1"/>
-          </p:cNvGraphicFramePr>
-          <p:nvPr>
-            <p:extLst>
-              <p:ext uri="{D42A27DB-BD31-4B8C-83A1-F6EECF244321}">
-                <p14:modId xmlns:p14="http://schemas.microsoft.com/office/powerpoint/2010/main" val="1336895074"/>
-              </p:ext>
-            </p:extLst>
-          </p:nvPr>
-        </p:nvGraphicFramePr>
-        <p:xfrm>
-          <a:off x="251519" y="1916828"/>
-          <a:ext cx="8263830" cy="3960444"/>
-        </p:xfrm>
-        <a:graphic>
-          <a:graphicData uri="http://schemas.openxmlformats.org/drawingml/2006/table">
-            <a:tbl>
-              <a:tblPr>
-                <a:tableStyleId>{5C22544A-7EE6-4342-B048-85BDC9FD1C3A}</a:tableStyleId>
-              </a:tblPr>
-              <a:tblGrid>
-                <a:gridCol w="1974190"/>
-                <a:gridCol w="3148307"/>
-                <a:gridCol w="2066750"/>
-                <a:gridCol w="1074583"/>
-              </a:tblGrid>
-              <a:tr h="330037">
-                <a:tc>
-                  <a:txBody>
-                    <a:bodyPr/>
-                    <a:lstStyle/>
-                    <a:p>
-                      <a:pPr marL="78740">
-                        <a:lnSpc>
-                          <a:spcPct val="107000"/>
-                        </a:lnSpc>
-                        <a:spcAft>
-                          <a:spcPts val="0"/>
-                        </a:spcAft>
-                      </a:pPr>
-                      <a:r>
-                        <a:rPr lang="en-US" sz="1200">
-                          <a:effectLst/>
-                          <a:latin typeface="Cambria" panose="02040503050406030204" pitchFamily="18" charset="0"/>
-                          <a:ea typeface="Calibri" panose="020F0502020204030204" pitchFamily="34" charset="0"/>
-                          <a:cs typeface="Arial" panose="020B0604020202020204" pitchFamily="34" charset="0"/>
-                        </a:rPr>
-                        <a:t>Test Schedule ID		:</a:t>
-                      </a:r>
-                      <a:endParaRPr lang="id-ID" sz="1100">
-                        <a:effectLst/>
-                        <a:latin typeface="Calibri" panose="020F0502020204030204" pitchFamily="34" charset="0"/>
-                        <a:ea typeface="Calibri" panose="020F0502020204030204" pitchFamily="34" charset="0"/>
-                        <a:cs typeface="Arial" panose="020B0604020202020204" pitchFamily="34" charset="0"/>
-                      </a:endParaRPr>
-                    </a:p>
-                  </a:txBody>
-                  <a:tcPr marL="9525" marR="9525" marT="9525" marB="0" anchor="ctr">
-                    <a:lnL w="12700" cap="flat" cmpd="sng" algn="ctr">
-                      <a:solidFill>
-                        <a:schemeClr val="tx1"/>
-                      </a:solidFill>
-                      <a:prstDash val="solid"/>
-                      <a:round/>
-                      <a:headEnd type="none" w="med" len="med"/>
-                      <a:tailEnd type="none" w="med" len="med"/>
-                    </a:lnL>
-                    <a:lnR w="12700" cap="flat" cmpd="sng" algn="ctr">
-                      <a:solidFill>
-                        <a:schemeClr val="tx1"/>
-                      </a:solidFill>
-                      <a:prstDash val="solid"/>
-                      <a:round/>
-                      <a:headEnd type="none" w="med" len="med"/>
-                      <a:tailEnd type="none" w="med" len="med"/>
-                    </a:lnR>
-                    <a:lnT w="12700" cap="flat" cmpd="sng" algn="ctr">
-                      <a:solidFill>
-                        <a:schemeClr val="tx1"/>
-                      </a:solidFill>
-                      <a:prstDash val="solid"/>
-                      <a:round/>
-                      <a:headEnd type="none" w="med" len="med"/>
-                      <a:tailEnd type="none" w="med" len="med"/>
-                    </a:lnT>
-                    <a:lnB w="12700" cap="flat" cmpd="sng" algn="ctr">
-                      <a:solidFill>
-                        <a:schemeClr val="tx1"/>
-                      </a:solidFill>
-                      <a:prstDash val="solid"/>
-                      <a:round/>
-                      <a:headEnd type="none" w="med" len="med"/>
-                      <a:tailEnd type="none" w="med" len="med"/>
-                    </a:lnB>
-                  </a:tcPr>
-                </a:tc>
-                <a:tc>
-                  <a:txBody>
-                    <a:bodyPr/>
-                    <a:lstStyle/>
-                    <a:p>
-                      <a:pPr marL="81915">
-                        <a:lnSpc>
-                          <a:spcPct val="107000"/>
-                        </a:lnSpc>
-                        <a:spcAft>
-                          <a:spcPts val="0"/>
-                        </a:spcAft>
-                      </a:pPr>
-                      <a:r>
-                        <a:rPr lang="en-US" sz="1000">
-                          <a:effectLst/>
-                          <a:latin typeface="Cambria" panose="02040503050406030204" pitchFamily="18" charset="0"/>
-                          <a:ea typeface="Calibri" panose="020F0502020204030204" pitchFamily="34" charset="0"/>
-                          <a:cs typeface="Arial" panose="020B0604020202020204" pitchFamily="34" charset="0"/>
-                        </a:rPr>
-                        <a:t>TSCH01</a:t>
-                      </a:r>
-                      <a:endParaRPr lang="id-ID" sz="1100">
-                        <a:effectLst/>
-                        <a:latin typeface="Calibri" panose="020F0502020204030204" pitchFamily="34" charset="0"/>
-                        <a:ea typeface="Calibri" panose="020F0502020204030204" pitchFamily="34" charset="0"/>
-                        <a:cs typeface="Arial" panose="020B0604020202020204" pitchFamily="34" charset="0"/>
-                      </a:endParaRPr>
-                    </a:p>
-                  </a:txBody>
-                  <a:tcPr marL="9525" marR="9525" marT="9525" marB="0" anchor="ctr">
-                    <a:lnL w="12700" cap="flat" cmpd="sng" algn="ctr">
-                      <a:solidFill>
-                        <a:schemeClr val="tx1"/>
-                      </a:solidFill>
-                      <a:prstDash val="solid"/>
-                      <a:round/>
-                      <a:headEnd type="none" w="med" len="med"/>
-                      <a:tailEnd type="none" w="med" len="med"/>
-                    </a:lnL>
-                    <a:lnR w="12700" cap="flat" cmpd="sng" algn="ctr">
-                      <a:solidFill>
-                        <a:schemeClr val="tx1"/>
-                      </a:solidFill>
-                      <a:prstDash val="solid"/>
-                      <a:round/>
-                      <a:headEnd type="none" w="med" len="med"/>
-                      <a:tailEnd type="none" w="med" len="med"/>
-                    </a:lnR>
-                    <a:lnT w="12700" cap="flat" cmpd="sng" algn="ctr">
-                      <a:solidFill>
-                        <a:schemeClr val="tx1"/>
-                      </a:solidFill>
-                      <a:prstDash val="solid"/>
-                      <a:round/>
-                      <a:headEnd type="none" w="med" len="med"/>
-                      <a:tailEnd type="none" w="med" len="med"/>
-                    </a:lnT>
-                    <a:lnB w="12700" cap="flat" cmpd="sng" algn="ctr">
-                      <a:solidFill>
-                        <a:schemeClr val="tx1"/>
-                      </a:solidFill>
-                      <a:prstDash val="solid"/>
-                      <a:round/>
-                      <a:headEnd type="none" w="med" len="med"/>
-                      <a:tailEnd type="none" w="med" len="med"/>
-                    </a:lnB>
-                  </a:tcPr>
-                </a:tc>
-                <a:tc>
-                  <a:txBody>
-                    <a:bodyPr/>
-                    <a:lstStyle/>
-                    <a:p>
-                      <a:pPr marL="85090">
-                        <a:lnSpc>
-                          <a:spcPct val="107000"/>
-                        </a:lnSpc>
-                        <a:spcAft>
-                          <a:spcPts val="0"/>
-                        </a:spcAft>
-                      </a:pPr>
-                      <a:r>
-                        <a:rPr lang="en-US" sz="1200">
-                          <a:effectLst/>
-                          <a:latin typeface="Cambria" panose="02040503050406030204" pitchFamily="18" charset="0"/>
-                          <a:ea typeface="Calibri" panose="020F0502020204030204" pitchFamily="34" charset="0"/>
-                          <a:cs typeface="Arial" panose="020B0604020202020204" pitchFamily="34" charset="0"/>
-                        </a:rPr>
-                        <a:t> </a:t>
-                      </a:r>
-                      <a:endParaRPr lang="id-ID" sz="1100">
-                        <a:effectLst/>
-                        <a:latin typeface="Calibri" panose="020F0502020204030204" pitchFamily="34" charset="0"/>
-                        <a:ea typeface="Calibri" panose="020F0502020204030204" pitchFamily="34" charset="0"/>
-                        <a:cs typeface="Arial" panose="020B0604020202020204" pitchFamily="34" charset="0"/>
-                      </a:endParaRPr>
-                    </a:p>
-                  </a:txBody>
-                  <a:tcPr marL="9525" marR="9525" marT="9525" marB="0" anchor="ctr">
-                    <a:lnL w="12700" cap="flat" cmpd="sng" algn="ctr">
-                      <a:solidFill>
-                        <a:schemeClr val="tx1"/>
-                      </a:solidFill>
-                      <a:prstDash val="solid"/>
-                      <a:round/>
-                      <a:headEnd type="none" w="med" len="med"/>
-                      <a:tailEnd type="none" w="med" len="med"/>
-                    </a:lnL>
-                    <a:lnR w="12700" cap="flat" cmpd="sng" algn="ctr">
-                      <a:solidFill>
-                        <a:schemeClr val="tx1"/>
-                      </a:solidFill>
-                      <a:prstDash val="solid"/>
-                      <a:round/>
-                      <a:headEnd type="none" w="med" len="med"/>
-                      <a:tailEnd type="none" w="med" len="med"/>
-                    </a:lnR>
-                    <a:lnT w="12700" cap="flat" cmpd="sng" algn="ctr">
-                      <a:solidFill>
-                        <a:schemeClr val="tx1"/>
-                      </a:solidFill>
-                      <a:prstDash val="solid"/>
-                      <a:round/>
-                      <a:headEnd type="none" w="med" len="med"/>
-                      <a:tailEnd type="none" w="med" len="med"/>
-                    </a:lnT>
-                    <a:lnB w="12700" cap="flat" cmpd="sng" algn="ctr">
-                      <a:solidFill>
-                        <a:schemeClr val="tx1"/>
-                      </a:solidFill>
-                      <a:prstDash val="solid"/>
-                      <a:round/>
-                      <a:headEnd type="none" w="med" len="med"/>
-                      <a:tailEnd type="none" w="med" len="med"/>
-                    </a:lnB>
-                  </a:tcPr>
-                </a:tc>
-                <a:tc>
-                  <a:txBody>
-                    <a:bodyPr/>
-                    <a:lstStyle/>
-                    <a:p>
-                      <a:pPr marL="81915">
-                        <a:lnSpc>
-                          <a:spcPct val="107000"/>
-                        </a:lnSpc>
-                        <a:spcAft>
-                          <a:spcPts val="0"/>
-                        </a:spcAft>
-                      </a:pPr>
-                      <a:r>
-                        <a:rPr lang="en-US" sz="1200">
-                          <a:effectLst/>
-                          <a:latin typeface="Cambria" panose="02040503050406030204" pitchFamily="18" charset="0"/>
-                          <a:ea typeface="Calibri" panose="020F0502020204030204" pitchFamily="34" charset="0"/>
-                          <a:cs typeface="Arial" panose="020B0604020202020204" pitchFamily="34" charset="0"/>
-                        </a:rPr>
-                        <a:t> </a:t>
-                      </a:r>
-                      <a:endParaRPr lang="id-ID" sz="1100">
-                        <a:effectLst/>
-                        <a:latin typeface="Calibri" panose="020F0502020204030204" pitchFamily="34" charset="0"/>
-                        <a:ea typeface="Calibri" panose="020F0502020204030204" pitchFamily="34" charset="0"/>
-                        <a:cs typeface="Arial" panose="020B0604020202020204" pitchFamily="34" charset="0"/>
-                      </a:endParaRPr>
-                    </a:p>
-                  </a:txBody>
-                  <a:tcPr marL="9525" marR="9525" marT="9525" marB="0" anchor="ctr">
-                    <a:lnL w="12700" cap="flat" cmpd="sng" algn="ctr">
-                      <a:solidFill>
-                        <a:schemeClr val="tx1"/>
-                      </a:solidFill>
-                      <a:prstDash val="solid"/>
-                      <a:round/>
-                      <a:headEnd type="none" w="med" len="med"/>
-                      <a:tailEnd type="none" w="med" len="med"/>
-                    </a:lnL>
-                    <a:lnR w="12700" cap="flat" cmpd="sng" algn="ctr">
-                      <a:solidFill>
-                        <a:schemeClr val="tx1"/>
-                      </a:solidFill>
-                      <a:prstDash val="solid"/>
-                      <a:round/>
-                      <a:headEnd type="none" w="med" len="med"/>
-                      <a:tailEnd type="none" w="med" len="med"/>
-                    </a:lnR>
-                    <a:lnT w="12700" cap="flat" cmpd="sng" algn="ctr">
-                      <a:solidFill>
-                        <a:schemeClr val="tx1"/>
-                      </a:solidFill>
-                      <a:prstDash val="solid"/>
-                      <a:round/>
-                      <a:headEnd type="none" w="med" len="med"/>
-                      <a:tailEnd type="none" w="med" len="med"/>
-                    </a:lnT>
-                    <a:lnB w="12700" cap="flat" cmpd="sng" algn="ctr">
-                      <a:solidFill>
-                        <a:schemeClr val="tx1"/>
-                      </a:solidFill>
-                      <a:prstDash val="solid"/>
-                      <a:round/>
-                      <a:headEnd type="none" w="med" len="med"/>
-                      <a:tailEnd type="none" w="med" len="med"/>
-                    </a:lnB>
-                  </a:tcPr>
-                </a:tc>
-              </a:tr>
-              <a:tr h="330037">
-                <a:tc>
-                  <a:txBody>
-                    <a:bodyPr/>
-                    <a:lstStyle/>
-                    <a:p>
-                      <a:pPr marL="78740">
-                        <a:lnSpc>
-                          <a:spcPct val="107000"/>
-                        </a:lnSpc>
-                        <a:spcAft>
-                          <a:spcPts val="0"/>
-                        </a:spcAft>
-                      </a:pPr>
-                      <a:r>
-                        <a:rPr lang="en-US" sz="1200">
-                          <a:effectLst/>
-                          <a:latin typeface="Cambria" panose="02040503050406030204" pitchFamily="18" charset="0"/>
-                          <a:ea typeface="Calibri" panose="020F0502020204030204" pitchFamily="34" charset="0"/>
-                          <a:cs typeface="Arial" panose="020B0604020202020204" pitchFamily="34" charset="0"/>
-                        </a:rPr>
-                        <a:t>Product ID / Name		:</a:t>
-                      </a:r>
-                      <a:endParaRPr lang="id-ID" sz="1100">
-                        <a:effectLst/>
-                        <a:latin typeface="Calibri" panose="020F0502020204030204" pitchFamily="34" charset="0"/>
-                        <a:ea typeface="Calibri" panose="020F0502020204030204" pitchFamily="34" charset="0"/>
-                        <a:cs typeface="Arial" panose="020B0604020202020204" pitchFamily="34" charset="0"/>
-                      </a:endParaRPr>
-                    </a:p>
-                  </a:txBody>
-                  <a:tcPr marL="9525" marR="9525" marT="9525" marB="0" anchor="ctr">
-                    <a:lnL w="12700" cap="flat" cmpd="sng" algn="ctr">
-                      <a:solidFill>
-                        <a:schemeClr val="tx1"/>
-                      </a:solidFill>
-                      <a:prstDash val="solid"/>
-                      <a:round/>
-                      <a:headEnd type="none" w="med" len="med"/>
-                      <a:tailEnd type="none" w="med" len="med"/>
-                    </a:lnL>
-                    <a:lnR w="12700" cap="flat" cmpd="sng" algn="ctr">
-                      <a:solidFill>
-                        <a:schemeClr val="tx1"/>
-                      </a:solidFill>
-                      <a:prstDash val="solid"/>
-                      <a:round/>
-                      <a:headEnd type="none" w="med" len="med"/>
-                      <a:tailEnd type="none" w="med" len="med"/>
-                    </a:lnR>
-                    <a:lnT w="12700" cap="flat" cmpd="sng" algn="ctr">
-                      <a:solidFill>
-                        <a:schemeClr val="tx1"/>
-                      </a:solidFill>
-                      <a:prstDash val="solid"/>
-                      <a:round/>
-                      <a:headEnd type="none" w="med" len="med"/>
-                      <a:tailEnd type="none" w="med" len="med"/>
-                    </a:lnT>
-                    <a:lnB w="12700" cap="flat" cmpd="sng" algn="ctr">
-                      <a:solidFill>
-                        <a:schemeClr val="tx1"/>
-                      </a:solidFill>
-                      <a:prstDash val="solid"/>
-                      <a:round/>
-                      <a:headEnd type="none" w="med" len="med"/>
-                      <a:tailEnd type="none" w="med" len="med"/>
-                    </a:lnB>
-                  </a:tcPr>
-                </a:tc>
-                <a:tc>
-                  <a:txBody>
-                    <a:bodyPr/>
-                    <a:lstStyle/>
-                    <a:p>
-                      <a:pPr marL="81915">
-                        <a:lnSpc>
-                          <a:spcPct val="107000"/>
-                        </a:lnSpc>
-                        <a:spcAft>
-                          <a:spcPts val="0"/>
-                        </a:spcAft>
-                      </a:pPr>
-                      <a:r>
-                        <a:rPr lang="en-US" sz="1200">
-                          <a:effectLst/>
-                          <a:latin typeface="Cambria" panose="02040503050406030204" pitchFamily="18" charset="0"/>
-                          <a:ea typeface="Calibri" panose="020F0502020204030204" pitchFamily="34" charset="0"/>
-                          <a:cs typeface="Arial" panose="020B0604020202020204" pitchFamily="34" charset="0"/>
-                        </a:rPr>
-                        <a:t>ABC Jobs</a:t>
-                      </a:r>
-                      <a:endParaRPr lang="id-ID" sz="1100">
-                        <a:effectLst/>
-                        <a:latin typeface="Calibri" panose="020F0502020204030204" pitchFamily="34" charset="0"/>
-                        <a:ea typeface="Calibri" panose="020F0502020204030204" pitchFamily="34" charset="0"/>
-                        <a:cs typeface="Arial" panose="020B0604020202020204" pitchFamily="34" charset="0"/>
-                      </a:endParaRPr>
-                    </a:p>
-                  </a:txBody>
-                  <a:tcPr marL="9525" marR="9525" marT="9525" marB="0" anchor="ctr">
-                    <a:lnL w="12700" cap="flat" cmpd="sng" algn="ctr">
-                      <a:solidFill>
-                        <a:schemeClr val="tx1"/>
-                      </a:solidFill>
-                      <a:prstDash val="solid"/>
-                      <a:round/>
-                      <a:headEnd type="none" w="med" len="med"/>
-                      <a:tailEnd type="none" w="med" len="med"/>
-                    </a:lnL>
-                    <a:lnR w="12700" cap="flat" cmpd="sng" algn="ctr">
-                      <a:solidFill>
-                        <a:schemeClr val="tx1"/>
-                      </a:solidFill>
-                      <a:prstDash val="solid"/>
-                      <a:round/>
-                      <a:headEnd type="none" w="med" len="med"/>
-                      <a:tailEnd type="none" w="med" len="med"/>
-                    </a:lnR>
-                    <a:lnT w="12700" cap="flat" cmpd="sng" algn="ctr">
-                      <a:solidFill>
-                        <a:schemeClr val="tx1"/>
-                      </a:solidFill>
-                      <a:prstDash val="solid"/>
-                      <a:round/>
-                      <a:headEnd type="none" w="med" len="med"/>
-                      <a:tailEnd type="none" w="med" len="med"/>
-                    </a:lnT>
-                    <a:lnB w="12700" cap="flat" cmpd="sng" algn="ctr">
-                      <a:solidFill>
-                        <a:schemeClr val="tx1"/>
-                      </a:solidFill>
-                      <a:prstDash val="solid"/>
-                      <a:round/>
-                      <a:headEnd type="none" w="med" len="med"/>
-                      <a:tailEnd type="none" w="med" len="med"/>
-                    </a:lnB>
-                  </a:tcPr>
-                </a:tc>
-                <a:tc>
-                  <a:txBody>
-                    <a:bodyPr/>
-                    <a:lstStyle/>
-                    <a:p>
-                      <a:pPr marL="85090">
-                        <a:lnSpc>
-                          <a:spcPct val="107000"/>
-                        </a:lnSpc>
-                        <a:spcAft>
-                          <a:spcPts val="0"/>
-                        </a:spcAft>
-                      </a:pPr>
-                      <a:r>
-                        <a:rPr lang="en-US" sz="1200">
-                          <a:effectLst/>
-                          <a:latin typeface="Cambria" panose="02040503050406030204" pitchFamily="18" charset="0"/>
-                          <a:ea typeface="Calibri" panose="020F0502020204030204" pitchFamily="34" charset="0"/>
-                          <a:cs typeface="Arial" panose="020B0604020202020204" pitchFamily="34" charset="0"/>
-                        </a:rPr>
-                        <a:t> </a:t>
-                      </a:r>
-                      <a:endParaRPr lang="id-ID" sz="1100">
-                        <a:effectLst/>
-                        <a:latin typeface="Calibri" panose="020F0502020204030204" pitchFamily="34" charset="0"/>
-                        <a:ea typeface="Calibri" panose="020F0502020204030204" pitchFamily="34" charset="0"/>
-                        <a:cs typeface="Arial" panose="020B0604020202020204" pitchFamily="34" charset="0"/>
-                      </a:endParaRPr>
-                    </a:p>
-                  </a:txBody>
-                  <a:tcPr marL="9525" marR="9525" marT="9525" marB="0" anchor="ctr">
-                    <a:lnL w="12700" cap="flat" cmpd="sng" algn="ctr">
-                      <a:solidFill>
-                        <a:schemeClr val="tx1"/>
-                      </a:solidFill>
-                      <a:prstDash val="solid"/>
-                      <a:round/>
-                      <a:headEnd type="none" w="med" len="med"/>
-                      <a:tailEnd type="none" w="med" len="med"/>
-                    </a:lnL>
-                    <a:lnR w="12700" cap="flat" cmpd="sng" algn="ctr">
-                      <a:solidFill>
-                        <a:schemeClr val="tx1"/>
-                      </a:solidFill>
-                      <a:prstDash val="solid"/>
-                      <a:round/>
-                      <a:headEnd type="none" w="med" len="med"/>
-                      <a:tailEnd type="none" w="med" len="med"/>
-                    </a:lnR>
-                    <a:lnT w="12700" cap="flat" cmpd="sng" algn="ctr">
-                      <a:solidFill>
-                        <a:schemeClr val="tx1"/>
-                      </a:solidFill>
-                      <a:prstDash val="solid"/>
-                      <a:round/>
-                      <a:headEnd type="none" w="med" len="med"/>
-                      <a:tailEnd type="none" w="med" len="med"/>
-                    </a:lnT>
-                    <a:lnB w="12700" cap="flat" cmpd="sng" algn="ctr">
-                      <a:solidFill>
-                        <a:schemeClr val="tx1"/>
-                      </a:solidFill>
-                      <a:prstDash val="solid"/>
-                      <a:round/>
-                      <a:headEnd type="none" w="med" len="med"/>
-                      <a:tailEnd type="none" w="med" len="med"/>
-                    </a:lnB>
-                  </a:tcPr>
-                </a:tc>
-                <a:tc>
-                  <a:txBody>
-                    <a:bodyPr/>
-                    <a:lstStyle/>
-                    <a:p>
-                      <a:pPr marL="81915">
-                        <a:lnSpc>
-                          <a:spcPct val="107000"/>
-                        </a:lnSpc>
-                        <a:spcAft>
-                          <a:spcPts val="0"/>
-                        </a:spcAft>
-                      </a:pPr>
-                      <a:r>
-                        <a:rPr lang="en-US" sz="1200">
-                          <a:effectLst/>
-                          <a:latin typeface="Cambria" panose="02040503050406030204" pitchFamily="18" charset="0"/>
-                          <a:ea typeface="Calibri" panose="020F0502020204030204" pitchFamily="34" charset="0"/>
-                          <a:cs typeface="Arial" panose="020B0604020202020204" pitchFamily="34" charset="0"/>
-                        </a:rPr>
-                        <a:t> </a:t>
-                      </a:r>
-                      <a:endParaRPr lang="id-ID" sz="1100">
-                        <a:effectLst/>
-                        <a:latin typeface="Calibri" panose="020F0502020204030204" pitchFamily="34" charset="0"/>
-                        <a:ea typeface="Calibri" panose="020F0502020204030204" pitchFamily="34" charset="0"/>
-                        <a:cs typeface="Arial" panose="020B0604020202020204" pitchFamily="34" charset="0"/>
-                      </a:endParaRPr>
-                    </a:p>
-                  </a:txBody>
-                  <a:tcPr marL="9525" marR="9525" marT="9525" marB="0" anchor="ctr">
-                    <a:lnL w="12700" cap="flat" cmpd="sng" algn="ctr">
-                      <a:solidFill>
-                        <a:schemeClr val="tx1"/>
-                      </a:solidFill>
-                      <a:prstDash val="solid"/>
-                      <a:round/>
-                      <a:headEnd type="none" w="med" len="med"/>
-                      <a:tailEnd type="none" w="med" len="med"/>
-                    </a:lnL>
-                    <a:lnR w="12700" cap="flat" cmpd="sng" algn="ctr">
-                      <a:solidFill>
-                        <a:schemeClr val="tx1"/>
-                      </a:solidFill>
-                      <a:prstDash val="solid"/>
-                      <a:round/>
-                      <a:headEnd type="none" w="med" len="med"/>
-                      <a:tailEnd type="none" w="med" len="med"/>
-                    </a:lnR>
-                    <a:lnT w="12700" cap="flat" cmpd="sng" algn="ctr">
-                      <a:solidFill>
-                        <a:schemeClr val="tx1"/>
-                      </a:solidFill>
-                      <a:prstDash val="solid"/>
-                      <a:round/>
-                      <a:headEnd type="none" w="med" len="med"/>
-                      <a:tailEnd type="none" w="med" len="med"/>
-                    </a:lnT>
-                    <a:lnB w="12700" cap="flat" cmpd="sng" algn="ctr">
-                      <a:solidFill>
-                        <a:schemeClr val="tx1"/>
-                      </a:solidFill>
-                      <a:prstDash val="solid"/>
-                      <a:round/>
-                      <a:headEnd type="none" w="med" len="med"/>
-                      <a:tailEnd type="none" w="med" len="med"/>
-                    </a:lnB>
-                  </a:tcPr>
-                </a:tc>
-              </a:tr>
-              <a:tr h="330037">
-                <a:tc>
-                  <a:txBody>
-                    <a:bodyPr/>
-                    <a:lstStyle/>
-                    <a:p>
-                      <a:pPr marL="78740">
-                        <a:lnSpc>
-                          <a:spcPct val="107000"/>
-                        </a:lnSpc>
-                        <a:spcAft>
-                          <a:spcPts val="0"/>
-                        </a:spcAft>
-                      </a:pPr>
-                      <a:r>
-                        <a:rPr lang="en-US" sz="1200">
-                          <a:effectLst/>
-                          <a:latin typeface="Cambria" panose="02040503050406030204" pitchFamily="18" charset="0"/>
-                          <a:ea typeface="Calibri" panose="020F0502020204030204" pitchFamily="34" charset="0"/>
-                          <a:cs typeface="Arial" panose="020B0604020202020204" pitchFamily="34" charset="0"/>
-                        </a:rPr>
-                        <a:t>Product Version or Build	:</a:t>
-                      </a:r>
-                      <a:endParaRPr lang="id-ID" sz="1100">
-                        <a:effectLst/>
-                        <a:latin typeface="Calibri" panose="020F0502020204030204" pitchFamily="34" charset="0"/>
-                        <a:ea typeface="Calibri" panose="020F0502020204030204" pitchFamily="34" charset="0"/>
-                        <a:cs typeface="Arial" panose="020B0604020202020204" pitchFamily="34" charset="0"/>
-                      </a:endParaRPr>
-                    </a:p>
-                  </a:txBody>
-                  <a:tcPr marL="9525" marR="9525" marT="9525" marB="0" anchor="ctr">
-                    <a:lnL w="12700" cap="flat" cmpd="sng" algn="ctr">
-                      <a:solidFill>
-                        <a:schemeClr val="tx1"/>
-                      </a:solidFill>
-                      <a:prstDash val="solid"/>
-                      <a:round/>
-                      <a:headEnd type="none" w="med" len="med"/>
-                      <a:tailEnd type="none" w="med" len="med"/>
-                    </a:lnL>
-                    <a:lnR w="12700" cap="flat" cmpd="sng" algn="ctr">
-                      <a:solidFill>
-                        <a:schemeClr val="tx1"/>
-                      </a:solidFill>
-                      <a:prstDash val="solid"/>
-                      <a:round/>
-                      <a:headEnd type="none" w="med" len="med"/>
-                      <a:tailEnd type="none" w="med" len="med"/>
-                    </a:lnR>
-                    <a:lnT w="12700" cap="flat" cmpd="sng" algn="ctr">
-                      <a:solidFill>
-                        <a:schemeClr val="tx1"/>
-                      </a:solidFill>
-                      <a:prstDash val="solid"/>
-                      <a:round/>
-                      <a:headEnd type="none" w="med" len="med"/>
-                      <a:tailEnd type="none" w="med" len="med"/>
-                    </a:lnT>
-                    <a:lnB w="12700" cap="flat" cmpd="sng" algn="ctr">
-                      <a:solidFill>
-                        <a:schemeClr val="tx1"/>
-                      </a:solidFill>
-                      <a:prstDash val="solid"/>
-                      <a:round/>
-                      <a:headEnd type="none" w="med" len="med"/>
-                      <a:tailEnd type="none" w="med" len="med"/>
-                    </a:lnB>
-                  </a:tcPr>
-                </a:tc>
-                <a:tc>
-                  <a:txBody>
-                    <a:bodyPr/>
-                    <a:lstStyle/>
-                    <a:p>
-                      <a:pPr marL="81915">
-                        <a:lnSpc>
-                          <a:spcPct val="107000"/>
-                        </a:lnSpc>
-                        <a:spcAft>
-                          <a:spcPts val="0"/>
-                        </a:spcAft>
-                      </a:pPr>
-                      <a:r>
-                        <a:rPr lang="en-US" sz="1200">
-                          <a:effectLst/>
-                          <a:latin typeface="Cambria" panose="02040503050406030204" pitchFamily="18" charset="0"/>
-                          <a:ea typeface="Calibri" panose="020F0502020204030204" pitchFamily="34" charset="0"/>
-                          <a:cs typeface="Arial" panose="020B0604020202020204" pitchFamily="34" charset="0"/>
-                        </a:rPr>
-                        <a:t>0.0.0.1</a:t>
-                      </a:r>
-                      <a:endParaRPr lang="id-ID" sz="1100">
-                        <a:effectLst/>
-                        <a:latin typeface="Calibri" panose="020F0502020204030204" pitchFamily="34" charset="0"/>
-                        <a:ea typeface="Calibri" panose="020F0502020204030204" pitchFamily="34" charset="0"/>
-                        <a:cs typeface="Arial" panose="020B0604020202020204" pitchFamily="34" charset="0"/>
-                      </a:endParaRPr>
-                    </a:p>
-                  </a:txBody>
-                  <a:tcPr marL="9525" marR="9525" marT="9525" marB="0" anchor="ctr">
-                    <a:lnL w="12700" cap="flat" cmpd="sng" algn="ctr">
-                      <a:solidFill>
-                        <a:schemeClr val="tx1"/>
-                      </a:solidFill>
-                      <a:prstDash val="solid"/>
-                      <a:round/>
-                      <a:headEnd type="none" w="med" len="med"/>
-                      <a:tailEnd type="none" w="med" len="med"/>
-                    </a:lnL>
-                    <a:lnR w="12700" cap="flat" cmpd="sng" algn="ctr">
-                      <a:solidFill>
-                        <a:schemeClr val="tx1"/>
-                      </a:solidFill>
-                      <a:prstDash val="solid"/>
-                      <a:round/>
-                      <a:headEnd type="none" w="med" len="med"/>
-                      <a:tailEnd type="none" w="med" len="med"/>
-                    </a:lnR>
-                    <a:lnT w="12700" cap="flat" cmpd="sng" algn="ctr">
-                      <a:solidFill>
-                        <a:schemeClr val="tx1"/>
-                      </a:solidFill>
-                      <a:prstDash val="solid"/>
-                      <a:round/>
-                      <a:headEnd type="none" w="med" len="med"/>
-                      <a:tailEnd type="none" w="med" len="med"/>
-                    </a:lnT>
-                    <a:lnB w="12700" cap="flat" cmpd="sng" algn="ctr">
-                      <a:solidFill>
-                        <a:schemeClr val="tx1"/>
-                      </a:solidFill>
-                      <a:prstDash val="solid"/>
-                      <a:round/>
-                      <a:headEnd type="none" w="med" len="med"/>
-                      <a:tailEnd type="none" w="med" len="med"/>
-                    </a:lnB>
-                  </a:tcPr>
-                </a:tc>
-                <a:tc>
-                  <a:txBody>
-                    <a:bodyPr/>
-                    <a:lstStyle/>
-                    <a:p>
-                      <a:pPr marL="85090">
-                        <a:lnSpc>
-                          <a:spcPct val="107000"/>
-                        </a:lnSpc>
-                        <a:spcAft>
-                          <a:spcPts val="0"/>
-                        </a:spcAft>
-                      </a:pPr>
-                      <a:r>
-                        <a:rPr lang="en-US" sz="1200">
-                          <a:effectLst/>
-                          <a:latin typeface="Cambria" panose="02040503050406030204" pitchFamily="18" charset="0"/>
-                          <a:ea typeface="Calibri" panose="020F0502020204030204" pitchFamily="34" charset="0"/>
-                          <a:cs typeface="Arial" panose="020B0604020202020204" pitchFamily="34" charset="0"/>
-                        </a:rPr>
-                        <a:t> </a:t>
-                      </a:r>
-                      <a:endParaRPr lang="id-ID" sz="1100">
-                        <a:effectLst/>
-                        <a:latin typeface="Calibri" panose="020F0502020204030204" pitchFamily="34" charset="0"/>
-                        <a:ea typeface="Calibri" panose="020F0502020204030204" pitchFamily="34" charset="0"/>
-                        <a:cs typeface="Arial" panose="020B0604020202020204" pitchFamily="34" charset="0"/>
-                      </a:endParaRPr>
-                    </a:p>
-                  </a:txBody>
-                  <a:tcPr marL="9525" marR="9525" marT="9525" marB="0" anchor="ctr">
-                    <a:lnL w="12700" cap="flat" cmpd="sng" algn="ctr">
-                      <a:solidFill>
-                        <a:schemeClr val="tx1"/>
-                      </a:solidFill>
-                      <a:prstDash val="solid"/>
-                      <a:round/>
-                      <a:headEnd type="none" w="med" len="med"/>
-                      <a:tailEnd type="none" w="med" len="med"/>
-                    </a:lnL>
-                    <a:lnR w="12700" cap="flat" cmpd="sng" algn="ctr">
-                      <a:solidFill>
-                        <a:schemeClr val="tx1"/>
-                      </a:solidFill>
-                      <a:prstDash val="solid"/>
-                      <a:round/>
-                      <a:headEnd type="none" w="med" len="med"/>
-                      <a:tailEnd type="none" w="med" len="med"/>
-                    </a:lnR>
-                    <a:lnT w="12700" cap="flat" cmpd="sng" algn="ctr">
-                      <a:solidFill>
-                        <a:schemeClr val="tx1"/>
-                      </a:solidFill>
-                      <a:prstDash val="solid"/>
-                      <a:round/>
-                      <a:headEnd type="none" w="med" len="med"/>
-                      <a:tailEnd type="none" w="med" len="med"/>
-                    </a:lnT>
-                    <a:lnB w="12700" cap="flat" cmpd="sng" algn="ctr">
-                      <a:solidFill>
-                        <a:schemeClr val="tx1"/>
-                      </a:solidFill>
-                      <a:prstDash val="solid"/>
-                      <a:round/>
-                      <a:headEnd type="none" w="med" len="med"/>
-                      <a:tailEnd type="none" w="med" len="med"/>
-                    </a:lnB>
-                  </a:tcPr>
-                </a:tc>
-                <a:tc>
-                  <a:txBody>
-                    <a:bodyPr/>
-                    <a:lstStyle/>
-                    <a:p>
-                      <a:pPr marL="81915">
-                        <a:lnSpc>
-                          <a:spcPct val="107000"/>
-                        </a:lnSpc>
-                        <a:spcAft>
-                          <a:spcPts val="0"/>
-                        </a:spcAft>
-                      </a:pPr>
-                      <a:r>
-                        <a:rPr lang="en-US" sz="1200">
-                          <a:effectLst/>
-                          <a:latin typeface="Cambria" panose="02040503050406030204" pitchFamily="18" charset="0"/>
-                          <a:ea typeface="Calibri" panose="020F0502020204030204" pitchFamily="34" charset="0"/>
-                          <a:cs typeface="Arial" panose="020B0604020202020204" pitchFamily="34" charset="0"/>
-                        </a:rPr>
-                        <a:t> </a:t>
-                      </a:r>
-                      <a:endParaRPr lang="id-ID" sz="1100">
-                        <a:effectLst/>
-                        <a:latin typeface="Calibri" panose="020F0502020204030204" pitchFamily="34" charset="0"/>
-                        <a:ea typeface="Calibri" panose="020F0502020204030204" pitchFamily="34" charset="0"/>
-                        <a:cs typeface="Arial" panose="020B0604020202020204" pitchFamily="34" charset="0"/>
-                      </a:endParaRPr>
-                    </a:p>
-                  </a:txBody>
-                  <a:tcPr marL="9525" marR="9525" marT="9525" marB="0" anchor="ctr">
-                    <a:lnL w="12700" cap="flat" cmpd="sng" algn="ctr">
-                      <a:solidFill>
-                        <a:schemeClr val="tx1"/>
-                      </a:solidFill>
-                      <a:prstDash val="solid"/>
-                      <a:round/>
-                      <a:headEnd type="none" w="med" len="med"/>
-                      <a:tailEnd type="none" w="med" len="med"/>
-                    </a:lnL>
-                    <a:lnR w="12700" cap="flat" cmpd="sng" algn="ctr">
-                      <a:solidFill>
-                        <a:schemeClr val="tx1"/>
-                      </a:solidFill>
-                      <a:prstDash val="solid"/>
-                      <a:round/>
-                      <a:headEnd type="none" w="med" len="med"/>
-                      <a:tailEnd type="none" w="med" len="med"/>
-                    </a:lnR>
-                    <a:lnT w="12700" cap="flat" cmpd="sng" algn="ctr">
-                      <a:solidFill>
-                        <a:schemeClr val="tx1"/>
-                      </a:solidFill>
-                      <a:prstDash val="solid"/>
-                      <a:round/>
-                      <a:headEnd type="none" w="med" len="med"/>
-                      <a:tailEnd type="none" w="med" len="med"/>
-                    </a:lnT>
-                    <a:lnB w="12700" cap="flat" cmpd="sng" algn="ctr">
-                      <a:solidFill>
-                        <a:schemeClr val="tx1"/>
-                      </a:solidFill>
-                      <a:prstDash val="solid"/>
-                      <a:round/>
-                      <a:headEnd type="none" w="med" len="med"/>
-                      <a:tailEnd type="none" w="med" len="med"/>
-                    </a:lnB>
-                  </a:tcPr>
-                </a:tc>
-              </a:tr>
-              <a:tr h="330037">
-                <a:tc>
-                  <a:txBody>
-                    <a:bodyPr/>
-                    <a:lstStyle/>
-                    <a:p>
-                      <a:pPr marL="78740">
-                        <a:lnSpc>
-                          <a:spcPct val="107000"/>
-                        </a:lnSpc>
-                        <a:spcAft>
-                          <a:spcPts val="0"/>
-                        </a:spcAft>
-                      </a:pPr>
-                      <a:r>
-                        <a:rPr lang="en-US" sz="1200">
-                          <a:effectLst/>
-                          <a:latin typeface="Cambria" panose="02040503050406030204" pitchFamily="18" charset="0"/>
-                          <a:ea typeface="Calibri" panose="020F0502020204030204" pitchFamily="34" charset="0"/>
-                          <a:cs typeface="Arial" panose="020B0604020202020204" pitchFamily="34" charset="0"/>
-                        </a:rPr>
-                        <a:t>Present Owner		:</a:t>
-                      </a:r>
-                      <a:endParaRPr lang="id-ID" sz="1100">
-                        <a:effectLst/>
-                        <a:latin typeface="Calibri" panose="020F0502020204030204" pitchFamily="34" charset="0"/>
-                        <a:ea typeface="Calibri" panose="020F0502020204030204" pitchFamily="34" charset="0"/>
-                        <a:cs typeface="Arial" panose="020B0604020202020204" pitchFamily="34" charset="0"/>
-                      </a:endParaRPr>
-                    </a:p>
-                  </a:txBody>
-                  <a:tcPr marL="9525" marR="9525" marT="9525" marB="0" anchor="ctr">
-                    <a:lnL w="12700" cap="flat" cmpd="sng" algn="ctr">
-                      <a:solidFill>
-                        <a:schemeClr val="tx1"/>
-                      </a:solidFill>
-                      <a:prstDash val="solid"/>
-                      <a:round/>
-                      <a:headEnd type="none" w="med" len="med"/>
-                      <a:tailEnd type="none" w="med" len="med"/>
-                    </a:lnL>
-                    <a:lnR w="12700" cap="flat" cmpd="sng" algn="ctr">
-                      <a:solidFill>
-                        <a:schemeClr val="tx1"/>
-                      </a:solidFill>
-                      <a:prstDash val="solid"/>
-                      <a:round/>
-                      <a:headEnd type="none" w="med" len="med"/>
-                      <a:tailEnd type="none" w="med" len="med"/>
-                    </a:lnR>
-                    <a:lnT w="12700" cap="flat" cmpd="sng" algn="ctr">
-                      <a:solidFill>
-                        <a:schemeClr val="tx1"/>
-                      </a:solidFill>
-                      <a:prstDash val="solid"/>
-                      <a:round/>
-                      <a:headEnd type="none" w="med" len="med"/>
-                      <a:tailEnd type="none" w="med" len="med"/>
-                    </a:lnT>
-                    <a:lnB w="12700" cap="flat" cmpd="sng" algn="ctr">
-                      <a:solidFill>
-                        <a:schemeClr val="tx1"/>
-                      </a:solidFill>
-                      <a:prstDash val="solid"/>
-                      <a:round/>
-                      <a:headEnd type="none" w="med" len="med"/>
-                      <a:tailEnd type="none" w="med" len="med"/>
-                    </a:lnB>
-                  </a:tcPr>
-                </a:tc>
-                <a:tc>
-                  <a:txBody>
-                    <a:bodyPr/>
-                    <a:lstStyle/>
-                    <a:p>
-                      <a:pPr marL="81915">
-                        <a:lnSpc>
-                          <a:spcPct val="107000"/>
-                        </a:lnSpc>
-                        <a:spcAft>
-                          <a:spcPts val="0"/>
-                        </a:spcAft>
-                      </a:pPr>
-                      <a:r>
-                        <a:rPr lang="en-US" sz="1200">
-                          <a:effectLst/>
-                          <a:latin typeface="Cambria" panose="02040503050406030204" pitchFamily="18" charset="0"/>
-                          <a:ea typeface="Calibri" panose="020F0502020204030204" pitchFamily="34" charset="0"/>
-                          <a:cs typeface="Arial" panose="020B0604020202020204" pitchFamily="34" charset="0"/>
-                        </a:rPr>
-                        <a:t>Wildan Luqmanul Hakim</a:t>
-                      </a:r>
-                      <a:endParaRPr lang="id-ID" sz="1100">
-                        <a:effectLst/>
-                        <a:latin typeface="Calibri" panose="020F0502020204030204" pitchFamily="34" charset="0"/>
-                        <a:ea typeface="Calibri" panose="020F0502020204030204" pitchFamily="34" charset="0"/>
-                        <a:cs typeface="Arial" panose="020B0604020202020204" pitchFamily="34" charset="0"/>
-                      </a:endParaRPr>
-                    </a:p>
-                  </a:txBody>
-                  <a:tcPr marL="9525" marR="9525" marT="9525" marB="0" anchor="ctr">
-                    <a:lnL w="12700" cap="flat" cmpd="sng" algn="ctr">
-                      <a:solidFill>
-                        <a:schemeClr val="tx1"/>
-                      </a:solidFill>
-                      <a:prstDash val="solid"/>
-                      <a:round/>
-                      <a:headEnd type="none" w="med" len="med"/>
-                      <a:tailEnd type="none" w="med" len="med"/>
-                    </a:lnL>
-                    <a:lnR w="12700" cap="flat" cmpd="sng" algn="ctr">
-                      <a:solidFill>
-                        <a:schemeClr val="tx1"/>
-                      </a:solidFill>
-                      <a:prstDash val="solid"/>
-                      <a:round/>
-                      <a:headEnd type="none" w="med" len="med"/>
-                      <a:tailEnd type="none" w="med" len="med"/>
-                    </a:lnR>
-                    <a:lnT w="12700" cap="flat" cmpd="sng" algn="ctr">
-                      <a:solidFill>
-                        <a:schemeClr val="tx1"/>
-                      </a:solidFill>
-                      <a:prstDash val="solid"/>
-                      <a:round/>
-                      <a:headEnd type="none" w="med" len="med"/>
-                      <a:tailEnd type="none" w="med" len="med"/>
-                    </a:lnT>
-                    <a:lnB w="12700" cap="flat" cmpd="sng" algn="ctr">
-                      <a:solidFill>
-                        <a:schemeClr val="tx1"/>
-                      </a:solidFill>
-                      <a:prstDash val="solid"/>
-                      <a:round/>
-                      <a:headEnd type="none" w="med" len="med"/>
-                      <a:tailEnd type="none" w="med" len="med"/>
-                    </a:lnB>
-                  </a:tcPr>
-                </a:tc>
-                <a:tc>
-                  <a:txBody>
-                    <a:bodyPr/>
-                    <a:lstStyle/>
-                    <a:p>
-                      <a:pPr marL="85090">
-                        <a:lnSpc>
-                          <a:spcPct val="107000"/>
-                        </a:lnSpc>
-                        <a:spcAft>
-                          <a:spcPts val="0"/>
-                        </a:spcAft>
-                      </a:pPr>
-                      <a:r>
-                        <a:rPr lang="en-US" sz="1200">
-                          <a:effectLst/>
-                          <a:latin typeface="Cambria" panose="02040503050406030204" pitchFamily="18" charset="0"/>
-                          <a:ea typeface="Calibri" panose="020F0502020204030204" pitchFamily="34" charset="0"/>
-                          <a:cs typeface="Arial" panose="020B0604020202020204" pitchFamily="34" charset="0"/>
-                        </a:rPr>
-                        <a:t> Software Engineer</a:t>
-                      </a:r>
-                      <a:endParaRPr lang="id-ID" sz="1100">
-                        <a:effectLst/>
-                        <a:latin typeface="Calibri" panose="020F0502020204030204" pitchFamily="34" charset="0"/>
-                        <a:ea typeface="Calibri" panose="020F0502020204030204" pitchFamily="34" charset="0"/>
-                        <a:cs typeface="Arial" panose="020B0604020202020204" pitchFamily="34" charset="0"/>
-                      </a:endParaRPr>
-                    </a:p>
-                  </a:txBody>
-                  <a:tcPr marL="9525" marR="9525" marT="9525" marB="0" anchor="ctr">
-                    <a:lnL w="12700" cap="flat" cmpd="sng" algn="ctr">
-                      <a:solidFill>
-                        <a:schemeClr val="tx1"/>
-                      </a:solidFill>
-                      <a:prstDash val="solid"/>
-                      <a:round/>
-                      <a:headEnd type="none" w="med" len="med"/>
-                      <a:tailEnd type="none" w="med" len="med"/>
-                    </a:lnL>
-                    <a:lnR w="12700" cap="flat" cmpd="sng" algn="ctr">
-                      <a:solidFill>
-                        <a:schemeClr val="tx1"/>
-                      </a:solidFill>
-                      <a:prstDash val="solid"/>
-                      <a:round/>
-                      <a:headEnd type="none" w="med" len="med"/>
-                      <a:tailEnd type="none" w="med" len="med"/>
-                    </a:lnR>
-                    <a:lnT w="12700" cap="flat" cmpd="sng" algn="ctr">
-                      <a:solidFill>
-                        <a:schemeClr val="tx1"/>
-                      </a:solidFill>
-                      <a:prstDash val="solid"/>
-                      <a:round/>
-                      <a:headEnd type="none" w="med" len="med"/>
-                      <a:tailEnd type="none" w="med" len="med"/>
-                    </a:lnT>
-                    <a:lnB w="12700" cap="flat" cmpd="sng" algn="ctr">
-                      <a:solidFill>
-                        <a:schemeClr val="tx1"/>
-                      </a:solidFill>
-                      <a:prstDash val="solid"/>
-                      <a:round/>
-                      <a:headEnd type="none" w="med" len="med"/>
-                      <a:tailEnd type="none" w="med" len="med"/>
-                    </a:lnB>
-                  </a:tcPr>
-                </a:tc>
-                <a:tc>
-                  <a:txBody>
-                    <a:bodyPr/>
-                    <a:lstStyle/>
-                    <a:p>
-                      <a:pPr>
-                        <a:lnSpc>
-                          <a:spcPct val="107000"/>
-                        </a:lnSpc>
-                      </a:pPr>
-                      <a:endParaRPr lang="id-ID" sz="1100">
-                        <a:effectLst/>
-                        <a:latin typeface="Calibri" panose="020F0502020204030204" pitchFamily="34" charset="0"/>
-                        <a:cs typeface="Arial" panose="020B0604020202020204" pitchFamily="34" charset="0"/>
-                      </a:endParaRPr>
-                    </a:p>
-                  </a:txBody>
-                  <a:tcPr marL="9525" marR="9525" marT="9525" marB="0" anchor="ctr">
-                    <a:lnL w="12700" cap="flat" cmpd="sng" algn="ctr">
-                      <a:solidFill>
-                        <a:schemeClr val="tx1"/>
-                      </a:solidFill>
-                      <a:prstDash val="solid"/>
-                      <a:round/>
-                      <a:headEnd type="none" w="med" len="med"/>
-                      <a:tailEnd type="none" w="med" len="med"/>
-                    </a:lnL>
-                    <a:lnR w="12700" cap="flat" cmpd="sng" algn="ctr">
-                      <a:solidFill>
-                        <a:schemeClr val="tx1"/>
-                      </a:solidFill>
-                      <a:prstDash val="solid"/>
-                      <a:round/>
-                      <a:headEnd type="none" w="med" len="med"/>
-                      <a:tailEnd type="none" w="med" len="med"/>
-                    </a:lnR>
-                    <a:lnT w="12700" cap="flat" cmpd="sng" algn="ctr">
-                      <a:solidFill>
-                        <a:schemeClr val="tx1"/>
-                      </a:solidFill>
-                      <a:prstDash val="solid"/>
-                      <a:round/>
-                      <a:headEnd type="none" w="med" len="med"/>
-                      <a:tailEnd type="none" w="med" len="med"/>
-                    </a:lnT>
-                    <a:lnB w="12700" cap="flat" cmpd="sng" algn="ctr">
-                      <a:solidFill>
-                        <a:schemeClr val="tx1"/>
-                      </a:solidFill>
-                      <a:prstDash val="solid"/>
-                      <a:round/>
-                      <a:headEnd type="none" w="med" len="med"/>
-                      <a:tailEnd type="none" w="med" len="med"/>
-                    </a:lnB>
-                  </a:tcPr>
-                </a:tc>
-              </a:tr>
-              <a:tr h="330037">
-                <a:tc>
-                  <a:txBody>
-                    <a:bodyPr/>
-                    <a:lstStyle/>
-                    <a:p>
-                      <a:pPr marL="78740">
-                        <a:lnSpc>
-                          <a:spcPct val="107000"/>
-                        </a:lnSpc>
-                        <a:spcAft>
-                          <a:spcPts val="0"/>
-                        </a:spcAft>
-                      </a:pPr>
-                      <a:r>
-                        <a:rPr lang="en-US" sz="1200">
-                          <a:effectLst/>
-                          <a:latin typeface="Cambria" panose="02040503050406030204" pitchFamily="18" charset="0"/>
-                          <a:ea typeface="Calibri" panose="020F0502020204030204" pitchFamily="34" charset="0"/>
-                          <a:cs typeface="Arial" panose="020B0604020202020204" pitchFamily="34" charset="0"/>
-                        </a:rPr>
-                        <a:t>Created On			:</a:t>
-                      </a:r>
-                      <a:endParaRPr lang="id-ID" sz="1100">
-                        <a:effectLst/>
-                        <a:latin typeface="Calibri" panose="020F0502020204030204" pitchFamily="34" charset="0"/>
-                        <a:ea typeface="Calibri" panose="020F0502020204030204" pitchFamily="34" charset="0"/>
-                        <a:cs typeface="Arial" panose="020B0604020202020204" pitchFamily="34" charset="0"/>
-                      </a:endParaRPr>
-                    </a:p>
-                  </a:txBody>
-                  <a:tcPr marL="9525" marR="9525" marT="9525" marB="0" anchor="ctr">
-                    <a:lnL w="12700" cap="flat" cmpd="sng" algn="ctr">
-                      <a:solidFill>
-                        <a:schemeClr val="tx1"/>
-                      </a:solidFill>
-                      <a:prstDash val="solid"/>
-                      <a:round/>
-                      <a:headEnd type="none" w="med" len="med"/>
-                      <a:tailEnd type="none" w="med" len="med"/>
-                    </a:lnL>
-                    <a:lnR w="12700" cap="flat" cmpd="sng" algn="ctr">
-                      <a:solidFill>
-                        <a:schemeClr val="tx1"/>
-                      </a:solidFill>
-                      <a:prstDash val="solid"/>
-                      <a:round/>
-                      <a:headEnd type="none" w="med" len="med"/>
-                      <a:tailEnd type="none" w="med" len="med"/>
-                    </a:lnR>
-                    <a:lnT w="12700" cap="flat" cmpd="sng" algn="ctr">
-                      <a:solidFill>
-                        <a:schemeClr val="tx1"/>
-                      </a:solidFill>
-                      <a:prstDash val="solid"/>
-                      <a:round/>
-                      <a:headEnd type="none" w="med" len="med"/>
-                      <a:tailEnd type="none" w="med" len="med"/>
-                    </a:lnT>
-                    <a:lnB w="12700" cap="flat" cmpd="sng" algn="ctr">
-                      <a:solidFill>
-                        <a:schemeClr val="tx1"/>
-                      </a:solidFill>
-                      <a:prstDash val="solid"/>
-                      <a:round/>
-                      <a:headEnd type="none" w="med" len="med"/>
-                      <a:tailEnd type="none" w="med" len="med"/>
-                    </a:lnB>
-                  </a:tcPr>
-                </a:tc>
-                <a:tc>
-                  <a:txBody>
-                    <a:bodyPr/>
-                    <a:lstStyle/>
-                    <a:p>
-                      <a:pPr marL="81915">
-                        <a:lnSpc>
-                          <a:spcPct val="107000"/>
-                        </a:lnSpc>
-                        <a:spcAft>
-                          <a:spcPts val="0"/>
-                        </a:spcAft>
-                      </a:pPr>
-                      <a:r>
-                        <a:rPr lang="en-US" sz="1200">
-                          <a:effectLst/>
-                          <a:latin typeface="Cambria" panose="02040503050406030204" pitchFamily="18" charset="0"/>
-                          <a:ea typeface="Calibri" panose="020F0502020204030204" pitchFamily="34" charset="0"/>
-                          <a:cs typeface="Arial" panose="020B0604020202020204" pitchFamily="34" charset="0"/>
-                        </a:rPr>
-                        <a:t>19 August 2022</a:t>
-                      </a:r>
-                      <a:endParaRPr lang="id-ID" sz="1100">
-                        <a:effectLst/>
-                        <a:latin typeface="Calibri" panose="020F0502020204030204" pitchFamily="34" charset="0"/>
-                        <a:ea typeface="Calibri" panose="020F0502020204030204" pitchFamily="34" charset="0"/>
-                        <a:cs typeface="Arial" panose="020B0604020202020204" pitchFamily="34" charset="0"/>
-                      </a:endParaRPr>
-                    </a:p>
-                  </a:txBody>
-                  <a:tcPr marL="9525" marR="9525" marT="9525" marB="0" anchor="ctr">
-                    <a:lnL w="12700" cap="flat" cmpd="sng" algn="ctr">
-                      <a:solidFill>
-                        <a:schemeClr val="tx1"/>
-                      </a:solidFill>
-                      <a:prstDash val="solid"/>
-                      <a:round/>
-                      <a:headEnd type="none" w="med" len="med"/>
-                      <a:tailEnd type="none" w="med" len="med"/>
-                    </a:lnL>
-                    <a:lnR w="12700" cap="flat" cmpd="sng" algn="ctr">
-                      <a:solidFill>
-                        <a:schemeClr val="tx1"/>
-                      </a:solidFill>
-                      <a:prstDash val="solid"/>
-                      <a:round/>
-                      <a:headEnd type="none" w="med" len="med"/>
-                      <a:tailEnd type="none" w="med" len="med"/>
-                    </a:lnR>
-                    <a:lnT w="12700" cap="flat" cmpd="sng" algn="ctr">
-                      <a:solidFill>
-                        <a:schemeClr val="tx1"/>
-                      </a:solidFill>
-                      <a:prstDash val="solid"/>
-                      <a:round/>
-                      <a:headEnd type="none" w="med" len="med"/>
-                      <a:tailEnd type="none" w="med" len="med"/>
-                    </a:lnT>
-                    <a:lnB w="12700" cap="flat" cmpd="sng" algn="ctr">
-                      <a:solidFill>
-                        <a:schemeClr val="tx1"/>
-                      </a:solidFill>
-                      <a:prstDash val="solid"/>
-                      <a:round/>
-                      <a:headEnd type="none" w="med" len="med"/>
-                      <a:tailEnd type="none" w="med" len="med"/>
-                    </a:lnB>
-                  </a:tcPr>
-                </a:tc>
-                <a:tc>
-                  <a:txBody>
-                    <a:bodyPr/>
-                    <a:lstStyle/>
-                    <a:p>
-                      <a:pPr marL="85090">
-                        <a:lnSpc>
-                          <a:spcPct val="107000"/>
-                        </a:lnSpc>
-                        <a:spcAft>
-                          <a:spcPts val="0"/>
-                        </a:spcAft>
-                      </a:pPr>
-                      <a:r>
-                        <a:rPr lang="en-US" sz="1200">
-                          <a:effectLst/>
-                          <a:latin typeface="Cambria" panose="02040503050406030204" pitchFamily="18" charset="0"/>
-                          <a:ea typeface="Calibri" panose="020F0502020204030204" pitchFamily="34" charset="0"/>
-                          <a:cs typeface="Arial" panose="020B0604020202020204" pitchFamily="34" charset="0"/>
-                        </a:rPr>
-                        <a:t> </a:t>
-                      </a:r>
-                      <a:endParaRPr lang="id-ID" sz="1100">
-                        <a:effectLst/>
-                        <a:latin typeface="Calibri" panose="020F0502020204030204" pitchFamily="34" charset="0"/>
-                        <a:ea typeface="Calibri" panose="020F0502020204030204" pitchFamily="34" charset="0"/>
-                        <a:cs typeface="Arial" panose="020B0604020202020204" pitchFamily="34" charset="0"/>
-                      </a:endParaRPr>
-                    </a:p>
-                  </a:txBody>
-                  <a:tcPr marL="9525" marR="9525" marT="9525" marB="0" anchor="ctr">
-                    <a:lnL w="12700" cap="flat" cmpd="sng" algn="ctr">
-                      <a:solidFill>
-                        <a:schemeClr val="tx1"/>
-                      </a:solidFill>
-                      <a:prstDash val="solid"/>
-                      <a:round/>
-                      <a:headEnd type="none" w="med" len="med"/>
-                      <a:tailEnd type="none" w="med" len="med"/>
-                    </a:lnL>
-                    <a:lnR w="12700" cap="flat" cmpd="sng" algn="ctr">
-                      <a:solidFill>
-                        <a:schemeClr val="tx1"/>
-                      </a:solidFill>
-                      <a:prstDash val="solid"/>
-                      <a:round/>
-                      <a:headEnd type="none" w="med" len="med"/>
-                      <a:tailEnd type="none" w="med" len="med"/>
-                    </a:lnR>
-                    <a:lnT w="12700" cap="flat" cmpd="sng" algn="ctr">
-                      <a:solidFill>
-                        <a:schemeClr val="tx1"/>
-                      </a:solidFill>
-                      <a:prstDash val="solid"/>
-                      <a:round/>
-                      <a:headEnd type="none" w="med" len="med"/>
-                      <a:tailEnd type="none" w="med" len="med"/>
-                    </a:lnT>
-                    <a:lnB w="12700" cap="flat" cmpd="sng" algn="ctr">
-                      <a:solidFill>
-                        <a:schemeClr val="tx1"/>
-                      </a:solidFill>
-                      <a:prstDash val="solid"/>
-                      <a:round/>
-                      <a:headEnd type="none" w="med" len="med"/>
-                      <a:tailEnd type="none" w="med" len="med"/>
-                    </a:lnB>
-                  </a:tcPr>
-                </a:tc>
-                <a:tc>
-                  <a:txBody>
-                    <a:bodyPr/>
-                    <a:lstStyle/>
-                    <a:p>
-                      <a:pPr marL="81915">
-                        <a:lnSpc>
-                          <a:spcPct val="107000"/>
-                        </a:lnSpc>
-                        <a:spcAft>
-                          <a:spcPts val="0"/>
-                        </a:spcAft>
-                      </a:pPr>
-                      <a:r>
-                        <a:rPr lang="en-US" sz="1200">
-                          <a:effectLst/>
-                          <a:latin typeface="Cambria" panose="02040503050406030204" pitchFamily="18" charset="0"/>
-                          <a:ea typeface="Calibri" panose="020F0502020204030204" pitchFamily="34" charset="0"/>
-                          <a:cs typeface="Arial" panose="020B0604020202020204" pitchFamily="34" charset="0"/>
-                        </a:rPr>
-                        <a:t> </a:t>
-                      </a:r>
-                      <a:endParaRPr lang="id-ID" sz="1100">
-                        <a:effectLst/>
-                        <a:latin typeface="Calibri" panose="020F0502020204030204" pitchFamily="34" charset="0"/>
-                        <a:ea typeface="Calibri" panose="020F0502020204030204" pitchFamily="34" charset="0"/>
-                        <a:cs typeface="Arial" panose="020B0604020202020204" pitchFamily="34" charset="0"/>
-                      </a:endParaRPr>
-                    </a:p>
-                  </a:txBody>
-                  <a:tcPr marL="9525" marR="9525" marT="9525" marB="0" anchor="ctr">
-                    <a:lnL w="12700" cap="flat" cmpd="sng" algn="ctr">
-                      <a:solidFill>
-                        <a:schemeClr val="tx1"/>
-                      </a:solidFill>
-                      <a:prstDash val="solid"/>
-                      <a:round/>
-                      <a:headEnd type="none" w="med" len="med"/>
-                      <a:tailEnd type="none" w="med" len="med"/>
-                    </a:lnL>
-                    <a:lnR w="12700" cap="flat" cmpd="sng" algn="ctr">
-                      <a:solidFill>
-                        <a:schemeClr val="tx1"/>
-                      </a:solidFill>
-                      <a:prstDash val="solid"/>
-                      <a:round/>
-                      <a:headEnd type="none" w="med" len="med"/>
-                      <a:tailEnd type="none" w="med" len="med"/>
-                    </a:lnR>
-                    <a:lnT w="12700" cap="flat" cmpd="sng" algn="ctr">
-                      <a:solidFill>
-                        <a:schemeClr val="tx1"/>
-                      </a:solidFill>
-                      <a:prstDash val="solid"/>
-                      <a:round/>
-                      <a:headEnd type="none" w="med" len="med"/>
-                      <a:tailEnd type="none" w="med" len="med"/>
-                    </a:lnT>
-                    <a:lnB w="12700" cap="flat" cmpd="sng" algn="ctr">
-                      <a:solidFill>
-                        <a:schemeClr val="tx1"/>
-                      </a:solidFill>
-                      <a:prstDash val="solid"/>
-                      <a:round/>
-                      <a:headEnd type="none" w="med" len="med"/>
-                      <a:tailEnd type="none" w="med" len="med"/>
-                    </a:lnB>
-                  </a:tcPr>
-                </a:tc>
-              </a:tr>
-              <a:tr h="330037">
-                <a:tc>
-                  <a:txBody>
-                    <a:bodyPr/>
-                    <a:lstStyle/>
-                    <a:p>
-                      <a:pPr marL="78740">
-                        <a:lnSpc>
-                          <a:spcPct val="107000"/>
-                        </a:lnSpc>
-                        <a:spcAft>
-                          <a:spcPts val="0"/>
-                        </a:spcAft>
-                      </a:pPr>
-                      <a:r>
-                        <a:rPr lang="en-US" sz="1200">
-                          <a:effectLst/>
-                          <a:latin typeface="Cambria" panose="02040503050406030204" pitchFamily="18" charset="0"/>
-                          <a:ea typeface="Calibri" panose="020F0502020204030204" pitchFamily="34" charset="0"/>
-                          <a:cs typeface="Arial" panose="020B0604020202020204" pitchFamily="34" charset="0"/>
-                        </a:rPr>
-                        <a:t>Review On			:</a:t>
-                      </a:r>
-                      <a:endParaRPr lang="id-ID" sz="1100">
-                        <a:effectLst/>
-                        <a:latin typeface="Calibri" panose="020F0502020204030204" pitchFamily="34" charset="0"/>
-                        <a:ea typeface="Calibri" panose="020F0502020204030204" pitchFamily="34" charset="0"/>
-                        <a:cs typeface="Arial" panose="020B0604020202020204" pitchFamily="34" charset="0"/>
-                      </a:endParaRPr>
-                    </a:p>
-                  </a:txBody>
-                  <a:tcPr marL="9525" marR="9525" marT="9525" marB="0" anchor="ctr">
-                    <a:lnL w="12700" cap="flat" cmpd="sng" algn="ctr">
-                      <a:solidFill>
-                        <a:schemeClr val="tx1"/>
-                      </a:solidFill>
-                      <a:prstDash val="solid"/>
-                      <a:round/>
-                      <a:headEnd type="none" w="med" len="med"/>
-                      <a:tailEnd type="none" w="med" len="med"/>
-                    </a:lnL>
-                    <a:lnR w="12700" cap="flat" cmpd="sng" algn="ctr">
-                      <a:solidFill>
-                        <a:schemeClr val="tx1"/>
-                      </a:solidFill>
-                      <a:prstDash val="solid"/>
-                      <a:round/>
-                      <a:headEnd type="none" w="med" len="med"/>
-                      <a:tailEnd type="none" w="med" len="med"/>
-                    </a:lnR>
-                    <a:lnT w="12700" cap="flat" cmpd="sng" algn="ctr">
-                      <a:solidFill>
-                        <a:schemeClr val="tx1"/>
-                      </a:solidFill>
-                      <a:prstDash val="solid"/>
-                      <a:round/>
-                      <a:headEnd type="none" w="med" len="med"/>
-                      <a:tailEnd type="none" w="med" len="med"/>
-                    </a:lnT>
-                    <a:lnB w="12700" cap="flat" cmpd="sng" algn="ctr">
-                      <a:solidFill>
-                        <a:schemeClr val="tx1"/>
-                      </a:solidFill>
-                      <a:prstDash val="solid"/>
-                      <a:round/>
-                      <a:headEnd type="none" w="med" len="med"/>
-                      <a:tailEnd type="none" w="med" len="med"/>
-                    </a:lnB>
-                  </a:tcPr>
-                </a:tc>
-                <a:tc>
-                  <a:txBody>
-                    <a:bodyPr/>
-                    <a:lstStyle/>
-                    <a:p>
-                      <a:pPr marL="81915">
-                        <a:lnSpc>
-                          <a:spcPct val="107000"/>
-                        </a:lnSpc>
-                        <a:spcAft>
-                          <a:spcPts val="0"/>
-                        </a:spcAft>
-                      </a:pPr>
-                      <a:r>
-                        <a:rPr lang="en-US" sz="1200">
-                          <a:effectLst/>
-                          <a:latin typeface="Cambria" panose="02040503050406030204" pitchFamily="18" charset="0"/>
-                          <a:ea typeface="Calibri" panose="020F0502020204030204" pitchFamily="34" charset="0"/>
-                          <a:cs typeface="Arial" panose="020B0604020202020204" pitchFamily="34" charset="0"/>
-                        </a:rPr>
-                        <a:t> </a:t>
-                      </a:r>
-                      <a:endParaRPr lang="id-ID" sz="1100">
-                        <a:effectLst/>
-                        <a:latin typeface="Calibri" panose="020F0502020204030204" pitchFamily="34" charset="0"/>
-                        <a:ea typeface="Calibri" panose="020F0502020204030204" pitchFamily="34" charset="0"/>
-                        <a:cs typeface="Arial" panose="020B0604020202020204" pitchFamily="34" charset="0"/>
-                      </a:endParaRPr>
-                    </a:p>
-                  </a:txBody>
-                  <a:tcPr marL="9525" marR="9525" marT="9525" marB="0" anchor="ctr">
-                    <a:lnL w="12700" cap="flat" cmpd="sng" algn="ctr">
-                      <a:solidFill>
-                        <a:schemeClr val="tx1"/>
-                      </a:solidFill>
-                      <a:prstDash val="solid"/>
-                      <a:round/>
-                      <a:headEnd type="none" w="med" len="med"/>
-                      <a:tailEnd type="none" w="med" len="med"/>
-                    </a:lnL>
-                    <a:lnR w="12700" cap="flat" cmpd="sng" algn="ctr">
-                      <a:solidFill>
-                        <a:schemeClr val="tx1"/>
-                      </a:solidFill>
-                      <a:prstDash val="solid"/>
-                      <a:round/>
-                      <a:headEnd type="none" w="med" len="med"/>
-                      <a:tailEnd type="none" w="med" len="med"/>
-                    </a:lnR>
-                    <a:lnT w="12700" cap="flat" cmpd="sng" algn="ctr">
-                      <a:solidFill>
-                        <a:schemeClr val="tx1"/>
-                      </a:solidFill>
-                      <a:prstDash val="solid"/>
-                      <a:round/>
-                      <a:headEnd type="none" w="med" len="med"/>
-                      <a:tailEnd type="none" w="med" len="med"/>
-                    </a:lnT>
-                    <a:lnB w="12700" cap="flat" cmpd="sng" algn="ctr">
-                      <a:solidFill>
-                        <a:schemeClr val="tx1"/>
-                      </a:solidFill>
-                      <a:prstDash val="solid"/>
-                      <a:round/>
-                      <a:headEnd type="none" w="med" len="med"/>
-                      <a:tailEnd type="none" w="med" len="med"/>
-                    </a:lnB>
-                  </a:tcPr>
-                </a:tc>
-                <a:tc>
-                  <a:txBody>
-                    <a:bodyPr/>
-                    <a:lstStyle/>
-                    <a:p>
-                      <a:pPr marL="85090">
-                        <a:lnSpc>
-                          <a:spcPct val="107000"/>
-                        </a:lnSpc>
-                        <a:spcAft>
-                          <a:spcPts val="0"/>
-                        </a:spcAft>
-                      </a:pPr>
-                      <a:r>
-                        <a:rPr lang="en-US" sz="1200">
-                          <a:effectLst/>
-                          <a:latin typeface="Cambria" panose="02040503050406030204" pitchFamily="18" charset="0"/>
-                          <a:ea typeface="Calibri" panose="020F0502020204030204" pitchFamily="34" charset="0"/>
-                          <a:cs typeface="Arial" panose="020B0604020202020204" pitchFamily="34" charset="0"/>
-                        </a:rPr>
-                        <a:t> </a:t>
-                      </a:r>
-                      <a:endParaRPr lang="id-ID" sz="1100">
-                        <a:effectLst/>
-                        <a:latin typeface="Calibri" panose="020F0502020204030204" pitchFamily="34" charset="0"/>
-                        <a:ea typeface="Calibri" panose="020F0502020204030204" pitchFamily="34" charset="0"/>
-                        <a:cs typeface="Arial" panose="020B0604020202020204" pitchFamily="34" charset="0"/>
-                      </a:endParaRPr>
-                    </a:p>
-                  </a:txBody>
-                  <a:tcPr marL="9525" marR="9525" marT="9525" marB="0" anchor="ctr">
-                    <a:lnL w="12700" cap="flat" cmpd="sng" algn="ctr">
-                      <a:solidFill>
-                        <a:schemeClr val="tx1"/>
-                      </a:solidFill>
-                      <a:prstDash val="solid"/>
-                      <a:round/>
-                      <a:headEnd type="none" w="med" len="med"/>
-                      <a:tailEnd type="none" w="med" len="med"/>
-                    </a:lnL>
-                    <a:lnR w="12700" cap="flat" cmpd="sng" algn="ctr">
-                      <a:solidFill>
-                        <a:schemeClr val="tx1"/>
-                      </a:solidFill>
-                      <a:prstDash val="solid"/>
-                      <a:round/>
-                      <a:headEnd type="none" w="med" len="med"/>
-                      <a:tailEnd type="none" w="med" len="med"/>
-                    </a:lnR>
-                    <a:lnT w="12700" cap="flat" cmpd="sng" algn="ctr">
-                      <a:solidFill>
-                        <a:schemeClr val="tx1"/>
-                      </a:solidFill>
-                      <a:prstDash val="solid"/>
-                      <a:round/>
-                      <a:headEnd type="none" w="med" len="med"/>
-                      <a:tailEnd type="none" w="med" len="med"/>
-                    </a:lnT>
-                    <a:lnB w="12700" cap="flat" cmpd="sng" algn="ctr">
-                      <a:solidFill>
-                        <a:schemeClr val="tx1"/>
-                      </a:solidFill>
-                      <a:prstDash val="solid"/>
-                      <a:round/>
-                      <a:headEnd type="none" w="med" len="med"/>
-                      <a:tailEnd type="none" w="med" len="med"/>
-                    </a:lnB>
-                  </a:tcPr>
-                </a:tc>
-                <a:tc>
-                  <a:txBody>
-                    <a:bodyPr/>
-                    <a:lstStyle/>
-                    <a:p>
-                      <a:pPr marL="81915">
-                        <a:lnSpc>
-                          <a:spcPct val="107000"/>
-                        </a:lnSpc>
-                        <a:spcAft>
-                          <a:spcPts val="0"/>
-                        </a:spcAft>
-                      </a:pPr>
-                      <a:r>
-                        <a:rPr lang="en-US" sz="1200">
-                          <a:effectLst/>
-                          <a:latin typeface="Cambria" panose="02040503050406030204" pitchFamily="18" charset="0"/>
-                          <a:ea typeface="Calibri" panose="020F0502020204030204" pitchFamily="34" charset="0"/>
-                          <a:cs typeface="Arial" panose="020B0604020202020204" pitchFamily="34" charset="0"/>
-                        </a:rPr>
-                        <a:t> </a:t>
-                      </a:r>
-                      <a:endParaRPr lang="id-ID" sz="1100">
-                        <a:effectLst/>
-                        <a:latin typeface="Calibri" panose="020F0502020204030204" pitchFamily="34" charset="0"/>
-                        <a:ea typeface="Calibri" panose="020F0502020204030204" pitchFamily="34" charset="0"/>
-                        <a:cs typeface="Arial" panose="020B0604020202020204" pitchFamily="34" charset="0"/>
-                      </a:endParaRPr>
-                    </a:p>
-                  </a:txBody>
-                  <a:tcPr marL="9525" marR="9525" marT="9525" marB="0" anchor="ctr">
-                    <a:lnL w="12700" cap="flat" cmpd="sng" algn="ctr">
-                      <a:solidFill>
-                        <a:schemeClr val="tx1"/>
-                      </a:solidFill>
-                      <a:prstDash val="solid"/>
-                      <a:round/>
-                      <a:headEnd type="none" w="med" len="med"/>
-                      <a:tailEnd type="none" w="med" len="med"/>
-                    </a:lnL>
-                    <a:lnR w="12700" cap="flat" cmpd="sng" algn="ctr">
-                      <a:solidFill>
-                        <a:schemeClr val="tx1"/>
-                      </a:solidFill>
-                      <a:prstDash val="solid"/>
-                      <a:round/>
-                      <a:headEnd type="none" w="med" len="med"/>
-                      <a:tailEnd type="none" w="med" len="med"/>
-                    </a:lnR>
-                    <a:lnT w="12700" cap="flat" cmpd="sng" algn="ctr">
-                      <a:solidFill>
-                        <a:schemeClr val="tx1"/>
-                      </a:solidFill>
-                      <a:prstDash val="solid"/>
-                      <a:round/>
-                      <a:headEnd type="none" w="med" len="med"/>
-                      <a:tailEnd type="none" w="med" len="med"/>
-                    </a:lnT>
-                    <a:lnB w="12700" cap="flat" cmpd="sng" algn="ctr">
-                      <a:solidFill>
-                        <a:schemeClr val="tx1"/>
-                      </a:solidFill>
-                      <a:prstDash val="solid"/>
-                      <a:round/>
-                      <a:headEnd type="none" w="med" len="med"/>
-                      <a:tailEnd type="none" w="med" len="med"/>
-                    </a:lnB>
-                  </a:tcPr>
-                </a:tc>
-              </a:tr>
-              <a:tr h="330037">
-                <a:tc>
-                  <a:txBody>
-                    <a:bodyPr/>
-                    <a:lstStyle/>
-                    <a:p>
-                      <a:pPr marL="78740">
-                        <a:lnSpc>
-                          <a:spcPct val="107000"/>
-                        </a:lnSpc>
-                        <a:spcAft>
-                          <a:spcPts val="0"/>
-                        </a:spcAft>
-                      </a:pPr>
-                      <a:r>
-                        <a:rPr lang="en-US" sz="1200">
-                          <a:effectLst/>
-                          <a:latin typeface="Cambria" panose="02040503050406030204" pitchFamily="18" charset="0"/>
-                          <a:ea typeface="Calibri" panose="020F0502020204030204" pitchFamily="34" charset="0"/>
-                          <a:cs typeface="Arial" panose="020B0604020202020204" pitchFamily="34" charset="0"/>
-                        </a:rPr>
-                        <a:t>Review By			:</a:t>
-                      </a:r>
-                      <a:endParaRPr lang="id-ID" sz="1100">
-                        <a:effectLst/>
-                        <a:latin typeface="Calibri" panose="020F0502020204030204" pitchFamily="34" charset="0"/>
-                        <a:ea typeface="Calibri" panose="020F0502020204030204" pitchFamily="34" charset="0"/>
-                        <a:cs typeface="Arial" panose="020B0604020202020204" pitchFamily="34" charset="0"/>
-                      </a:endParaRPr>
-                    </a:p>
-                  </a:txBody>
-                  <a:tcPr marL="9525" marR="9525" marT="9525" marB="0" anchor="ctr">
-                    <a:lnL w="12700" cap="flat" cmpd="sng" algn="ctr">
-                      <a:solidFill>
-                        <a:schemeClr val="tx1"/>
-                      </a:solidFill>
-                      <a:prstDash val="solid"/>
-                      <a:round/>
-                      <a:headEnd type="none" w="med" len="med"/>
-                      <a:tailEnd type="none" w="med" len="med"/>
-                    </a:lnL>
-                    <a:lnR w="12700" cap="flat" cmpd="sng" algn="ctr">
-                      <a:solidFill>
-                        <a:schemeClr val="tx1"/>
-                      </a:solidFill>
-                      <a:prstDash val="solid"/>
-                      <a:round/>
-                      <a:headEnd type="none" w="med" len="med"/>
-                      <a:tailEnd type="none" w="med" len="med"/>
-                    </a:lnR>
-                    <a:lnT w="12700" cap="flat" cmpd="sng" algn="ctr">
-                      <a:solidFill>
-                        <a:schemeClr val="tx1"/>
-                      </a:solidFill>
-                      <a:prstDash val="solid"/>
-                      <a:round/>
-                      <a:headEnd type="none" w="med" len="med"/>
-                      <a:tailEnd type="none" w="med" len="med"/>
-                    </a:lnT>
-                    <a:lnB w="12700" cap="flat" cmpd="sng" algn="ctr">
-                      <a:solidFill>
-                        <a:schemeClr val="tx1"/>
-                      </a:solidFill>
-                      <a:prstDash val="solid"/>
-                      <a:round/>
-                      <a:headEnd type="none" w="med" len="med"/>
-                      <a:tailEnd type="none" w="med" len="med"/>
-                    </a:lnB>
-                  </a:tcPr>
-                </a:tc>
-                <a:tc>
-                  <a:txBody>
-                    <a:bodyPr/>
-                    <a:lstStyle/>
-                    <a:p>
-                      <a:pPr marL="81915">
-                        <a:lnSpc>
-                          <a:spcPct val="107000"/>
-                        </a:lnSpc>
-                        <a:spcAft>
-                          <a:spcPts val="0"/>
-                        </a:spcAft>
-                      </a:pPr>
-                      <a:r>
-                        <a:rPr lang="id-ID" sz="1200">
-                          <a:effectLst/>
-                          <a:latin typeface="Cambria" panose="02040503050406030204" pitchFamily="18" charset="0"/>
-                          <a:ea typeface="Calibri" panose="020F0502020204030204" pitchFamily="34" charset="0"/>
-                          <a:cs typeface="Arial" panose="020B0604020202020204" pitchFamily="34" charset="0"/>
-                        </a:rPr>
-                        <a:t>Dani Crowther</a:t>
-                      </a:r>
-                      <a:endParaRPr lang="id-ID" sz="1100">
-                        <a:effectLst/>
-                        <a:latin typeface="Calibri" panose="020F0502020204030204" pitchFamily="34" charset="0"/>
-                        <a:ea typeface="Calibri" panose="020F0502020204030204" pitchFamily="34" charset="0"/>
-                        <a:cs typeface="Arial" panose="020B0604020202020204" pitchFamily="34" charset="0"/>
-                      </a:endParaRPr>
-                    </a:p>
-                  </a:txBody>
-                  <a:tcPr marL="9525" marR="9525" marT="9525" marB="0" anchor="ctr">
-                    <a:lnL w="12700" cap="flat" cmpd="sng" algn="ctr">
-                      <a:solidFill>
-                        <a:schemeClr val="tx1"/>
-                      </a:solidFill>
-                      <a:prstDash val="solid"/>
-                      <a:round/>
-                      <a:headEnd type="none" w="med" len="med"/>
-                      <a:tailEnd type="none" w="med" len="med"/>
-                    </a:lnL>
-                    <a:lnR w="12700" cap="flat" cmpd="sng" algn="ctr">
-                      <a:solidFill>
-                        <a:schemeClr val="tx1"/>
-                      </a:solidFill>
-                      <a:prstDash val="solid"/>
-                      <a:round/>
-                      <a:headEnd type="none" w="med" len="med"/>
-                      <a:tailEnd type="none" w="med" len="med"/>
-                    </a:lnR>
-                    <a:lnT w="12700" cap="flat" cmpd="sng" algn="ctr">
-                      <a:solidFill>
-                        <a:schemeClr val="tx1"/>
-                      </a:solidFill>
-                      <a:prstDash val="solid"/>
-                      <a:round/>
-                      <a:headEnd type="none" w="med" len="med"/>
-                      <a:tailEnd type="none" w="med" len="med"/>
-                    </a:lnT>
-                    <a:lnB w="12700" cap="flat" cmpd="sng" algn="ctr">
-                      <a:solidFill>
-                        <a:schemeClr val="tx1"/>
-                      </a:solidFill>
-                      <a:prstDash val="solid"/>
-                      <a:round/>
-                      <a:headEnd type="none" w="med" len="med"/>
-                      <a:tailEnd type="none" w="med" len="med"/>
-                    </a:lnB>
-                  </a:tcPr>
-                </a:tc>
-                <a:tc>
-                  <a:txBody>
-                    <a:bodyPr/>
-                    <a:lstStyle/>
-                    <a:p>
-                      <a:pPr marL="85090">
-                        <a:lnSpc>
-                          <a:spcPct val="107000"/>
-                        </a:lnSpc>
-                        <a:spcAft>
-                          <a:spcPts val="0"/>
-                        </a:spcAft>
-                      </a:pPr>
-                      <a:r>
-                        <a:rPr lang="en-US" sz="1200">
-                          <a:effectLst/>
-                          <a:latin typeface="Cambria" panose="02040503050406030204" pitchFamily="18" charset="0"/>
-                          <a:ea typeface="Calibri" panose="020F0502020204030204" pitchFamily="34" charset="0"/>
-                          <a:cs typeface="Arial" panose="020B0604020202020204" pitchFamily="34" charset="0"/>
-                        </a:rPr>
-                        <a:t>QA Manager</a:t>
-                      </a:r>
-                      <a:endParaRPr lang="id-ID" sz="1100">
-                        <a:effectLst/>
-                        <a:latin typeface="Calibri" panose="020F0502020204030204" pitchFamily="34" charset="0"/>
-                        <a:ea typeface="Calibri" panose="020F0502020204030204" pitchFamily="34" charset="0"/>
-                        <a:cs typeface="Arial" panose="020B0604020202020204" pitchFamily="34" charset="0"/>
-                      </a:endParaRPr>
-                    </a:p>
-                  </a:txBody>
-                  <a:tcPr marL="9525" marR="9525" marT="9525" marB="0" anchor="ctr">
-                    <a:lnL w="12700" cap="flat" cmpd="sng" algn="ctr">
-                      <a:solidFill>
-                        <a:schemeClr val="tx1"/>
-                      </a:solidFill>
-                      <a:prstDash val="solid"/>
-                      <a:round/>
-                      <a:headEnd type="none" w="med" len="med"/>
-                      <a:tailEnd type="none" w="med" len="med"/>
-                    </a:lnL>
-                    <a:lnR w="12700" cap="flat" cmpd="sng" algn="ctr">
-                      <a:solidFill>
-                        <a:schemeClr val="tx1"/>
-                      </a:solidFill>
-                      <a:prstDash val="solid"/>
-                      <a:round/>
-                      <a:headEnd type="none" w="med" len="med"/>
-                      <a:tailEnd type="none" w="med" len="med"/>
-                    </a:lnR>
-                    <a:lnT w="12700" cap="flat" cmpd="sng" algn="ctr">
-                      <a:solidFill>
-                        <a:schemeClr val="tx1"/>
-                      </a:solidFill>
-                      <a:prstDash val="solid"/>
-                      <a:round/>
-                      <a:headEnd type="none" w="med" len="med"/>
-                      <a:tailEnd type="none" w="med" len="med"/>
-                    </a:lnT>
-                    <a:lnB w="12700" cap="flat" cmpd="sng" algn="ctr">
-                      <a:solidFill>
-                        <a:schemeClr val="tx1"/>
-                      </a:solidFill>
-                      <a:prstDash val="solid"/>
-                      <a:round/>
-                      <a:headEnd type="none" w="med" len="med"/>
-                      <a:tailEnd type="none" w="med" len="med"/>
-                    </a:lnB>
-                  </a:tcPr>
-                </a:tc>
-                <a:tc>
-                  <a:txBody>
-                    <a:bodyPr/>
-                    <a:lstStyle/>
-                    <a:p>
-                      <a:pPr marL="81915">
-                        <a:lnSpc>
-                          <a:spcPct val="107000"/>
-                        </a:lnSpc>
-                        <a:spcAft>
-                          <a:spcPts val="0"/>
-                        </a:spcAft>
-                      </a:pPr>
-                      <a:r>
-                        <a:rPr lang="en-US" sz="1200">
-                          <a:effectLst/>
-                          <a:latin typeface="Cambria" panose="02040503050406030204" pitchFamily="18" charset="0"/>
-                          <a:ea typeface="Calibri" panose="020F0502020204030204" pitchFamily="34" charset="0"/>
-                          <a:cs typeface="Arial" panose="020B0604020202020204" pitchFamily="34" charset="0"/>
-                        </a:rPr>
-                        <a:t> </a:t>
-                      </a:r>
-                      <a:endParaRPr lang="id-ID" sz="1100">
-                        <a:effectLst/>
-                        <a:latin typeface="Calibri" panose="020F0502020204030204" pitchFamily="34" charset="0"/>
-                        <a:ea typeface="Calibri" panose="020F0502020204030204" pitchFamily="34" charset="0"/>
-                        <a:cs typeface="Arial" panose="020B0604020202020204" pitchFamily="34" charset="0"/>
-                      </a:endParaRPr>
-                    </a:p>
-                  </a:txBody>
-                  <a:tcPr marL="9525" marR="9525" marT="9525" marB="0" anchor="ctr">
-                    <a:lnL w="12700" cap="flat" cmpd="sng" algn="ctr">
-                      <a:solidFill>
-                        <a:schemeClr val="tx1"/>
-                      </a:solidFill>
-                      <a:prstDash val="solid"/>
-                      <a:round/>
-                      <a:headEnd type="none" w="med" len="med"/>
-                      <a:tailEnd type="none" w="med" len="med"/>
-                    </a:lnL>
-                    <a:lnR w="12700" cap="flat" cmpd="sng" algn="ctr">
-                      <a:solidFill>
-                        <a:schemeClr val="tx1"/>
-                      </a:solidFill>
-                      <a:prstDash val="solid"/>
-                      <a:round/>
-                      <a:headEnd type="none" w="med" len="med"/>
-                      <a:tailEnd type="none" w="med" len="med"/>
-                    </a:lnR>
-                    <a:lnT w="12700" cap="flat" cmpd="sng" algn="ctr">
-                      <a:solidFill>
-                        <a:schemeClr val="tx1"/>
-                      </a:solidFill>
-                      <a:prstDash val="solid"/>
-                      <a:round/>
-                      <a:headEnd type="none" w="med" len="med"/>
-                      <a:tailEnd type="none" w="med" len="med"/>
-                    </a:lnT>
-                    <a:lnB w="12700" cap="flat" cmpd="sng" algn="ctr">
-                      <a:solidFill>
-                        <a:schemeClr val="tx1"/>
-                      </a:solidFill>
-                      <a:prstDash val="solid"/>
-                      <a:round/>
-                      <a:headEnd type="none" w="med" len="med"/>
-                      <a:tailEnd type="none" w="med" len="med"/>
-                    </a:lnB>
-                  </a:tcPr>
-                </a:tc>
-              </a:tr>
-              <a:tr h="330037">
-                <a:tc>
-                  <a:txBody>
-                    <a:bodyPr/>
-                    <a:lstStyle/>
-                    <a:p>
-                      <a:pPr marL="78740">
-                        <a:lnSpc>
-                          <a:spcPct val="107000"/>
-                        </a:lnSpc>
-                        <a:spcAft>
-                          <a:spcPts val="0"/>
-                        </a:spcAft>
-                      </a:pPr>
-                      <a:r>
-                        <a:rPr lang="en-US" sz="1200">
-                          <a:effectLst/>
-                          <a:latin typeface="Cambria" panose="02040503050406030204" pitchFamily="18" charset="0"/>
-                          <a:ea typeface="Calibri" panose="020F0502020204030204" pitchFamily="34" charset="0"/>
-                          <a:cs typeface="Arial" panose="020B0604020202020204" pitchFamily="34" charset="0"/>
-                        </a:rPr>
-                        <a:t>Review Comments		:</a:t>
-                      </a:r>
-                      <a:endParaRPr lang="id-ID" sz="1100">
-                        <a:effectLst/>
-                        <a:latin typeface="Calibri" panose="020F0502020204030204" pitchFamily="34" charset="0"/>
-                        <a:ea typeface="Calibri" panose="020F0502020204030204" pitchFamily="34" charset="0"/>
-                        <a:cs typeface="Arial" panose="020B0604020202020204" pitchFamily="34" charset="0"/>
-                      </a:endParaRPr>
-                    </a:p>
-                  </a:txBody>
-                  <a:tcPr marL="9525" marR="9525" marT="9525" marB="0" anchor="ctr">
-                    <a:lnL w="12700" cap="flat" cmpd="sng" algn="ctr">
-                      <a:solidFill>
-                        <a:schemeClr val="tx1"/>
-                      </a:solidFill>
-                      <a:prstDash val="solid"/>
-                      <a:round/>
-                      <a:headEnd type="none" w="med" len="med"/>
-                      <a:tailEnd type="none" w="med" len="med"/>
-                    </a:lnL>
-                    <a:lnR w="12700" cap="flat" cmpd="sng" algn="ctr">
-                      <a:solidFill>
-                        <a:schemeClr val="tx1"/>
-                      </a:solidFill>
-                      <a:prstDash val="solid"/>
-                      <a:round/>
-                      <a:headEnd type="none" w="med" len="med"/>
-                      <a:tailEnd type="none" w="med" len="med"/>
-                    </a:lnR>
-                    <a:lnT w="12700" cap="flat" cmpd="sng" algn="ctr">
-                      <a:solidFill>
-                        <a:schemeClr val="tx1"/>
-                      </a:solidFill>
-                      <a:prstDash val="solid"/>
-                      <a:round/>
-                      <a:headEnd type="none" w="med" len="med"/>
-                      <a:tailEnd type="none" w="med" len="med"/>
-                    </a:lnT>
-                    <a:lnB w="12700" cap="flat" cmpd="sng" algn="ctr">
-                      <a:solidFill>
-                        <a:schemeClr val="tx1"/>
-                      </a:solidFill>
-                      <a:prstDash val="solid"/>
-                      <a:round/>
-                      <a:headEnd type="none" w="med" len="med"/>
-                      <a:tailEnd type="none" w="med" len="med"/>
-                    </a:lnB>
-                  </a:tcPr>
-                </a:tc>
-                <a:tc>
-                  <a:txBody>
-                    <a:bodyPr/>
-                    <a:lstStyle/>
-                    <a:p>
-                      <a:pPr marL="81915">
-                        <a:lnSpc>
-                          <a:spcPct val="107000"/>
-                        </a:lnSpc>
-                        <a:spcAft>
-                          <a:spcPts val="0"/>
-                        </a:spcAft>
-                      </a:pPr>
-                      <a:r>
-                        <a:rPr lang="en-US" sz="1200">
-                          <a:effectLst/>
-                          <a:latin typeface="Cambria" panose="02040503050406030204" pitchFamily="18" charset="0"/>
-                          <a:ea typeface="Calibri" panose="020F0502020204030204" pitchFamily="34" charset="0"/>
-                          <a:cs typeface="Arial" panose="020B0604020202020204" pitchFamily="34" charset="0"/>
-                        </a:rPr>
-                        <a:t>Great</a:t>
-                      </a:r>
-                      <a:endParaRPr lang="id-ID" sz="1100">
-                        <a:effectLst/>
-                        <a:latin typeface="Calibri" panose="020F0502020204030204" pitchFamily="34" charset="0"/>
-                        <a:ea typeface="Calibri" panose="020F0502020204030204" pitchFamily="34" charset="0"/>
-                        <a:cs typeface="Arial" panose="020B0604020202020204" pitchFamily="34" charset="0"/>
-                      </a:endParaRPr>
-                    </a:p>
-                  </a:txBody>
-                  <a:tcPr marL="9525" marR="9525" marT="9525" marB="0" anchor="ctr">
-                    <a:lnL w="12700" cap="flat" cmpd="sng" algn="ctr">
-                      <a:solidFill>
-                        <a:schemeClr val="tx1"/>
-                      </a:solidFill>
-                      <a:prstDash val="solid"/>
-                      <a:round/>
-                      <a:headEnd type="none" w="med" len="med"/>
-                      <a:tailEnd type="none" w="med" len="med"/>
-                    </a:lnL>
-                    <a:lnR w="12700" cap="flat" cmpd="sng" algn="ctr">
-                      <a:solidFill>
-                        <a:schemeClr val="tx1"/>
-                      </a:solidFill>
-                      <a:prstDash val="solid"/>
-                      <a:round/>
-                      <a:headEnd type="none" w="med" len="med"/>
-                      <a:tailEnd type="none" w="med" len="med"/>
-                    </a:lnR>
-                    <a:lnT w="12700" cap="flat" cmpd="sng" algn="ctr">
-                      <a:solidFill>
-                        <a:schemeClr val="tx1"/>
-                      </a:solidFill>
-                      <a:prstDash val="solid"/>
-                      <a:round/>
-                      <a:headEnd type="none" w="med" len="med"/>
-                      <a:tailEnd type="none" w="med" len="med"/>
-                    </a:lnT>
-                    <a:lnB w="12700" cap="flat" cmpd="sng" algn="ctr">
-                      <a:solidFill>
-                        <a:schemeClr val="tx1"/>
-                      </a:solidFill>
-                      <a:prstDash val="solid"/>
-                      <a:round/>
-                      <a:headEnd type="none" w="med" len="med"/>
-                      <a:tailEnd type="none" w="med" len="med"/>
-                    </a:lnB>
-                  </a:tcPr>
-                </a:tc>
-                <a:tc>
-                  <a:txBody>
-                    <a:bodyPr/>
-                    <a:lstStyle/>
-                    <a:p>
-                      <a:pPr marL="85090">
-                        <a:lnSpc>
-                          <a:spcPct val="107000"/>
-                        </a:lnSpc>
-                        <a:spcAft>
-                          <a:spcPts val="0"/>
-                        </a:spcAft>
-                      </a:pPr>
-                      <a:r>
-                        <a:rPr lang="en-US" sz="1200">
-                          <a:effectLst/>
-                          <a:latin typeface="Cambria" panose="02040503050406030204" pitchFamily="18" charset="0"/>
-                          <a:ea typeface="Calibri" panose="020F0502020204030204" pitchFamily="34" charset="0"/>
-                          <a:cs typeface="Arial" panose="020B0604020202020204" pitchFamily="34" charset="0"/>
-                        </a:rPr>
-                        <a:t> </a:t>
-                      </a:r>
-                      <a:endParaRPr lang="id-ID" sz="1100">
-                        <a:effectLst/>
-                        <a:latin typeface="Calibri" panose="020F0502020204030204" pitchFamily="34" charset="0"/>
-                        <a:ea typeface="Calibri" panose="020F0502020204030204" pitchFamily="34" charset="0"/>
-                        <a:cs typeface="Arial" panose="020B0604020202020204" pitchFamily="34" charset="0"/>
-                      </a:endParaRPr>
-                    </a:p>
-                  </a:txBody>
-                  <a:tcPr marL="9525" marR="9525" marT="9525" marB="0" anchor="ctr">
-                    <a:lnL w="12700" cap="flat" cmpd="sng" algn="ctr">
-                      <a:solidFill>
-                        <a:schemeClr val="tx1"/>
-                      </a:solidFill>
-                      <a:prstDash val="solid"/>
-                      <a:round/>
-                      <a:headEnd type="none" w="med" len="med"/>
-                      <a:tailEnd type="none" w="med" len="med"/>
-                    </a:lnL>
-                    <a:lnR w="12700" cap="flat" cmpd="sng" algn="ctr">
-                      <a:solidFill>
-                        <a:schemeClr val="tx1"/>
-                      </a:solidFill>
-                      <a:prstDash val="solid"/>
-                      <a:round/>
-                      <a:headEnd type="none" w="med" len="med"/>
-                      <a:tailEnd type="none" w="med" len="med"/>
-                    </a:lnR>
-                    <a:lnT w="12700" cap="flat" cmpd="sng" algn="ctr">
-                      <a:solidFill>
-                        <a:schemeClr val="tx1"/>
-                      </a:solidFill>
-                      <a:prstDash val="solid"/>
-                      <a:round/>
-                      <a:headEnd type="none" w="med" len="med"/>
-                      <a:tailEnd type="none" w="med" len="med"/>
-                    </a:lnT>
-                    <a:lnB w="12700" cap="flat" cmpd="sng" algn="ctr">
-                      <a:solidFill>
-                        <a:schemeClr val="tx1"/>
-                      </a:solidFill>
-                      <a:prstDash val="solid"/>
-                      <a:round/>
-                      <a:headEnd type="none" w="med" len="med"/>
-                      <a:tailEnd type="none" w="med" len="med"/>
-                    </a:lnB>
-                  </a:tcPr>
-                </a:tc>
-                <a:tc>
-                  <a:txBody>
-                    <a:bodyPr/>
-                    <a:lstStyle/>
-                    <a:p>
-                      <a:pPr marL="81915">
-                        <a:lnSpc>
-                          <a:spcPct val="107000"/>
-                        </a:lnSpc>
-                        <a:spcAft>
-                          <a:spcPts val="0"/>
-                        </a:spcAft>
-                      </a:pPr>
-                      <a:r>
-                        <a:rPr lang="en-US" sz="1200">
-                          <a:effectLst/>
-                          <a:latin typeface="Cambria" panose="02040503050406030204" pitchFamily="18" charset="0"/>
-                          <a:ea typeface="Calibri" panose="020F0502020204030204" pitchFamily="34" charset="0"/>
-                          <a:cs typeface="Arial" panose="020B0604020202020204" pitchFamily="34" charset="0"/>
-                        </a:rPr>
-                        <a:t> </a:t>
-                      </a:r>
-                      <a:endParaRPr lang="id-ID" sz="1100">
-                        <a:effectLst/>
-                        <a:latin typeface="Calibri" panose="020F0502020204030204" pitchFamily="34" charset="0"/>
-                        <a:ea typeface="Calibri" panose="020F0502020204030204" pitchFamily="34" charset="0"/>
-                        <a:cs typeface="Arial" panose="020B0604020202020204" pitchFamily="34" charset="0"/>
-                      </a:endParaRPr>
-                    </a:p>
-                  </a:txBody>
-                  <a:tcPr marL="9525" marR="9525" marT="9525" marB="0" anchor="ctr">
-                    <a:lnL w="12700" cap="flat" cmpd="sng" algn="ctr">
-                      <a:solidFill>
-                        <a:schemeClr val="tx1"/>
-                      </a:solidFill>
-                      <a:prstDash val="solid"/>
-                      <a:round/>
-                      <a:headEnd type="none" w="med" len="med"/>
-                      <a:tailEnd type="none" w="med" len="med"/>
-                    </a:lnL>
-                    <a:lnR w="12700" cap="flat" cmpd="sng" algn="ctr">
-                      <a:solidFill>
-                        <a:schemeClr val="tx1"/>
-                      </a:solidFill>
-                      <a:prstDash val="solid"/>
-                      <a:round/>
-                      <a:headEnd type="none" w="med" len="med"/>
-                      <a:tailEnd type="none" w="med" len="med"/>
-                    </a:lnR>
-                    <a:lnT w="12700" cap="flat" cmpd="sng" algn="ctr">
-                      <a:solidFill>
-                        <a:schemeClr val="tx1"/>
-                      </a:solidFill>
-                      <a:prstDash val="solid"/>
-                      <a:round/>
-                      <a:headEnd type="none" w="med" len="med"/>
-                      <a:tailEnd type="none" w="med" len="med"/>
-                    </a:lnT>
-                    <a:lnB w="12700" cap="flat" cmpd="sng" algn="ctr">
-                      <a:solidFill>
-                        <a:schemeClr val="tx1"/>
-                      </a:solidFill>
-                      <a:prstDash val="solid"/>
-                      <a:round/>
-                      <a:headEnd type="none" w="med" len="med"/>
-                      <a:tailEnd type="none" w="med" len="med"/>
-                    </a:lnB>
-                  </a:tcPr>
-                </a:tc>
-              </a:tr>
-              <a:tr h="330037">
-                <a:tc>
-                  <a:txBody>
-                    <a:bodyPr/>
-                    <a:lstStyle/>
-                    <a:p>
-                      <a:pPr marL="78740">
-                        <a:lnSpc>
-                          <a:spcPct val="107000"/>
-                        </a:lnSpc>
-                        <a:spcAft>
-                          <a:spcPts val="0"/>
-                        </a:spcAft>
-                      </a:pPr>
-                      <a:r>
-                        <a:rPr lang="en-US" sz="1200">
-                          <a:effectLst/>
-                          <a:latin typeface="Cambria" panose="02040503050406030204" pitchFamily="18" charset="0"/>
-                          <a:ea typeface="Calibri" panose="020F0502020204030204" pitchFamily="34" charset="0"/>
-                          <a:cs typeface="Arial" panose="020B0604020202020204" pitchFamily="34" charset="0"/>
-                        </a:rPr>
-                        <a:t>Current Version		:</a:t>
-                      </a:r>
-                      <a:endParaRPr lang="id-ID" sz="1100">
-                        <a:effectLst/>
-                        <a:latin typeface="Calibri" panose="020F0502020204030204" pitchFamily="34" charset="0"/>
-                        <a:ea typeface="Calibri" panose="020F0502020204030204" pitchFamily="34" charset="0"/>
-                        <a:cs typeface="Arial" panose="020B0604020202020204" pitchFamily="34" charset="0"/>
-                      </a:endParaRPr>
-                    </a:p>
-                  </a:txBody>
-                  <a:tcPr marL="9525" marR="9525" marT="9525" marB="0" anchor="ctr">
-                    <a:lnL w="12700" cap="flat" cmpd="sng" algn="ctr">
-                      <a:solidFill>
-                        <a:schemeClr val="tx1"/>
-                      </a:solidFill>
-                      <a:prstDash val="solid"/>
-                      <a:round/>
-                      <a:headEnd type="none" w="med" len="med"/>
-                      <a:tailEnd type="none" w="med" len="med"/>
-                    </a:lnL>
-                    <a:lnR w="12700" cap="flat" cmpd="sng" algn="ctr">
-                      <a:solidFill>
-                        <a:schemeClr val="tx1"/>
-                      </a:solidFill>
-                      <a:prstDash val="solid"/>
-                      <a:round/>
-                      <a:headEnd type="none" w="med" len="med"/>
-                      <a:tailEnd type="none" w="med" len="med"/>
-                    </a:lnR>
-                    <a:lnT w="12700" cap="flat" cmpd="sng" algn="ctr">
-                      <a:solidFill>
-                        <a:schemeClr val="tx1"/>
-                      </a:solidFill>
-                      <a:prstDash val="solid"/>
-                      <a:round/>
-                      <a:headEnd type="none" w="med" len="med"/>
-                      <a:tailEnd type="none" w="med" len="med"/>
-                    </a:lnT>
-                    <a:lnB w="12700" cap="flat" cmpd="sng" algn="ctr">
-                      <a:solidFill>
-                        <a:schemeClr val="tx1"/>
-                      </a:solidFill>
-                      <a:prstDash val="solid"/>
-                      <a:round/>
-                      <a:headEnd type="none" w="med" len="med"/>
-                      <a:tailEnd type="none" w="med" len="med"/>
-                    </a:lnB>
-                  </a:tcPr>
-                </a:tc>
-                <a:tc>
-                  <a:txBody>
-                    <a:bodyPr/>
-                    <a:lstStyle/>
-                    <a:p>
-                      <a:pPr marL="81915">
-                        <a:lnSpc>
-                          <a:spcPct val="107000"/>
-                        </a:lnSpc>
-                        <a:spcAft>
-                          <a:spcPts val="0"/>
-                        </a:spcAft>
-                      </a:pPr>
-                      <a:r>
-                        <a:rPr lang="en-SG" sz="1200">
-                          <a:effectLst/>
-                          <a:latin typeface="Cambria" panose="02040503050406030204" pitchFamily="18" charset="0"/>
-                          <a:ea typeface="Calibri" panose="020F0502020204030204" pitchFamily="34" charset="0"/>
-                          <a:cs typeface="Arial" panose="020B0604020202020204" pitchFamily="34" charset="0"/>
-                        </a:rPr>
-                        <a:t>1.0.0</a:t>
-                      </a:r>
-                      <a:endParaRPr lang="id-ID" sz="1100">
-                        <a:effectLst/>
-                        <a:latin typeface="Calibri" panose="020F0502020204030204" pitchFamily="34" charset="0"/>
-                        <a:ea typeface="Calibri" panose="020F0502020204030204" pitchFamily="34" charset="0"/>
-                        <a:cs typeface="Arial" panose="020B0604020202020204" pitchFamily="34" charset="0"/>
-                      </a:endParaRPr>
-                    </a:p>
-                  </a:txBody>
-                  <a:tcPr marL="9525" marR="9525" marT="9525" marB="0" anchor="ctr">
-                    <a:lnL w="12700" cap="flat" cmpd="sng" algn="ctr">
-                      <a:solidFill>
-                        <a:schemeClr val="tx1"/>
-                      </a:solidFill>
-                      <a:prstDash val="solid"/>
-                      <a:round/>
-                      <a:headEnd type="none" w="med" len="med"/>
-                      <a:tailEnd type="none" w="med" len="med"/>
-                    </a:lnL>
-                    <a:lnR w="12700" cap="flat" cmpd="sng" algn="ctr">
-                      <a:solidFill>
-                        <a:schemeClr val="tx1"/>
-                      </a:solidFill>
-                      <a:prstDash val="solid"/>
-                      <a:round/>
-                      <a:headEnd type="none" w="med" len="med"/>
-                      <a:tailEnd type="none" w="med" len="med"/>
-                    </a:lnR>
-                    <a:lnT w="12700" cap="flat" cmpd="sng" algn="ctr">
-                      <a:solidFill>
-                        <a:schemeClr val="tx1"/>
-                      </a:solidFill>
-                      <a:prstDash val="solid"/>
-                      <a:round/>
-                      <a:headEnd type="none" w="med" len="med"/>
-                      <a:tailEnd type="none" w="med" len="med"/>
-                    </a:lnT>
-                    <a:lnB w="12700" cap="flat" cmpd="sng" algn="ctr">
-                      <a:solidFill>
-                        <a:schemeClr val="tx1"/>
-                      </a:solidFill>
-                      <a:prstDash val="solid"/>
-                      <a:round/>
-                      <a:headEnd type="none" w="med" len="med"/>
-                      <a:tailEnd type="none" w="med" len="med"/>
-                    </a:lnB>
-                  </a:tcPr>
-                </a:tc>
-                <a:tc>
-                  <a:txBody>
-                    <a:bodyPr/>
-                    <a:lstStyle/>
-                    <a:p>
-                      <a:pPr marL="85090">
-                        <a:lnSpc>
-                          <a:spcPct val="107000"/>
-                        </a:lnSpc>
-                        <a:spcAft>
-                          <a:spcPts val="0"/>
-                        </a:spcAft>
-                      </a:pPr>
-                      <a:r>
-                        <a:rPr lang="en-US" sz="1200">
-                          <a:effectLst/>
-                          <a:latin typeface="Cambria" panose="02040503050406030204" pitchFamily="18" charset="0"/>
-                          <a:ea typeface="Calibri" panose="020F0502020204030204" pitchFamily="34" charset="0"/>
-                          <a:cs typeface="Arial" panose="020B0604020202020204" pitchFamily="34" charset="0"/>
-                        </a:rPr>
-                        <a:t> </a:t>
-                      </a:r>
-                      <a:endParaRPr lang="id-ID" sz="1100">
-                        <a:effectLst/>
-                        <a:latin typeface="Calibri" panose="020F0502020204030204" pitchFamily="34" charset="0"/>
-                        <a:ea typeface="Calibri" panose="020F0502020204030204" pitchFamily="34" charset="0"/>
-                        <a:cs typeface="Arial" panose="020B0604020202020204" pitchFamily="34" charset="0"/>
-                      </a:endParaRPr>
-                    </a:p>
-                  </a:txBody>
-                  <a:tcPr marL="9525" marR="9525" marT="9525" marB="0" anchor="ctr">
-                    <a:lnL w="12700" cap="flat" cmpd="sng" algn="ctr">
-                      <a:solidFill>
-                        <a:schemeClr val="tx1"/>
-                      </a:solidFill>
-                      <a:prstDash val="solid"/>
-                      <a:round/>
-                      <a:headEnd type="none" w="med" len="med"/>
-                      <a:tailEnd type="none" w="med" len="med"/>
-                    </a:lnL>
-                    <a:lnR w="12700" cap="flat" cmpd="sng" algn="ctr">
-                      <a:solidFill>
-                        <a:schemeClr val="tx1"/>
-                      </a:solidFill>
-                      <a:prstDash val="solid"/>
-                      <a:round/>
-                      <a:headEnd type="none" w="med" len="med"/>
-                      <a:tailEnd type="none" w="med" len="med"/>
-                    </a:lnR>
-                    <a:lnT w="12700" cap="flat" cmpd="sng" algn="ctr">
-                      <a:solidFill>
-                        <a:schemeClr val="tx1"/>
-                      </a:solidFill>
-                      <a:prstDash val="solid"/>
-                      <a:round/>
-                      <a:headEnd type="none" w="med" len="med"/>
-                      <a:tailEnd type="none" w="med" len="med"/>
-                    </a:lnT>
-                    <a:lnB w="12700" cap="flat" cmpd="sng" algn="ctr">
-                      <a:solidFill>
-                        <a:schemeClr val="tx1"/>
-                      </a:solidFill>
-                      <a:prstDash val="solid"/>
-                      <a:round/>
-                      <a:headEnd type="none" w="med" len="med"/>
-                      <a:tailEnd type="none" w="med" len="med"/>
-                    </a:lnB>
-                  </a:tcPr>
-                </a:tc>
-                <a:tc>
-                  <a:txBody>
-                    <a:bodyPr/>
-                    <a:lstStyle/>
-                    <a:p>
-                      <a:pPr marL="81915">
-                        <a:lnSpc>
-                          <a:spcPct val="107000"/>
-                        </a:lnSpc>
-                        <a:spcAft>
-                          <a:spcPts val="0"/>
-                        </a:spcAft>
-                      </a:pPr>
-                      <a:r>
-                        <a:rPr lang="en-US" sz="1200">
-                          <a:effectLst/>
-                          <a:latin typeface="Cambria" panose="02040503050406030204" pitchFamily="18" charset="0"/>
-                          <a:ea typeface="Calibri" panose="020F0502020204030204" pitchFamily="34" charset="0"/>
-                          <a:cs typeface="Arial" panose="020B0604020202020204" pitchFamily="34" charset="0"/>
-                        </a:rPr>
-                        <a:t> </a:t>
-                      </a:r>
-                      <a:endParaRPr lang="id-ID" sz="1100">
-                        <a:effectLst/>
-                        <a:latin typeface="Calibri" panose="020F0502020204030204" pitchFamily="34" charset="0"/>
-                        <a:ea typeface="Calibri" panose="020F0502020204030204" pitchFamily="34" charset="0"/>
-                        <a:cs typeface="Arial" panose="020B0604020202020204" pitchFamily="34" charset="0"/>
-                      </a:endParaRPr>
-                    </a:p>
-                  </a:txBody>
-                  <a:tcPr marL="9525" marR="9525" marT="9525" marB="0" anchor="ctr">
-                    <a:lnL w="12700" cap="flat" cmpd="sng" algn="ctr">
-                      <a:solidFill>
-                        <a:schemeClr val="tx1"/>
-                      </a:solidFill>
-                      <a:prstDash val="solid"/>
-                      <a:round/>
-                      <a:headEnd type="none" w="med" len="med"/>
-                      <a:tailEnd type="none" w="med" len="med"/>
-                    </a:lnL>
-                    <a:lnR w="12700" cap="flat" cmpd="sng" algn="ctr">
-                      <a:solidFill>
-                        <a:schemeClr val="tx1"/>
-                      </a:solidFill>
-                      <a:prstDash val="solid"/>
-                      <a:round/>
-                      <a:headEnd type="none" w="med" len="med"/>
-                      <a:tailEnd type="none" w="med" len="med"/>
-                    </a:lnR>
-                    <a:lnT w="12700" cap="flat" cmpd="sng" algn="ctr">
-                      <a:solidFill>
-                        <a:schemeClr val="tx1"/>
-                      </a:solidFill>
-                      <a:prstDash val="solid"/>
-                      <a:round/>
-                      <a:headEnd type="none" w="med" len="med"/>
-                      <a:tailEnd type="none" w="med" len="med"/>
-                    </a:lnT>
-                    <a:lnB w="12700" cap="flat" cmpd="sng" algn="ctr">
-                      <a:solidFill>
-                        <a:schemeClr val="tx1"/>
-                      </a:solidFill>
-                      <a:prstDash val="solid"/>
-                      <a:round/>
-                      <a:headEnd type="none" w="med" len="med"/>
-                      <a:tailEnd type="none" w="med" len="med"/>
-                    </a:lnB>
-                  </a:tcPr>
-                </a:tc>
-              </a:tr>
-              <a:tr h="330037">
-                <a:tc>
-                  <a:txBody>
-                    <a:bodyPr/>
-                    <a:lstStyle/>
-                    <a:p>
-                      <a:pPr marL="78740">
-                        <a:lnSpc>
-                          <a:spcPct val="107000"/>
-                        </a:lnSpc>
-                        <a:spcAft>
-                          <a:spcPts val="0"/>
-                        </a:spcAft>
-                      </a:pPr>
-                      <a:r>
-                        <a:rPr lang="en-US" sz="1200">
-                          <a:effectLst/>
-                          <a:latin typeface="Cambria" panose="02040503050406030204" pitchFamily="18" charset="0"/>
-                          <a:ea typeface="Calibri" panose="020F0502020204030204" pitchFamily="34" charset="0"/>
-                          <a:cs typeface="Arial" panose="020B0604020202020204" pitchFamily="34" charset="0"/>
-                        </a:rPr>
-                        <a:t>Change Details		:</a:t>
-                      </a:r>
-                      <a:endParaRPr lang="id-ID" sz="1100">
-                        <a:effectLst/>
-                        <a:latin typeface="Calibri" panose="020F0502020204030204" pitchFamily="34" charset="0"/>
-                        <a:ea typeface="Calibri" panose="020F0502020204030204" pitchFamily="34" charset="0"/>
-                        <a:cs typeface="Arial" panose="020B0604020202020204" pitchFamily="34" charset="0"/>
-                      </a:endParaRPr>
-                    </a:p>
-                  </a:txBody>
-                  <a:tcPr marL="9525" marR="9525" marT="9525" marB="0" anchor="ctr">
-                    <a:lnL w="12700" cap="flat" cmpd="sng" algn="ctr">
-                      <a:solidFill>
-                        <a:schemeClr val="tx1"/>
-                      </a:solidFill>
-                      <a:prstDash val="solid"/>
-                      <a:round/>
-                      <a:headEnd type="none" w="med" len="med"/>
-                      <a:tailEnd type="none" w="med" len="med"/>
-                    </a:lnL>
-                    <a:lnR w="12700" cap="flat" cmpd="sng" algn="ctr">
-                      <a:solidFill>
-                        <a:schemeClr val="tx1"/>
-                      </a:solidFill>
-                      <a:prstDash val="solid"/>
-                      <a:round/>
-                      <a:headEnd type="none" w="med" len="med"/>
-                      <a:tailEnd type="none" w="med" len="med"/>
-                    </a:lnR>
-                    <a:lnT w="12700" cap="flat" cmpd="sng" algn="ctr">
-                      <a:solidFill>
-                        <a:schemeClr val="tx1"/>
-                      </a:solidFill>
-                      <a:prstDash val="solid"/>
-                      <a:round/>
-                      <a:headEnd type="none" w="med" len="med"/>
-                      <a:tailEnd type="none" w="med" len="med"/>
-                    </a:lnT>
-                    <a:lnB w="12700" cap="flat" cmpd="sng" algn="ctr">
-                      <a:solidFill>
-                        <a:schemeClr val="tx1"/>
-                      </a:solidFill>
-                      <a:prstDash val="solid"/>
-                      <a:round/>
-                      <a:headEnd type="none" w="med" len="med"/>
-                      <a:tailEnd type="none" w="med" len="med"/>
-                    </a:lnB>
-                  </a:tcPr>
-                </a:tc>
-                <a:tc>
-                  <a:txBody>
-                    <a:bodyPr/>
-                    <a:lstStyle/>
-                    <a:p>
-                      <a:pPr marL="81915">
-                        <a:lnSpc>
-                          <a:spcPct val="107000"/>
-                        </a:lnSpc>
-                        <a:spcAft>
-                          <a:spcPts val="0"/>
-                        </a:spcAft>
-                      </a:pPr>
-                      <a:r>
-                        <a:rPr lang="en-US" sz="1200">
-                          <a:effectLst/>
-                          <a:latin typeface="Cambria" panose="02040503050406030204" pitchFamily="18" charset="0"/>
-                          <a:ea typeface="Calibri" panose="020F0502020204030204" pitchFamily="34" charset="0"/>
-                          <a:cs typeface="Arial" panose="020B0604020202020204" pitchFamily="34" charset="0"/>
-                        </a:rPr>
-                        <a:t> </a:t>
-                      </a:r>
-                      <a:endParaRPr lang="id-ID" sz="1100">
-                        <a:effectLst/>
-                        <a:latin typeface="Calibri" panose="020F0502020204030204" pitchFamily="34" charset="0"/>
-                        <a:ea typeface="Calibri" panose="020F0502020204030204" pitchFamily="34" charset="0"/>
-                        <a:cs typeface="Arial" panose="020B0604020202020204" pitchFamily="34" charset="0"/>
-                      </a:endParaRPr>
-                    </a:p>
-                  </a:txBody>
-                  <a:tcPr marL="9525" marR="9525" marT="9525" marB="0" anchor="ctr">
-                    <a:lnL w="12700" cap="flat" cmpd="sng" algn="ctr">
-                      <a:solidFill>
-                        <a:schemeClr val="tx1"/>
-                      </a:solidFill>
-                      <a:prstDash val="solid"/>
-                      <a:round/>
-                      <a:headEnd type="none" w="med" len="med"/>
-                      <a:tailEnd type="none" w="med" len="med"/>
-                    </a:lnL>
-                    <a:lnR w="12700" cap="flat" cmpd="sng" algn="ctr">
-                      <a:solidFill>
-                        <a:schemeClr val="tx1"/>
-                      </a:solidFill>
-                      <a:prstDash val="solid"/>
-                      <a:round/>
-                      <a:headEnd type="none" w="med" len="med"/>
-                      <a:tailEnd type="none" w="med" len="med"/>
-                    </a:lnR>
-                    <a:lnT w="12700" cap="flat" cmpd="sng" algn="ctr">
-                      <a:solidFill>
-                        <a:schemeClr val="tx1"/>
-                      </a:solidFill>
-                      <a:prstDash val="solid"/>
-                      <a:round/>
-                      <a:headEnd type="none" w="med" len="med"/>
-                      <a:tailEnd type="none" w="med" len="med"/>
-                    </a:lnT>
-                    <a:lnB w="12700" cap="flat" cmpd="sng" algn="ctr">
-                      <a:solidFill>
-                        <a:schemeClr val="tx1"/>
-                      </a:solidFill>
-                      <a:prstDash val="solid"/>
-                      <a:round/>
-                      <a:headEnd type="none" w="med" len="med"/>
-                      <a:tailEnd type="none" w="med" len="med"/>
-                    </a:lnB>
-                  </a:tcPr>
-                </a:tc>
-                <a:tc>
-                  <a:txBody>
-                    <a:bodyPr/>
-                    <a:lstStyle/>
-                    <a:p>
-                      <a:pPr marL="85090">
-                        <a:lnSpc>
-                          <a:spcPct val="107000"/>
-                        </a:lnSpc>
-                        <a:spcAft>
-                          <a:spcPts val="0"/>
-                        </a:spcAft>
-                      </a:pPr>
-                      <a:r>
-                        <a:rPr lang="en-US" sz="1200">
-                          <a:effectLst/>
-                          <a:latin typeface="Cambria" panose="02040503050406030204" pitchFamily="18" charset="0"/>
-                          <a:ea typeface="Calibri" panose="020F0502020204030204" pitchFamily="34" charset="0"/>
-                          <a:cs typeface="Arial" panose="020B0604020202020204" pitchFamily="34" charset="0"/>
-                        </a:rPr>
-                        <a:t> </a:t>
-                      </a:r>
-                      <a:endParaRPr lang="id-ID" sz="1100">
-                        <a:effectLst/>
-                        <a:latin typeface="Calibri" panose="020F0502020204030204" pitchFamily="34" charset="0"/>
-                        <a:ea typeface="Calibri" panose="020F0502020204030204" pitchFamily="34" charset="0"/>
-                        <a:cs typeface="Arial" panose="020B0604020202020204" pitchFamily="34" charset="0"/>
-                      </a:endParaRPr>
-                    </a:p>
-                  </a:txBody>
-                  <a:tcPr marL="9525" marR="9525" marT="9525" marB="0" anchor="ctr">
-                    <a:lnL w="12700" cap="flat" cmpd="sng" algn="ctr">
-                      <a:solidFill>
-                        <a:schemeClr val="tx1"/>
-                      </a:solidFill>
-                      <a:prstDash val="solid"/>
-                      <a:round/>
-                      <a:headEnd type="none" w="med" len="med"/>
-                      <a:tailEnd type="none" w="med" len="med"/>
-                    </a:lnL>
-                    <a:lnR w="12700" cap="flat" cmpd="sng" algn="ctr">
-                      <a:solidFill>
-                        <a:schemeClr val="tx1"/>
-                      </a:solidFill>
-                      <a:prstDash val="solid"/>
-                      <a:round/>
-                      <a:headEnd type="none" w="med" len="med"/>
-                      <a:tailEnd type="none" w="med" len="med"/>
-                    </a:lnR>
-                    <a:lnT w="12700" cap="flat" cmpd="sng" algn="ctr">
-                      <a:solidFill>
-                        <a:schemeClr val="tx1"/>
-                      </a:solidFill>
-                      <a:prstDash val="solid"/>
-                      <a:round/>
-                      <a:headEnd type="none" w="med" len="med"/>
-                      <a:tailEnd type="none" w="med" len="med"/>
-                    </a:lnT>
-                    <a:lnB w="12700" cap="flat" cmpd="sng" algn="ctr">
-                      <a:solidFill>
-                        <a:schemeClr val="tx1"/>
-                      </a:solidFill>
-                      <a:prstDash val="solid"/>
-                      <a:round/>
-                      <a:headEnd type="none" w="med" len="med"/>
-                      <a:tailEnd type="none" w="med" len="med"/>
-                    </a:lnB>
-                  </a:tcPr>
-                </a:tc>
-                <a:tc>
-                  <a:txBody>
-                    <a:bodyPr/>
-                    <a:lstStyle/>
-                    <a:p>
-                      <a:pPr marL="81915">
-                        <a:lnSpc>
-                          <a:spcPct val="107000"/>
-                        </a:lnSpc>
-                        <a:spcAft>
-                          <a:spcPts val="0"/>
-                        </a:spcAft>
-                      </a:pPr>
-                      <a:r>
-                        <a:rPr lang="en-US" sz="1200">
-                          <a:effectLst/>
-                          <a:latin typeface="Cambria" panose="02040503050406030204" pitchFamily="18" charset="0"/>
-                          <a:ea typeface="Calibri" panose="020F0502020204030204" pitchFamily="34" charset="0"/>
-                          <a:cs typeface="Arial" panose="020B0604020202020204" pitchFamily="34" charset="0"/>
-                        </a:rPr>
-                        <a:t> </a:t>
-                      </a:r>
-                      <a:endParaRPr lang="id-ID" sz="1100">
-                        <a:effectLst/>
-                        <a:latin typeface="Calibri" panose="020F0502020204030204" pitchFamily="34" charset="0"/>
-                        <a:ea typeface="Calibri" panose="020F0502020204030204" pitchFamily="34" charset="0"/>
-                        <a:cs typeface="Arial" panose="020B0604020202020204" pitchFamily="34" charset="0"/>
-                      </a:endParaRPr>
-                    </a:p>
-                  </a:txBody>
-                  <a:tcPr marL="9525" marR="9525" marT="9525" marB="0" anchor="ctr">
-                    <a:lnL w="12700" cap="flat" cmpd="sng" algn="ctr">
-                      <a:solidFill>
-                        <a:schemeClr val="tx1"/>
-                      </a:solidFill>
-                      <a:prstDash val="solid"/>
-                      <a:round/>
-                      <a:headEnd type="none" w="med" len="med"/>
-                      <a:tailEnd type="none" w="med" len="med"/>
-                    </a:lnL>
-                    <a:lnR w="12700" cap="flat" cmpd="sng" algn="ctr">
-                      <a:solidFill>
-                        <a:schemeClr val="tx1"/>
-                      </a:solidFill>
-                      <a:prstDash val="solid"/>
-                      <a:round/>
-                      <a:headEnd type="none" w="med" len="med"/>
-                      <a:tailEnd type="none" w="med" len="med"/>
-                    </a:lnR>
-                    <a:lnT w="12700" cap="flat" cmpd="sng" algn="ctr">
-                      <a:solidFill>
-                        <a:schemeClr val="tx1"/>
-                      </a:solidFill>
-                      <a:prstDash val="solid"/>
-                      <a:round/>
-                      <a:headEnd type="none" w="med" len="med"/>
-                      <a:tailEnd type="none" w="med" len="med"/>
-                    </a:lnT>
-                    <a:lnB w="12700" cap="flat" cmpd="sng" algn="ctr">
-                      <a:solidFill>
-                        <a:schemeClr val="tx1"/>
-                      </a:solidFill>
-                      <a:prstDash val="solid"/>
-                      <a:round/>
-                      <a:headEnd type="none" w="med" len="med"/>
-                      <a:tailEnd type="none" w="med" len="med"/>
-                    </a:lnB>
-                  </a:tcPr>
-                </a:tc>
-              </a:tr>
-              <a:tr h="330037">
-                <a:tc>
-                  <a:txBody>
-                    <a:bodyPr/>
-                    <a:lstStyle/>
-                    <a:p>
-                      <a:pPr marL="78740">
-                        <a:lnSpc>
-                          <a:spcPct val="107000"/>
-                        </a:lnSpc>
-                        <a:spcAft>
-                          <a:spcPts val="0"/>
-                        </a:spcAft>
-                      </a:pPr>
-                      <a:r>
-                        <a:rPr lang="en-US" sz="1200">
-                          <a:effectLst/>
-                          <a:latin typeface="Cambria" panose="02040503050406030204" pitchFamily="18" charset="0"/>
-                          <a:ea typeface="Calibri" panose="020F0502020204030204" pitchFamily="34" charset="0"/>
-                          <a:cs typeface="Arial" panose="020B0604020202020204" pitchFamily="34" charset="0"/>
-                        </a:rPr>
-                        <a:t>Current Status		:</a:t>
-                      </a:r>
-                      <a:endParaRPr lang="id-ID" sz="1100">
-                        <a:effectLst/>
-                        <a:latin typeface="Calibri" panose="020F0502020204030204" pitchFamily="34" charset="0"/>
-                        <a:ea typeface="Calibri" panose="020F0502020204030204" pitchFamily="34" charset="0"/>
-                        <a:cs typeface="Arial" panose="020B0604020202020204" pitchFamily="34" charset="0"/>
-                      </a:endParaRPr>
-                    </a:p>
-                  </a:txBody>
-                  <a:tcPr marL="9525" marR="9525" marT="9525" marB="0" anchor="ctr">
-                    <a:lnL w="12700" cap="flat" cmpd="sng" algn="ctr">
-                      <a:solidFill>
-                        <a:schemeClr val="tx1"/>
-                      </a:solidFill>
-                      <a:prstDash val="solid"/>
-                      <a:round/>
-                      <a:headEnd type="none" w="med" len="med"/>
-                      <a:tailEnd type="none" w="med" len="med"/>
-                    </a:lnL>
-                    <a:lnR w="12700" cap="flat" cmpd="sng" algn="ctr">
-                      <a:solidFill>
-                        <a:schemeClr val="tx1"/>
-                      </a:solidFill>
-                      <a:prstDash val="solid"/>
-                      <a:round/>
-                      <a:headEnd type="none" w="med" len="med"/>
-                      <a:tailEnd type="none" w="med" len="med"/>
-                    </a:lnR>
-                    <a:lnT w="12700" cap="flat" cmpd="sng" algn="ctr">
-                      <a:solidFill>
-                        <a:schemeClr val="tx1"/>
-                      </a:solidFill>
-                      <a:prstDash val="solid"/>
-                      <a:round/>
-                      <a:headEnd type="none" w="med" len="med"/>
-                      <a:tailEnd type="none" w="med" len="med"/>
-                    </a:lnT>
-                    <a:lnB w="12700" cap="flat" cmpd="sng" algn="ctr">
-                      <a:solidFill>
-                        <a:schemeClr val="tx1"/>
-                      </a:solidFill>
-                      <a:prstDash val="solid"/>
-                      <a:round/>
-                      <a:headEnd type="none" w="med" len="med"/>
-                      <a:tailEnd type="none" w="med" len="med"/>
-                    </a:lnB>
-                  </a:tcPr>
-                </a:tc>
-                <a:tc>
-                  <a:txBody>
-                    <a:bodyPr/>
-                    <a:lstStyle/>
-                    <a:p>
-                      <a:pPr marL="81915">
-                        <a:lnSpc>
-                          <a:spcPct val="107000"/>
-                        </a:lnSpc>
-                        <a:spcAft>
-                          <a:spcPts val="0"/>
-                        </a:spcAft>
-                      </a:pPr>
-                      <a:r>
-                        <a:rPr lang="en-US" sz="1200">
-                          <a:effectLst/>
-                          <a:latin typeface="Cambria" panose="02040503050406030204" pitchFamily="18" charset="0"/>
-                          <a:ea typeface="Calibri" panose="020F0502020204030204" pitchFamily="34" charset="0"/>
-                          <a:cs typeface="Arial" panose="020B0604020202020204" pitchFamily="34" charset="0"/>
-                        </a:rPr>
-                        <a:t>Complete</a:t>
-                      </a:r>
-                      <a:endParaRPr lang="id-ID" sz="1100">
-                        <a:effectLst/>
-                        <a:latin typeface="Calibri" panose="020F0502020204030204" pitchFamily="34" charset="0"/>
-                        <a:ea typeface="Calibri" panose="020F0502020204030204" pitchFamily="34" charset="0"/>
-                        <a:cs typeface="Arial" panose="020B0604020202020204" pitchFamily="34" charset="0"/>
-                      </a:endParaRPr>
-                    </a:p>
-                  </a:txBody>
-                  <a:tcPr marL="9525" marR="9525" marT="9525" marB="0" anchor="ctr">
-                    <a:lnL w="12700" cap="flat" cmpd="sng" algn="ctr">
-                      <a:solidFill>
-                        <a:schemeClr val="tx1"/>
-                      </a:solidFill>
-                      <a:prstDash val="solid"/>
-                      <a:round/>
-                      <a:headEnd type="none" w="med" len="med"/>
-                      <a:tailEnd type="none" w="med" len="med"/>
-                    </a:lnL>
-                    <a:lnR w="12700" cap="flat" cmpd="sng" algn="ctr">
-                      <a:solidFill>
-                        <a:schemeClr val="tx1"/>
-                      </a:solidFill>
-                      <a:prstDash val="solid"/>
-                      <a:round/>
-                      <a:headEnd type="none" w="med" len="med"/>
-                      <a:tailEnd type="none" w="med" len="med"/>
-                    </a:lnR>
-                    <a:lnT w="12700" cap="flat" cmpd="sng" algn="ctr">
-                      <a:solidFill>
-                        <a:schemeClr val="tx1"/>
-                      </a:solidFill>
-                      <a:prstDash val="solid"/>
-                      <a:round/>
-                      <a:headEnd type="none" w="med" len="med"/>
-                      <a:tailEnd type="none" w="med" len="med"/>
-                    </a:lnT>
-                    <a:lnB w="12700" cap="flat" cmpd="sng" algn="ctr">
-                      <a:solidFill>
-                        <a:schemeClr val="tx1"/>
-                      </a:solidFill>
-                      <a:prstDash val="solid"/>
-                      <a:round/>
-                      <a:headEnd type="none" w="med" len="med"/>
-                      <a:tailEnd type="none" w="med" len="med"/>
-                    </a:lnB>
-                  </a:tcPr>
-                </a:tc>
-                <a:tc>
-                  <a:txBody>
-                    <a:bodyPr/>
-                    <a:lstStyle/>
-                    <a:p>
-                      <a:pPr marL="85090">
-                        <a:lnSpc>
-                          <a:spcPct val="107000"/>
-                        </a:lnSpc>
-                        <a:spcAft>
-                          <a:spcPts val="0"/>
-                        </a:spcAft>
-                      </a:pPr>
-                      <a:r>
-                        <a:rPr lang="en-US" sz="1200">
-                          <a:effectLst/>
-                          <a:latin typeface="Cambria" panose="02040503050406030204" pitchFamily="18" charset="0"/>
-                          <a:ea typeface="Calibri" panose="020F0502020204030204" pitchFamily="34" charset="0"/>
-                          <a:cs typeface="Arial" panose="020B0604020202020204" pitchFamily="34" charset="0"/>
-                        </a:rPr>
-                        <a:t> </a:t>
-                      </a:r>
-                      <a:endParaRPr lang="id-ID" sz="1100">
-                        <a:effectLst/>
-                        <a:latin typeface="Calibri" panose="020F0502020204030204" pitchFamily="34" charset="0"/>
-                        <a:ea typeface="Calibri" panose="020F0502020204030204" pitchFamily="34" charset="0"/>
-                        <a:cs typeface="Arial" panose="020B0604020202020204" pitchFamily="34" charset="0"/>
-                      </a:endParaRPr>
-                    </a:p>
-                  </a:txBody>
-                  <a:tcPr marL="9525" marR="9525" marT="9525" marB="0" anchor="ctr">
-                    <a:lnL w="12700" cap="flat" cmpd="sng" algn="ctr">
-                      <a:solidFill>
-                        <a:schemeClr val="tx1"/>
-                      </a:solidFill>
-                      <a:prstDash val="solid"/>
-                      <a:round/>
-                      <a:headEnd type="none" w="med" len="med"/>
-                      <a:tailEnd type="none" w="med" len="med"/>
-                    </a:lnL>
-                    <a:lnR w="12700" cap="flat" cmpd="sng" algn="ctr">
-                      <a:solidFill>
-                        <a:schemeClr val="tx1"/>
-                      </a:solidFill>
-                      <a:prstDash val="solid"/>
-                      <a:round/>
-                      <a:headEnd type="none" w="med" len="med"/>
-                      <a:tailEnd type="none" w="med" len="med"/>
-                    </a:lnR>
-                    <a:lnT w="12700" cap="flat" cmpd="sng" algn="ctr">
-                      <a:solidFill>
-                        <a:schemeClr val="tx1"/>
-                      </a:solidFill>
-                      <a:prstDash val="solid"/>
-                      <a:round/>
-                      <a:headEnd type="none" w="med" len="med"/>
-                      <a:tailEnd type="none" w="med" len="med"/>
-                    </a:lnT>
-                    <a:lnB w="12700" cap="flat" cmpd="sng" algn="ctr">
-                      <a:solidFill>
-                        <a:schemeClr val="tx1"/>
-                      </a:solidFill>
-                      <a:prstDash val="solid"/>
-                      <a:round/>
-                      <a:headEnd type="none" w="med" len="med"/>
-                      <a:tailEnd type="none" w="med" len="med"/>
-                    </a:lnB>
-                  </a:tcPr>
-                </a:tc>
-                <a:tc>
-                  <a:txBody>
-                    <a:bodyPr/>
-                    <a:lstStyle/>
-                    <a:p>
-                      <a:pPr marL="81915">
-                        <a:lnSpc>
-                          <a:spcPct val="107000"/>
-                        </a:lnSpc>
-                        <a:spcAft>
-                          <a:spcPts val="0"/>
-                        </a:spcAft>
-                      </a:pPr>
-                      <a:r>
-                        <a:rPr lang="en-US" sz="1200">
-                          <a:effectLst/>
-                          <a:latin typeface="Cambria" panose="02040503050406030204" pitchFamily="18" charset="0"/>
-                          <a:ea typeface="Calibri" panose="020F0502020204030204" pitchFamily="34" charset="0"/>
-                          <a:cs typeface="Arial" panose="020B0604020202020204" pitchFamily="34" charset="0"/>
-                        </a:rPr>
-                        <a:t> </a:t>
-                      </a:r>
-                      <a:endParaRPr lang="id-ID" sz="1100">
-                        <a:effectLst/>
-                        <a:latin typeface="Calibri" panose="020F0502020204030204" pitchFamily="34" charset="0"/>
-                        <a:ea typeface="Calibri" panose="020F0502020204030204" pitchFamily="34" charset="0"/>
-                        <a:cs typeface="Arial" panose="020B0604020202020204" pitchFamily="34" charset="0"/>
-                      </a:endParaRPr>
-                    </a:p>
-                  </a:txBody>
-                  <a:tcPr marL="9525" marR="9525" marT="9525" marB="0" anchor="ctr">
-                    <a:lnL w="12700" cap="flat" cmpd="sng" algn="ctr">
-                      <a:solidFill>
-                        <a:schemeClr val="tx1"/>
-                      </a:solidFill>
-                      <a:prstDash val="solid"/>
-                      <a:round/>
-                      <a:headEnd type="none" w="med" len="med"/>
-                      <a:tailEnd type="none" w="med" len="med"/>
-                    </a:lnL>
-                    <a:lnR w="12700" cap="flat" cmpd="sng" algn="ctr">
-                      <a:solidFill>
-                        <a:schemeClr val="tx1"/>
-                      </a:solidFill>
-                      <a:prstDash val="solid"/>
-                      <a:round/>
-                      <a:headEnd type="none" w="med" len="med"/>
-                      <a:tailEnd type="none" w="med" len="med"/>
-                    </a:lnR>
-                    <a:lnT w="12700" cap="flat" cmpd="sng" algn="ctr">
-                      <a:solidFill>
-                        <a:schemeClr val="tx1"/>
-                      </a:solidFill>
-                      <a:prstDash val="solid"/>
-                      <a:round/>
-                      <a:headEnd type="none" w="med" len="med"/>
-                      <a:tailEnd type="none" w="med" len="med"/>
-                    </a:lnT>
-                    <a:lnB w="12700" cap="flat" cmpd="sng" algn="ctr">
-                      <a:solidFill>
-                        <a:schemeClr val="tx1"/>
-                      </a:solidFill>
-                      <a:prstDash val="solid"/>
-                      <a:round/>
-                      <a:headEnd type="none" w="med" len="med"/>
-                      <a:tailEnd type="none" w="med" len="med"/>
-                    </a:lnB>
-                  </a:tcPr>
-                </a:tc>
-              </a:tr>
-              <a:tr h="330037">
-                <a:tc>
-                  <a:txBody>
-                    <a:bodyPr/>
-                    <a:lstStyle/>
-                    <a:p>
-                      <a:pPr marL="78740">
-                        <a:lnSpc>
-                          <a:spcPct val="107000"/>
-                        </a:lnSpc>
-                        <a:spcAft>
-                          <a:spcPts val="0"/>
-                        </a:spcAft>
-                      </a:pPr>
-                      <a:r>
-                        <a:rPr lang="en-US" sz="1200">
-                          <a:effectLst/>
-                          <a:latin typeface="Cambria" panose="02040503050406030204" pitchFamily="18" charset="0"/>
-                          <a:ea typeface="Calibri" panose="020F0502020204030204" pitchFamily="34" charset="0"/>
-                          <a:cs typeface="Arial" panose="020B0604020202020204" pitchFamily="34" charset="0"/>
-                        </a:rPr>
-                        <a:t>Signing Off Authority	:</a:t>
-                      </a:r>
-                      <a:endParaRPr lang="id-ID" sz="1100">
-                        <a:effectLst/>
-                        <a:latin typeface="Calibri" panose="020F0502020204030204" pitchFamily="34" charset="0"/>
-                        <a:ea typeface="Calibri" panose="020F0502020204030204" pitchFamily="34" charset="0"/>
-                        <a:cs typeface="Arial" panose="020B0604020202020204" pitchFamily="34" charset="0"/>
-                      </a:endParaRPr>
-                    </a:p>
-                  </a:txBody>
-                  <a:tcPr marL="9525" marR="9525" marT="9525" marB="0" anchor="ctr">
-                    <a:lnL w="12700" cap="flat" cmpd="sng" algn="ctr">
-                      <a:solidFill>
-                        <a:schemeClr val="tx1"/>
-                      </a:solidFill>
-                      <a:prstDash val="solid"/>
-                      <a:round/>
-                      <a:headEnd type="none" w="med" len="med"/>
-                      <a:tailEnd type="none" w="med" len="med"/>
-                    </a:lnL>
-                    <a:lnR w="12700" cap="flat" cmpd="sng" algn="ctr">
-                      <a:solidFill>
-                        <a:schemeClr val="tx1"/>
-                      </a:solidFill>
-                      <a:prstDash val="solid"/>
-                      <a:round/>
-                      <a:headEnd type="none" w="med" len="med"/>
-                      <a:tailEnd type="none" w="med" len="med"/>
-                    </a:lnR>
-                    <a:lnT w="12700" cap="flat" cmpd="sng" algn="ctr">
-                      <a:solidFill>
-                        <a:schemeClr val="tx1"/>
-                      </a:solidFill>
-                      <a:prstDash val="solid"/>
-                      <a:round/>
-                      <a:headEnd type="none" w="med" len="med"/>
-                      <a:tailEnd type="none" w="med" len="med"/>
-                    </a:lnT>
-                    <a:lnB w="12700" cap="flat" cmpd="sng" algn="ctr">
-                      <a:solidFill>
-                        <a:schemeClr val="tx1"/>
-                      </a:solidFill>
-                      <a:prstDash val="solid"/>
-                      <a:round/>
-                      <a:headEnd type="none" w="med" len="med"/>
-                      <a:tailEnd type="none" w="med" len="med"/>
-                    </a:lnB>
-                  </a:tcPr>
-                </a:tc>
-                <a:tc>
-                  <a:txBody>
-                    <a:bodyPr/>
-                    <a:lstStyle/>
-                    <a:p>
-                      <a:pPr marL="81915">
-                        <a:lnSpc>
-                          <a:spcPct val="107000"/>
-                        </a:lnSpc>
-                        <a:spcAft>
-                          <a:spcPts val="0"/>
-                        </a:spcAft>
-                      </a:pPr>
-                      <a:r>
-                        <a:rPr lang="en-US" sz="1200">
-                          <a:effectLst/>
-                          <a:latin typeface="Cambria" panose="02040503050406030204" pitchFamily="18" charset="0"/>
-                          <a:ea typeface="Calibri" panose="020F0502020204030204" pitchFamily="34" charset="0"/>
-                          <a:cs typeface="Arial" panose="020B0604020202020204" pitchFamily="34" charset="0"/>
-                        </a:rPr>
-                        <a:t>Wildan Luqmanul Hakim</a:t>
-                      </a:r>
-                      <a:endParaRPr lang="id-ID" sz="1100">
-                        <a:effectLst/>
-                        <a:latin typeface="Calibri" panose="020F0502020204030204" pitchFamily="34" charset="0"/>
-                        <a:ea typeface="Calibri" panose="020F0502020204030204" pitchFamily="34" charset="0"/>
-                        <a:cs typeface="Arial" panose="020B0604020202020204" pitchFamily="34" charset="0"/>
-                      </a:endParaRPr>
-                    </a:p>
-                  </a:txBody>
-                  <a:tcPr marL="9525" marR="9525" marT="9525" marB="0" anchor="ctr">
-                    <a:lnL w="12700" cap="flat" cmpd="sng" algn="ctr">
-                      <a:solidFill>
-                        <a:schemeClr val="tx1"/>
-                      </a:solidFill>
-                      <a:prstDash val="solid"/>
-                      <a:round/>
-                      <a:headEnd type="none" w="med" len="med"/>
-                      <a:tailEnd type="none" w="med" len="med"/>
-                    </a:lnL>
-                    <a:lnR w="12700" cap="flat" cmpd="sng" algn="ctr">
-                      <a:solidFill>
-                        <a:schemeClr val="tx1"/>
-                      </a:solidFill>
-                      <a:prstDash val="solid"/>
-                      <a:round/>
-                      <a:headEnd type="none" w="med" len="med"/>
-                      <a:tailEnd type="none" w="med" len="med"/>
-                    </a:lnR>
-                    <a:lnT w="12700" cap="flat" cmpd="sng" algn="ctr">
-                      <a:solidFill>
-                        <a:schemeClr val="tx1"/>
-                      </a:solidFill>
-                      <a:prstDash val="solid"/>
-                      <a:round/>
-                      <a:headEnd type="none" w="med" len="med"/>
-                      <a:tailEnd type="none" w="med" len="med"/>
-                    </a:lnT>
-                    <a:lnB w="12700" cap="flat" cmpd="sng" algn="ctr">
-                      <a:solidFill>
-                        <a:schemeClr val="tx1"/>
-                      </a:solidFill>
-                      <a:prstDash val="solid"/>
-                      <a:round/>
-                      <a:headEnd type="none" w="med" len="med"/>
-                      <a:tailEnd type="none" w="med" len="med"/>
-                    </a:lnB>
-                  </a:tcPr>
-                </a:tc>
-                <a:tc>
-                  <a:txBody>
-                    <a:bodyPr/>
-                    <a:lstStyle/>
-                    <a:p>
-                      <a:pPr marL="85090">
-                        <a:lnSpc>
-                          <a:spcPct val="107000"/>
-                        </a:lnSpc>
-                        <a:spcAft>
-                          <a:spcPts val="0"/>
-                        </a:spcAft>
-                      </a:pPr>
-                      <a:r>
-                        <a:rPr lang="en-US" sz="1200">
-                          <a:effectLst/>
-                          <a:latin typeface="Cambria" panose="02040503050406030204" pitchFamily="18" charset="0"/>
-                          <a:ea typeface="Calibri" panose="020F0502020204030204" pitchFamily="34" charset="0"/>
-                          <a:cs typeface="Arial" panose="020B0604020202020204" pitchFamily="34" charset="0"/>
-                        </a:rPr>
-                        <a:t> Software Engineer</a:t>
-                      </a:r>
-                      <a:endParaRPr lang="id-ID" sz="1100">
-                        <a:effectLst/>
-                        <a:latin typeface="Calibri" panose="020F0502020204030204" pitchFamily="34" charset="0"/>
-                        <a:ea typeface="Calibri" panose="020F0502020204030204" pitchFamily="34" charset="0"/>
-                        <a:cs typeface="Arial" panose="020B0604020202020204" pitchFamily="34" charset="0"/>
-                      </a:endParaRPr>
-                    </a:p>
-                  </a:txBody>
-                  <a:tcPr marL="9525" marR="9525" marT="9525" marB="0" anchor="ctr">
-                    <a:lnL w="12700" cap="flat" cmpd="sng" algn="ctr">
-                      <a:solidFill>
-                        <a:schemeClr val="tx1"/>
-                      </a:solidFill>
-                      <a:prstDash val="solid"/>
-                      <a:round/>
-                      <a:headEnd type="none" w="med" len="med"/>
-                      <a:tailEnd type="none" w="med" len="med"/>
-                    </a:lnL>
-                    <a:lnR w="12700" cap="flat" cmpd="sng" algn="ctr">
-                      <a:solidFill>
-                        <a:schemeClr val="tx1"/>
-                      </a:solidFill>
-                      <a:prstDash val="solid"/>
-                      <a:round/>
-                      <a:headEnd type="none" w="med" len="med"/>
-                      <a:tailEnd type="none" w="med" len="med"/>
-                    </a:lnR>
-                    <a:lnT w="12700" cap="flat" cmpd="sng" algn="ctr">
-                      <a:solidFill>
-                        <a:schemeClr val="tx1"/>
-                      </a:solidFill>
-                      <a:prstDash val="solid"/>
-                      <a:round/>
-                      <a:headEnd type="none" w="med" len="med"/>
-                      <a:tailEnd type="none" w="med" len="med"/>
-                    </a:lnT>
-                    <a:lnB w="12700" cap="flat" cmpd="sng" algn="ctr">
-                      <a:solidFill>
-                        <a:schemeClr val="tx1"/>
-                      </a:solidFill>
-                      <a:prstDash val="solid"/>
-                      <a:round/>
-                      <a:headEnd type="none" w="med" len="med"/>
-                      <a:tailEnd type="none" w="med" len="med"/>
-                    </a:lnB>
-                  </a:tcPr>
-                </a:tc>
-                <a:tc>
-                  <a:txBody>
-                    <a:bodyPr/>
-                    <a:lstStyle/>
-                    <a:p>
-                      <a:pPr marL="81915">
-                        <a:lnSpc>
-                          <a:spcPct val="107000"/>
-                        </a:lnSpc>
-                        <a:spcAft>
-                          <a:spcPts val="0"/>
-                        </a:spcAft>
-                      </a:pPr>
-                      <a:r>
-                        <a:rPr lang="en-US" sz="1200" dirty="0">
-                          <a:effectLst/>
-                          <a:latin typeface="Cambria" panose="02040503050406030204" pitchFamily="18" charset="0"/>
-                          <a:ea typeface="Calibri" panose="020F0502020204030204" pitchFamily="34" charset="0"/>
-                          <a:cs typeface="Arial" panose="020B0604020202020204" pitchFamily="34" charset="0"/>
-                        </a:rPr>
-                        <a:t> </a:t>
-                      </a:r>
-                      <a:endParaRPr lang="id-ID" sz="1100" dirty="0">
-                        <a:effectLst/>
-                        <a:latin typeface="Calibri" panose="020F0502020204030204" pitchFamily="34" charset="0"/>
-                        <a:ea typeface="Calibri" panose="020F0502020204030204" pitchFamily="34" charset="0"/>
-                        <a:cs typeface="Arial" panose="020B0604020202020204" pitchFamily="34" charset="0"/>
-                      </a:endParaRPr>
-                    </a:p>
-                  </a:txBody>
-                  <a:tcPr marL="9525" marR="9525" marT="9525" marB="0" anchor="ctr">
-                    <a:lnL w="12700" cap="flat" cmpd="sng" algn="ctr">
-                      <a:solidFill>
-                        <a:schemeClr val="tx1"/>
-                      </a:solidFill>
-                      <a:prstDash val="solid"/>
-                      <a:round/>
-                      <a:headEnd type="none" w="med" len="med"/>
-                      <a:tailEnd type="none" w="med" len="med"/>
-                    </a:lnL>
-                    <a:lnR w="12700" cap="flat" cmpd="sng" algn="ctr">
-                      <a:solidFill>
-                        <a:schemeClr val="tx1"/>
-                      </a:solidFill>
-                      <a:prstDash val="solid"/>
-                      <a:round/>
-                      <a:headEnd type="none" w="med" len="med"/>
-                      <a:tailEnd type="none" w="med" len="med"/>
-                    </a:lnR>
-                    <a:lnT w="12700" cap="flat" cmpd="sng" algn="ctr">
-                      <a:solidFill>
-                        <a:schemeClr val="tx1"/>
-                      </a:solidFill>
-                      <a:prstDash val="solid"/>
-                      <a:round/>
-                      <a:headEnd type="none" w="med" len="med"/>
-                      <a:tailEnd type="none" w="med" len="med"/>
-                    </a:lnT>
-                    <a:lnB w="12700" cap="flat" cmpd="sng" algn="ctr">
-                      <a:solidFill>
-                        <a:schemeClr val="tx1"/>
-                      </a:solidFill>
-                      <a:prstDash val="solid"/>
-                      <a:round/>
-                      <a:headEnd type="none" w="med" len="med"/>
-                      <a:tailEnd type="none" w="med" len="med"/>
-                    </a:lnB>
-                  </a:tcPr>
-                </a:tc>
-              </a:tr>
-            </a:tbl>
-          </a:graphicData>
-        </a:graphic>
-      </p:graphicFrame>
+      <p:pic>
+        <p:nvPicPr>
+          <p:cNvPr id="4" name="Picture 3">
+            <a:extLst>
+              <a:ext uri="{FF2B5EF4-FFF2-40B4-BE49-F238E27FC236}">
+                <a16:creationId xmlns:a16="http://schemas.microsoft.com/office/drawing/2014/main" id="{AA7D9811-C94F-8590-90BC-CC34377A0889}"/>
+              </a:ext>
+            </a:extLst>
+          </p:cNvPr>
+          <p:cNvPicPr>
+            <a:picLocks noChangeAspect="1"/>
+          </p:cNvPicPr>
+          <p:nvPr/>
+        </p:nvPicPr>
+        <p:blipFill>
+          <a:blip r:embed="rId2"/>
+          <a:stretch>
+            <a:fillRect/>
+          </a:stretch>
+        </p:blipFill>
+        <p:spPr>
+          <a:xfrm>
+            <a:off x="611560" y="1675638"/>
+            <a:ext cx="7236296" cy="4587812"/>
+          </a:xfrm>
+          <a:prstGeom prst="rect">
+            <a:avLst/>
+          </a:prstGeom>
+        </p:spPr>
+      </p:pic>
     </p:spTree>
   </p:cSld>
   <p:clrMapOvr>
@@ -16278,7 +13538,7 @@
 </p:sld>
 </file>
 
-<file path=ppt/slides/slide8.xml><?xml version="1.0" encoding="utf-8"?>
+<file path=ppt/slides/slide9.xml><?xml version="1.0" encoding="utf-8"?>
 <p:sld xmlns:a="http://schemas.openxmlformats.org/drawingml/2006/main" xmlns:r="http://schemas.openxmlformats.org/officeDocument/2006/relationships" xmlns:p="http://schemas.openxmlformats.org/presentationml/2006/main">
   <p:cSld>
     <p:spTree>
@@ -16300,7 +13560,7 @@
           <p:cNvPr id="17410" name="TextBox 2">
             <a:extLst>
               <a:ext uri="{FF2B5EF4-FFF2-40B4-BE49-F238E27FC236}">
-                <a16:creationId xmlns:a16="http://schemas.microsoft.com/office/drawing/2014/main" xmlns="" id="{B119ABBE-DEA9-4C5A-BB9D-474E77EE127A}"/>
+                <a16:creationId xmlns:a16="http://schemas.microsoft.com/office/drawing/2014/main" id="{B119ABBE-DEA9-4C5A-BB9D-474E77EE127A}"/>
               </a:ext>
             </a:extLst>
           </p:cNvPr>
@@ -16550,7 +13810,7 @@
           <a:lstStyle/>
           <a:p>
             <a:r>
-              <a:rPr lang="en-US" dirty="0" smtClean="0"/>
+              <a:rPr lang="en-US" dirty="0"/>
               <a:t>Unit Test</a:t>
             </a:r>
             <a:endParaRPr lang="id-ID" dirty="0"/>
@@ -16558,298 +13818,6 @@
         </p:txBody>
       </p:sp>
     </p:spTree>
-  </p:cSld>
-  <p:clrMapOvr>
-    <a:masterClrMapping/>
-  </p:clrMapOvr>
-</p:sld>
-</file>
-
-<file path=ppt/slides/slide9.xml><?xml version="1.0" encoding="utf-8"?>
-<p:sld xmlns:a="http://schemas.openxmlformats.org/drawingml/2006/main" xmlns:r="http://schemas.openxmlformats.org/officeDocument/2006/relationships" xmlns:p="http://schemas.openxmlformats.org/presentationml/2006/main">
-  <p:cSld>
-    <p:spTree>
-      <p:nvGrpSpPr>
-        <p:cNvPr id="1" name=""/>
-        <p:cNvGrpSpPr/>
-        <p:nvPr/>
-      </p:nvGrpSpPr>
-      <p:grpSpPr>
-        <a:xfrm>
-          <a:off x="0" y="0"/>
-          <a:ext cx="0" cy="0"/>
-          <a:chOff x="0" y="0"/>
-          <a:chExt cx="0" cy="0"/>
-        </a:xfrm>
-      </p:grpSpPr>
-      <p:sp>
-        <p:nvSpPr>
-          <p:cNvPr id="17410" name="TextBox 2">
-            <a:extLst>
-              <a:ext uri="{FF2B5EF4-FFF2-40B4-BE49-F238E27FC236}">
-                <a16:creationId xmlns:a16="http://schemas.microsoft.com/office/drawing/2014/main" xmlns="" id="{B119ABBE-DEA9-4C5A-BB9D-474E77EE127A}"/>
-              </a:ext>
-            </a:extLst>
-          </p:cNvPr>
-          <p:cNvSpPr txBox="1">
-            <a:spLocks noChangeArrowheads="1"/>
-          </p:cNvSpPr>
-          <p:nvPr/>
-        </p:nvSpPr>
-        <p:spPr bwMode="auto">
-          <a:xfrm>
-            <a:off x="34925" y="404813"/>
-            <a:ext cx="6689725" cy="522287"/>
-          </a:xfrm>
-          <a:prstGeom prst="rect">
-            <a:avLst/>
-          </a:prstGeom>
-          <a:noFill/>
-          <a:ln>
-            <a:noFill/>
-          </a:ln>
-          <a:extLst>
-            <a:ext uri="{909E8E84-426E-40DD-AFC4-6F175D3DCCD1}">
-              <a14:hiddenFill xmlns:a14="http://schemas.microsoft.com/office/drawing/2010/main">
-                <a:solidFill>
-                  <a:srgbClr val="FFFFFF"/>
-                </a:solidFill>
-              </a14:hiddenFill>
-            </a:ext>
-            <a:ext uri="{91240B29-F687-4F45-9708-019B960494DF}">
-              <a14:hiddenLine xmlns:a14="http://schemas.microsoft.com/office/drawing/2010/main" w="9525">
-                <a:solidFill>
-                  <a:srgbClr val="000000"/>
-                </a:solidFill>
-                <a:miter lim="800000"/>
-                <a:headEnd/>
-                <a:tailEnd/>
-              </a14:hiddenLine>
-            </a:ext>
-          </a:extLst>
-        </p:spPr>
-        <p:txBody>
-          <a:bodyPr>
-            <a:spAutoFit/>
-          </a:bodyPr>
-          <a:lstStyle>
-            <a:lvl1pPr>
-              <a:defRPr>
-                <a:solidFill>
-                  <a:schemeClr val="tx1"/>
-                </a:solidFill>
-                <a:latin typeface="Arial" panose="020B0604020202020204" pitchFamily="34" charset="0"/>
-                <a:ea typeface="ヒラギノ角ゴ Pro W3" charset="-128"/>
-              </a:defRPr>
-            </a:lvl1pPr>
-            <a:lvl2pPr marL="742950" indent="-285750">
-              <a:defRPr>
-                <a:solidFill>
-                  <a:schemeClr val="tx1"/>
-                </a:solidFill>
-                <a:latin typeface="Arial" panose="020B0604020202020204" pitchFamily="34" charset="0"/>
-                <a:ea typeface="ヒラギノ角ゴ Pro W3" charset="-128"/>
-              </a:defRPr>
-            </a:lvl2pPr>
-            <a:lvl3pPr marL="1143000" indent="-228600">
-              <a:defRPr>
-                <a:solidFill>
-                  <a:schemeClr val="tx1"/>
-                </a:solidFill>
-                <a:latin typeface="Arial" panose="020B0604020202020204" pitchFamily="34" charset="0"/>
-                <a:ea typeface="ヒラギノ角ゴ Pro W3" charset="-128"/>
-              </a:defRPr>
-            </a:lvl3pPr>
-            <a:lvl4pPr marL="1600200" indent="-228600">
-              <a:defRPr>
-                <a:solidFill>
-                  <a:schemeClr val="tx1"/>
-                </a:solidFill>
-                <a:latin typeface="Arial" panose="020B0604020202020204" pitchFamily="34" charset="0"/>
-                <a:ea typeface="ヒラギノ角ゴ Pro W3" charset="-128"/>
-              </a:defRPr>
-            </a:lvl4pPr>
-            <a:lvl5pPr marL="2057400" indent="-228600">
-              <a:defRPr>
-                <a:solidFill>
-                  <a:schemeClr val="tx1"/>
-                </a:solidFill>
-                <a:latin typeface="Arial" panose="020B0604020202020204" pitchFamily="34" charset="0"/>
-                <a:ea typeface="ヒラギノ角ゴ Pro W3" charset="-128"/>
-              </a:defRPr>
-            </a:lvl5pPr>
-            <a:lvl6pPr marL="2514600" indent="-228600" defTabSz="457200" eaLnBrk="0" fontAlgn="base" hangingPunct="0">
-              <a:spcBef>
-                <a:spcPct val="0"/>
-              </a:spcBef>
-              <a:spcAft>
-                <a:spcPct val="0"/>
-              </a:spcAft>
-              <a:defRPr>
-                <a:solidFill>
-                  <a:schemeClr val="tx1"/>
-                </a:solidFill>
-                <a:latin typeface="Arial" panose="020B0604020202020204" pitchFamily="34" charset="0"/>
-                <a:ea typeface="ヒラギノ角ゴ Pro W3" charset="-128"/>
-              </a:defRPr>
-            </a:lvl6pPr>
-            <a:lvl7pPr marL="2971800" indent="-228600" defTabSz="457200" eaLnBrk="0" fontAlgn="base" hangingPunct="0">
-              <a:spcBef>
-                <a:spcPct val="0"/>
-              </a:spcBef>
-              <a:spcAft>
-                <a:spcPct val="0"/>
-              </a:spcAft>
-              <a:defRPr>
-                <a:solidFill>
-                  <a:schemeClr val="tx1"/>
-                </a:solidFill>
-                <a:latin typeface="Arial" panose="020B0604020202020204" pitchFamily="34" charset="0"/>
-                <a:ea typeface="ヒラギノ角ゴ Pro W3" charset="-128"/>
-              </a:defRPr>
-            </a:lvl7pPr>
-            <a:lvl8pPr marL="3429000" indent="-228600" defTabSz="457200" eaLnBrk="0" fontAlgn="base" hangingPunct="0">
-              <a:spcBef>
-                <a:spcPct val="0"/>
-              </a:spcBef>
-              <a:spcAft>
-                <a:spcPct val="0"/>
-              </a:spcAft>
-              <a:defRPr>
-                <a:solidFill>
-                  <a:schemeClr val="tx1"/>
-                </a:solidFill>
-                <a:latin typeface="Arial" panose="020B0604020202020204" pitchFamily="34" charset="0"/>
-                <a:ea typeface="ヒラギノ角ゴ Pro W3" charset="-128"/>
-              </a:defRPr>
-            </a:lvl8pPr>
-            <a:lvl9pPr marL="3886200" indent="-228600" defTabSz="457200" eaLnBrk="0" fontAlgn="base" hangingPunct="0">
-              <a:spcBef>
-                <a:spcPct val="0"/>
-              </a:spcBef>
-              <a:spcAft>
-                <a:spcPct val="0"/>
-              </a:spcAft>
-              <a:defRPr>
-                <a:solidFill>
-                  <a:schemeClr val="tx1"/>
-                </a:solidFill>
-                <a:latin typeface="Arial" panose="020B0604020202020204" pitchFamily="34" charset="0"/>
-                <a:ea typeface="ヒラギノ角ゴ Pro W3" charset="-128"/>
-              </a:defRPr>
-            </a:lvl9pPr>
-          </a:lstStyle>
-          <a:p>
-            <a:r>
-              <a:rPr lang="en-US" altLang="en-US" sz="2800" dirty="0">
-                <a:solidFill>
-                  <a:srgbClr val="FFFFFF"/>
-                </a:solidFill>
-                <a:cs typeface="Arial" panose="020B0604020202020204" pitchFamily="34" charset="0"/>
-              </a:rPr>
-              <a:t>5. </a:t>
-            </a:r>
-            <a:r>
-              <a:rPr lang="en-SG" altLang="en-US" sz="2800" dirty="0">
-                <a:solidFill>
-                  <a:schemeClr val="bg1"/>
-                </a:solidFill>
-              </a:rPr>
-              <a:t>Test Results</a:t>
-            </a:r>
-            <a:endParaRPr lang="en-US" altLang="en-US" sz="2800" dirty="0">
-              <a:solidFill>
-                <a:schemeClr val="bg1"/>
-              </a:solidFill>
-              <a:cs typeface="Arial" panose="020B0604020202020204" pitchFamily="34" charset="0"/>
-            </a:endParaRPr>
-          </a:p>
-        </p:txBody>
-      </p:sp>
-      <p:pic>
-        <p:nvPicPr>
-          <p:cNvPr id="4" name="Picture 3"/>
-          <p:cNvPicPr>
-            <a:picLocks noChangeAspect="1"/>
-          </p:cNvPicPr>
-          <p:nvPr/>
-        </p:nvPicPr>
-        <p:blipFill>
-          <a:blip r:embed="rId2"/>
-          <a:stretch>
-            <a:fillRect/>
-          </a:stretch>
-        </p:blipFill>
-        <p:spPr>
-          <a:xfrm>
-            <a:off x="1540793" y="1500729"/>
-            <a:ext cx="6113090" cy="1208191"/>
-          </a:xfrm>
-          <a:prstGeom prst="rect">
-            <a:avLst/>
-          </a:prstGeom>
-        </p:spPr>
-      </p:pic>
-      <p:pic>
-        <p:nvPicPr>
-          <p:cNvPr id="5" name="Picture 4"/>
-          <p:cNvPicPr>
-            <a:picLocks noChangeAspect="1"/>
-          </p:cNvPicPr>
-          <p:nvPr/>
-        </p:nvPicPr>
-        <p:blipFill>
-          <a:blip r:embed="rId3"/>
-          <a:stretch>
-            <a:fillRect/>
-          </a:stretch>
-        </p:blipFill>
-        <p:spPr>
-          <a:xfrm>
-            <a:off x="1547664" y="2708920"/>
-            <a:ext cx="6113090" cy="3796614"/>
-          </a:xfrm>
-          <a:prstGeom prst="rect">
-            <a:avLst/>
-          </a:prstGeom>
-        </p:spPr>
-      </p:pic>
-      <p:sp>
-        <p:nvSpPr>
-          <p:cNvPr id="7" name="TextBox 6"/>
-          <p:cNvSpPr txBox="1"/>
-          <p:nvPr/>
-        </p:nvSpPr>
-        <p:spPr>
-          <a:xfrm>
-            <a:off x="323528" y="1340768"/>
-            <a:ext cx="1108252" cy="369332"/>
-          </a:xfrm>
-          <a:prstGeom prst="rect">
-            <a:avLst/>
-          </a:prstGeom>
-          <a:noFill/>
-        </p:spPr>
-        <p:txBody>
-          <a:bodyPr wrap="none" rtlCol="0">
-            <a:spAutoFit/>
-          </a:bodyPr>
-          <a:lstStyle/>
-          <a:p>
-            <a:r>
-              <a:rPr lang="en-US" dirty="0" smtClean="0"/>
-              <a:t>UAT Test</a:t>
-            </a:r>
-            <a:endParaRPr lang="id-ID" dirty="0"/>
-          </a:p>
-        </p:txBody>
-      </p:sp>
-    </p:spTree>
-    <p:extLst>
-      <p:ext uri="{BB962C8B-B14F-4D97-AF65-F5344CB8AC3E}">
-        <p14:creationId xmlns:p14="http://schemas.microsoft.com/office/powerpoint/2010/main" val="337506041"/>
-      </p:ext>
-    </p:extLst>
   </p:cSld>
   <p:clrMapOvr>
     <a:masterClrMapping/>
